--- a/Slide/Week 0.pptx
+++ b/Slide/Week 0.pptx
@@ -5,10 +5,27 @@
     <p:sldMasterId id="2147483648" r:id="rId1"/>
   </p:sldMasterIdLst>
   <p:notesMasterIdLst>
-    <p:notesMasterId r:id="rId3"/>
+    <p:notesMasterId r:id="rId20"/>
   </p:notesMasterIdLst>
   <p:sldIdLst>
     <p:sldId id="256" r:id="rId2"/>
+    <p:sldId id="259" r:id="rId3"/>
+    <p:sldId id="260" r:id="rId4"/>
+    <p:sldId id="264" r:id="rId5"/>
+    <p:sldId id="261" r:id="rId6"/>
+    <p:sldId id="262" r:id="rId7"/>
+    <p:sldId id="263" r:id="rId8"/>
+    <p:sldId id="265" r:id="rId9"/>
+    <p:sldId id="266" r:id="rId10"/>
+    <p:sldId id="267" r:id="rId11"/>
+    <p:sldId id="268" r:id="rId12"/>
+    <p:sldId id="269" r:id="rId13"/>
+    <p:sldId id="270" r:id="rId14"/>
+    <p:sldId id="271" r:id="rId15"/>
+    <p:sldId id="272" r:id="rId16"/>
+    <p:sldId id="273" r:id="rId17"/>
+    <p:sldId id="274" r:id="rId18"/>
+    <p:sldId id="275" r:id="rId19"/>
   </p:sldIdLst>
   <p:sldSz cx="12192000" cy="6858000"/>
   <p:notesSz cx="6858000" cy="9144000"/>
@@ -197,7 +214,7 @@
           <a:p>
             <a:fld id="{9EF9BBB1-2DF8-497D-81E7-55722948CB69}" type="datetimeFigureOut">
               <a:rPr lang="en-US" smtClean="0"/>
-              <a:t>3/24/2025</a:t>
+              <a:t>3/25/2025</a:t>
             </a:fld>
             <a:endParaRPr lang="en-US"/>
           </a:p>
@@ -548,6 +565,1842 @@
 </p:notes>
 </file>
 
+<file path=ppt/notesSlides/notesSlide10.xml><?xml version="1.0" encoding="utf-8"?>
+<p:notes xmlns:a="http://schemas.openxmlformats.org/drawingml/2006/main" xmlns:r="http://schemas.openxmlformats.org/officeDocument/2006/relationships" xmlns:p="http://schemas.openxmlformats.org/presentationml/2006/main">
+  <p:cSld>
+    <p:spTree>
+      <p:nvGrpSpPr>
+        <p:cNvPr id="1" name="">
+          <a:extLst>
+            <a:ext uri="{FF2B5EF4-FFF2-40B4-BE49-F238E27FC236}">
+              <a16:creationId xmlns:a16="http://schemas.microsoft.com/office/drawing/2014/main" id="{02127960-E781-17A8-B1CD-E7E95FF87F2E}"/>
+            </a:ext>
+          </a:extLst>
+        </p:cNvPr>
+        <p:cNvGrpSpPr/>
+        <p:nvPr/>
+      </p:nvGrpSpPr>
+      <p:grpSpPr>
+        <a:xfrm>
+          <a:off x="0" y="0"/>
+          <a:ext cx="0" cy="0"/>
+          <a:chOff x="0" y="0"/>
+          <a:chExt cx="0" cy="0"/>
+        </a:xfrm>
+      </p:grpSpPr>
+      <p:sp>
+        <p:nvSpPr>
+          <p:cNvPr id="2" name="Slide Image Placeholder 1">
+            <a:extLst>
+              <a:ext uri="{FF2B5EF4-FFF2-40B4-BE49-F238E27FC236}">
+                <a16:creationId xmlns:a16="http://schemas.microsoft.com/office/drawing/2014/main" id="{B5E8ED6D-6946-7EE4-2E8A-01EA27301EAC}"/>
+              </a:ext>
+            </a:extLst>
+          </p:cNvPr>
+          <p:cNvSpPr>
+            <a:spLocks noGrp="1" noRot="1" noChangeAspect="1"/>
+          </p:cNvSpPr>
+          <p:nvPr>
+            <p:ph type="sldImg"/>
+          </p:nvPr>
+        </p:nvSpPr>
+        <p:spPr/>
+      </p:sp>
+      <p:sp>
+        <p:nvSpPr>
+          <p:cNvPr id="3" name="Notes Placeholder 2">
+            <a:extLst>
+              <a:ext uri="{FF2B5EF4-FFF2-40B4-BE49-F238E27FC236}">
+                <a16:creationId xmlns:a16="http://schemas.microsoft.com/office/drawing/2014/main" id="{0F9BAE82-4DA4-CD74-88CC-D5848DCF4ABC}"/>
+              </a:ext>
+            </a:extLst>
+          </p:cNvPr>
+          <p:cNvSpPr>
+            <a:spLocks noGrp="1"/>
+          </p:cNvSpPr>
+          <p:nvPr>
+            <p:ph type="body" idx="1"/>
+          </p:nvPr>
+        </p:nvSpPr>
+        <p:spPr/>
+        <p:txBody>
+          <a:bodyPr/>
+          <a:lstStyle/>
+          <a:p>
+            <a:endParaRPr lang="en-US" dirty="0"/>
+          </a:p>
+        </p:txBody>
+      </p:sp>
+      <p:sp>
+        <p:nvSpPr>
+          <p:cNvPr id="4" name="Slide Number Placeholder 3">
+            <a:extLst>
+              <a:ext uri="{FF2B5EF4-FFF2-40B4-BE49-F238E27FC236}">
+                <a16:creationId xmlns:a16="http://schemas.microsoft.com/office/drawing/2014/main" id="{70ACF96F-9B64-2C37-3D62-FFC0EA031CE8}"/>
+              </a:ext>
+            </a:extLst>
+          </p:cNvPr>
+          <p:cNvSpPr>
+            <a:spLocks noGrp="1"/>
+          </p:cNvSpPr>
+          <p:nvPr>
+            <p:ph type="sldNum" sz="quarter" idx="5"/>
+          </p:nvPr>
+        </p:nvSpPr>
+        <p:spPr/>
+        <p:txBody>
+          <a:bodyPr/>
+          <a:lstStyle/>
+          <a:p>
+            <a:fld id="{BE8156D7-CAAF-45E2-9066-0052B4CA1777}" type="slidenum">
+              <a:rPr lang="en-US" smtClean="0"/>
+              <a:t>10</a:t>
+            </a:fld>
+            <a:endParaRPr lang="en-US"/>
+          </a:p>
+        </p:txBody>
+      </p:sp>
+    </p:spTree>
+    <p:extLst>
+      <p:ext uri="{BB962C8B-B14F-4D97-AF65-F5344CB8AC3E}">
+        <p14:creationId xmlns:p14="http://schemas.microsoft.com/office/powerpoint/2010/main" val="2316128830"/>
+      </p:ext>
+    </p:extLst>
+  </p:cSld>
+  <p:clrMapOvr>
+    <a:masterClrMapping/>
+  </p:clrMapOvr>
+</p:notes>
+</file>
+
+<file path=ppt/notesSlides/notesSlide11.xml><?xml version="1.0" encoding="utf-8"?>
+<p:notes xmlns:a="http://schemas.openxmlformats.org/drawingml/2006/main" xmlns:r="http://schemas.openxmlformats.org/officeDocument/2006/relationships" xmlns:p="http://schemas.openxmlformats.org/presentationml/2006/main">
+  <p:cSld>
+    <p:spTree>
+      <p:nvGrpSpPr>
+        <p:cNvPr id="1" name="">
+          <a:extLst>
+            <a:ext uri="{FF2B5EF4-FFF2-40B4-BE49-F238E27FC236}">
+              <a16:creationId xmlns:a16="http://schemas.microsoft.com/office/drawing/2014/main" id="{51744DAF-B2BF-00A8-F9DC-642BB4A29854}"/>
+            </a:ext>
+          </a:extLst>
+        </p:cNvPr>
+        <p:cNvGrpSpPr/>
+        <p:nvPr/>
+      </p:nvGrpSpPr>
+      <p:grpSpPr>
+        <a:xfrm>
+          <a:off x="0" y="0"/>
+          <a:ext cx="0" cy="0"/>
+          <a:chOff x="0" y="0"/>
+          <a:chExt cx="0" cy="0"/>
+        </a:xfrm>
+      </p:grpSpPr>
+      <p:sp>
+        <p:nvSpPr>
+          <p:cNvPr id="2" name="Slide Image Placeholder 1">
+            <a:extLst>
+              <a:ext uri="{FF2B5EF4-FFF2-40B4-BE49-F238E27FC236}">
+                <a16:creationId xmlns:a16="http://schemas.microsoft.com/office/drawing/2014/main" id="{FD4AC679-66C6-ADD4-4EB9-8320F49A2B21}"/>
+              </a:ext>
+            </a:extLst>
+          </p:cNvPr>
+          <p:cNvSpPr>
+            <a:spLocks noGrp="1" noRot="1" noChangeAspect="1"/>
+          </p:cNvSpPr>
+          <p:nvPr>
+            <p:ph type="sldImg"/>
+          </p:nvPr>
+        </p:nvSpPr>
+        <p:spPr/>
+      </p:sp>
+      <p:sp>
+        <p:nvSpPr>
+          <p:cNvPr id="3" name="Notes Placeholder 2">
+            <a:extLst>
+              <a:ext uri="{FF2B5EF4-FFF2-40B4-BE49-F238E27FC236}">
+                <a16:creationId xmlns:a16="http://schemas.microsoft.com/office/drawing/2014/main" id="{A13A76E4-7006-053A-0F71-71DE4AE44C5A}"/>
+              </a:ext>
+            </a:extLst>
+          </p:cNvPr>
+          <p:cNvSpPr>
+            <a:spLocks noGrp="1"/>
+          </p:cNvSpPr>
+          <p:nvPr>
+            <p:ph type="body" idx="1"/>
+          </p:nvPr>
+        </p:nvSpPr>
+        <p:spPr/>
+        <p:txBody>
+          <a:bodyPr/>
+          <a:lstStyle/>
+          <a:p>
+            <a:endParaRPr lang="en-US" dirty="0"/>
+          </a:p>
+        </p:txBody>
+      </p:sp>
+      <p:sp>
+        <p:nvSpPr>
+          <p:cNvPr id="4" name="Slide Number Placeholder 3">
+            <a:extLst>
+              <a:ext uri="{FF2B5EF4-FFF2-40B4-BE49-F238E27FC236}">
+                <a16:creationId xmlns:a16="http://schemas.microsoft.com/office/drawing/2014/main" id="{770C167A-1B43-E7E7-E2F0-586BF3918516}"/>
+              </a:ext>
+            </a:extLst>
+          </p:cNvPr>
+          <p:cNvSpPr>
+            <a:spLocks noGrp="1"/>
+          </p:cNvSpPr>
+          <p:nvPr>
+            <p:ph type="sldNum" sz="quarter" idx="5"/>
+          </p:nvPr>
+        </p:nvSpPr>
+        <p:spPr/>
+        <p:txBody>
+          <a:bodyPr/>
+          <a:lstStyle/>
+          <a:p>
+            <a:fld id="{BE8156D7-CAAF-45E2-9066-0052B4CA1777}" type="slidenum">
+              <a:rPr lang="en-US" smtClean="0"/>
+              <a:t>11</a:t>
+            </a:fld>
+            <a:endParaRPr lang="en-US"/>
+          </a:p>
+        </p:txBody>
+      </p:sp>
+    </p:spTree>
+    <p:extLst>
+      <p:ext uri="{BB962C8B-B14F-4D97-AF65-F5344CB8AC3E}">
+        <p14:creationId xmlns:p14="http://schemas.microsoft.com/office/powerpoint/2010/main" val="1143935083"/>
+      </p:ext>
+    </p:extLst>
+  </p:cSld>
+  <p:clrMapOvr>
+    <a:masterClrMapping/>
+  </p:clrMapOvr>
+</p:notes>
+</file>
+
+<file path=ppt/notesSlides/notesSlide12.xml><?xml version="1.0" encoding="utf-8"?>
+<p:notes xmlns:a="http://schemas.openxmlformats.org/drawingml/2006/main" xmlns:r="http://schemas.openxmlformats.org/officeDocument/2006/relationships" xmlns:p="http://schemas.openxmlformats.org/presentationml/2006/main">
+  <p:cSld>
+    <p:spTree>
+      <p:nvGrpSpPr>
+        <p:cNvPr id="1" name="">
+          <a:extLst>
+            <a:ext uri="{FF2B5EF4-FFF2-40B4-BE49-F238E27FC236}">
+              <a16:creationId xmlns:a16="http://schemas.microsoft.com/office/drawing/2014/main" id="{60108D62-2E1D-4696-76A1-F3CE65FB77D8}"/>
+            </a:ext>
+          </a:extLst>
+        </p:cNvPr>
+        <p:cNvGrpSpPr/>
+        <p:nvPr/>
+      </p:nvGrpSpPr>
+      <p:grpSpPr>
+        <a:xfrm>
+          <a:off x="0" y="0"/>
+          <a:ext cx="0" cy="0"/>
+          <a:chOff x="0" y="0"/>
+          <a:chExt cx="0" cy="0"/>
+        </a:xfrm>
+      </p:grpSpPr>
+      <p:sp>
+        <p:nvSpPr>
+          <p:cNvPr id="2" name="Slide Image Placeholder 1">
+            <a:extLst>
+              <a:ext uri="{FF2B5EF4-FFF2-40B4-BE49-F238E27FC236}">
+                <a16:creationId xmlns:a16="http://schemas.microsoft.com/office/drawing/2014/main" id="{6E05D3DC-8C7E-541B-AB51-AD7D381FC297}"/>
+              </a:ext>
+            </a:extLst>
+          </p:cNvPr>
+          <p:cNvSpPr>
+            <a:spLocks noGrp="1" noRot="1" noChangeAspect="1"/>
+          </p:cNvSpPr>
+          <p:nvPr>
+            <p:ph type="sldImg"/>
+          </p:nvPr>
+        </p:nvSpPr>
+        <p:spPr/>
+      </p:sp>
+      <p:sp>
+        <p:nvSpPr>
+          <p:cNvPr id="3" name="Notes Placeholder 2">
+            <a:extLst>
+              <a:ext uri="{FF2B5EF4-FFF2-40B4-BE49-F238E27FC236}">
+                <a16:creationId xmlns:a16="http://schemas.microsoft.com/office/drawing/2014/main" id="{C2D73EB8-4C86-3055-C987-8359C6D67355}"/>
+              </a:ext>
+            </a:extLst>
+          </p:cNvPr>
+          <p:cNvSpPr>
+            <a:spLocks noGrp="1"/>
+          </p:cNvSpPr>
+          <p:nvPr>
+            <p:ph type="body" idx="1"/>
+          </p:nvPr>
+        </p:nvSpPr>
+        <p:spPr/>
+        <p:txBody>
+          <a:bodyPr/>
+          <a:lstStyle/>
+          <a:p>
+            <a:endParaRPr lang="en-US" dirty="0"/>
+          </a:p>
+        </p:txBody>
+      </p:sp>
+      <p:sp>
+        <p:nvSpPr>
+          <p:cNvPr id="4" name="Slide Number Placeholder 3">
+            <a:extLst>
+              <a:ext uri="{FF2B5EF4-FFF2-40B4-BE49-F238E27FC236}">
+                <a16:creationId xmlns:a16="http://schemas.microsoft.com/office/drawing/2014/main" id="{19AE0D6A-B368-767F-9835-1DE26D7B49D4}"/>
+              </a:ext>
+            </a:extLst>
+          </p:cNvPr>
+          <p:cNvSpPr>
+            <a:spLocks noGrp="1"/>
+          </p:cNvSpPr>
+          <p:nvPr>
+            <p:ph type="sldNum" sz="quarter" idx="5"/>
+          </p:nvPr>
+        </p:nvSpPr>
+        <p:spPr/>
+        <p:txBody>
+          <a:bodyPr/>
+          <a:lstStyle/>
+          <a:p>
+            <a:fld id="{BE8156D7-CAAF-45E2-9066-0052B4CA1777}" type="slidenum">
+              <a:rPr lang="en-US" smtClean="0"/>
+              <a:t>12</a:t>
+            </a:fld>
+            <a:endParaRPr lang="en-US"/>
+          </a:p>
+        </p:txBody>
+      </p:sp>
+    </p:spTree>
+    <p:extLst>
+      <p:ext uri="{BB962C8B-B14F-4D97-AF65-F5344CB8AC3E}">
+        <p14:creationId xmlns:p14="http://schemas.microsoft.com/office/powerpoint/2010/main" val="149403132"/>
+      </p:ext>
+    </p:extLst>
+  </p:cSld>
+  <p:clrMapOvr>
+    <a:masterClrMapping/>
+  </p:clrMapOvr>
+</p:notes>
+</file>
+
+<file path=ppt/notesSlides/notesSlide13.xml><?xml version="1.0" encoding="utf-8"?>
+<p:notes xmlns:a="http://schemas.openxmlformats.org/drawingml/2006/main" xmlns:r="http://schemas.openxmlformats.org/officeDocument/2006/relationships" xmlns:p="http://schemas.openxmlformats.org/presentationml/2006/main">
+  <p:cSld>
+    <p:spTree>
+      <p:nvGrpSpPr>
+        <p:cNvPr id="1" name="">
+          <a:extLst>
+            <a:ext uri="{FF2B5EF4-FFF2-40B4-BE49-F238E27FC236}">
+              <a16:creationId xmlns:a16="http://schemas.microsoft.com/office/drawing/2014/main" id="{67DB8FD1-7657-7F56-0B5E-E1D454447473}"/>
+            </a:ext>
+          </a:extLst>
+        </p:cNvPr>
+        <p:cNvGrpSpPr/>
+        <p:nvPr/>
+      </p:nvGrpSpPr>
+      <p:grpSpPr>
+        <a:xfrm>
+          <a:off x="0" y="0"/>
+          <a:ext cx="0" cy="0"/>
+          <a:chOff x="0" y="0"/>
+          <a:chExt cx="0" cy="0"/>
+        </a:xfrm>
+      </p:grpSpPr>
+      <p:sp>
+        <p:nvSpPr>
+          <p:cNvPr id="2" name="Slide Image Placeholder 1">
+            <a:extLst>
+              <a:ext uri="{FF2B5EF4-FFF2-40B4-BE49-F238E27FC236}">
+                <a16:creationId xmlns:a16="http://schemas.microsoft.com/office/drawing/2014/main" id="{31D8686A-7813-12E0-F17B-F29EFCCA8BB0}"/>
+              </a:ext>
+            </a:extLst>
+          </p:cNvPr>
+          <p:cNvSpPr>
+            <a:spLocks noGrp="1" noRot="1" noChangeAspect="1"/>
+          </p:cNvSpPr>
+          <p:nvPr>
+            <p:ph type="sldImg"/>
+          </p:nvPr>
+        </p:nvSpPr>
+        <p:spPr/>
+      </p:sp>
+      <p:sp>
+        <p:nvSpPr>
+          <p:cNvPr id="3" name="Notes Placeholder 2">
+            <a:extLst>
+              <a:ext uri="{FF2B5EF4-FFF2-40B4-BE49-F238E27FC236}">
+                <a16:creationId xmlns:a16="http://schemas.microsoft.com/office/drawing/2014/main" id="{BBA075D4-0AD3-DCF4-39CB-49F82D94E116}"/>
+              </a:ext>
+            </a:extLst>
+          </p:cNvPr>
+          <p:cNvSpPr>
+            <a:spLocks noGrp="1"/>
+          </p:cNvSpPr>
+          <p:nvPr>
+            <p:ph type="body" idx="1"/>
+          </p:nvPr>
+        </p:nvSpPr>
+        <p:spPr/>
+        <p:txBody>
+          <a:bodyPr/>
+          <a:lstStyle/>
+          <a:p>
+            <a:endParaRPr lang="en-US" dirty="0"/>
+          </a:p>
+        </p:txBody>
+      </p:sp>
+      <p:sp>
+        <p:nvSpPr>
+          <p:cNvPr id="4" name="Slide Number Placeholder 3">
+            <a:extLst>
+              <a:ext uri="{FF2B5EF4-FFF2-40B4-BE49-F238E27FC236}">
+                <a16:creationId xmlns:a16="http://schemas.microsoft.com/office/drawing/2014/main" id="{8C5DCDA7-7862-A9F9-A3F2-44CBDAC5BA44}"/>
+              </a:ext>
+            </a:extLst>
+          </p:cNvPr>
+          <p:cNvSpPr>
+            <a:spLocks noGrp="1"/>
+          </p:cNvSpPr>
+          <p:nvPr>
+            <p:ph type="sldNum" sz="quarter" idx="5"/>
+          </p:nvPr>
+        </p:nvSpPr>
+        <p:spPr/>
+        <p:txBody>
+          <a:bodyPr/>
+          <a:lstStyle/>
+          <a:p>
+            <a:fld id="{BE8156D7-CAAF-45E2-9066-0052B4CA1777}" type="slidenum">
+              <a:rPr lang="en-US" smtClean="0"/>
+              <a:t>13</a:t>
+            </a:fld>
+            <a:endParaRPr lang="en-US"/>
+          </a:p>
+        </p:txBody>
+      </p:sp>
+    </p:spTree>
+    <p:extLst>
+      <p:ext uri="{BB962C8B-B14F-4D97-AF65-F5344CB8AC3E}">
+        <p14:creationId xmlns:p14="http://schemas.microsoft.com/office/powerpoint/2010/main" val="3777381494"/>
+      </p:ext>
+    </p:extLst>
+  </p:cSld>
+  <p:clrMapOvr>
+    <a:masterClrMapping/>
+  </p:clrMapOvr>
+</p:notes>
+</file>
+
+<file path=ppt/notesSlides/notesSlide14.xml><?xml version="1.0" encoding="utf-8"?>
+<p:notes xmlns:a="http://schemas.openxmlformats.org/drawingml/2006/main" xmlns:r="http://schemas.openxmlformats.org/officeDocument/2006/relationships" xmlns:p="http://schemas.openxmlformats.org/presentationml/2006/main">
+  <p:cSld>
+    <p:spTree>
+      <p:nvGrpSpPr>
+        <p:cNvPr id="1" name="">
+          <a:extLst>
+            <a:ext uri="{FF2B5EF4-FFF2-40B4-BE49-F238E27FC236}">
+              <a16:creationId xmlns:a16="http://schemas.microsoft.com/office/drawing/2014/main" id="{47BEA273-E634-11C2-FCA4-6DB65BAE56E9}"/>
+            </a:ext>
+          </a:extLst>
+        </p:cNvPr>
+        <p:cNvGrpSpPr/>
+        <p:nvPr/>
+      </p:nvGrpSpPr>
+      <p:grpSpPr>
+        <a:xfrm>
+          <a:off x="0" y="0"/>
+          <a:ext cx="0" cy="0"/>
+          <a:chOff x="0" y="0"/>
+          <a:chExt cx="0" cy="0"/>
+        </a:xfrm>
+      </p:grpSpPr>
+      <p:sp>
+        <p:nvSpPr>
+          <p:cNvPr id="2" name="Slide Image Placeholder 1">
+            <a:extLst>
+              <a:ext uri="{FF2B5EF4-FFF2-40B4-BE49-F238E27FC236}">
+                <a16:creationId xmlns:a16="http://schemas.microsoft.com/office/drawing/2014/main" id="{F104F9ED-D7CB-8D7F-518C-FDA80828BAD0}"/>
+              </a:ext>
+            </a:extLst>
+          </p:cNvPr>
+          <p:cNvSpPr>
+            <a:spLocks noGrp="1" noRot="1" noChangeAspect="1"/>
+          </p:cNvSpPr>
+          <p:nvPr>
+            <p:ph type="sldImg"/>
+          </p:nvPr>
+        </p:nvSpPr>
+        <p:spPr/>
+      </p:sp>
+      <p:sp>
+        <p:nvSpPr>
+          <p:cNvPr id="3" name="Notes Placeholder 2">
+            <a:extLst>
+              <a:ext uri="{FF2B5EF4-FFF2-40B4-BE49-F238E27FC236}">
+                <a16:creationId xmlns:a16="http://schemas.microsoft.com/office/drawing/2014/main" id="{E9ED59EF-034C-4750-F8AA-FC1815E09597}"/>
+              </a:ext>
+            </a:extLst>
+          </p:cNvPr>
+          <p:cNvSpPr>
+            <a:spLocks noGrp="1"/>
+          </p:cNvSpPr>
+          <p:nvPr>
+            <p:ph type="body" idx="1"/>
+          </p:nvPr>
+        </p:nvSpPr>
+        <p:spPr/>
+        <p:txBody>
+          <a:bodyPr/>
+          <a:lstStyle/>
+          <a:p>
+            <a:endParaRPr lang="en-US" dirty="0"/>
+          </a:p>
+        </p:txBody>
+      </p:sp>
+      <p:sp>
+        <p:nvSpPr>
+          <p:cNvPr id="4" name="Slide Number Placeholder 3">
+            <a:extLst>
+              <a:ext uri="{FF2B5EF4-FFF2-40B4-BE49-F238E27FC236}">
+                <a16:creationId xmlns:a16="http://schemas.microsoft.com/office/drawing/2014/main" id="{767B3358-210B-96DF-A9E3-2324D16B7708}"/>
+              </a:ext>
+            </a:extLst>
+          </p:cNvPr>
+          <p:cNvSpPr>
+            <a:spLocks noGrp="1"/>
+          </p:cNvSpPr>
+          <p:nvPr>
+            <p:ph type="sldNum" sz="quarter" idx="5"/>
+          </p:nvPr>
+        </p:nvSpPr>
+        <p:spPr/>
+        <p:txBody>
+          <a:bodyPr/>
+          <a:lstStyle/>
+          <a:p>
+            <a:fld id="{BE8156D7-CAAF-45E2-9066-0052B4CA1777}" type="slidenum">
+              <a:rPr lang="en-US" smtClean="0"/>
+              <a:t>14</a:t>
+            </a:fld>
+            <a:endParaRPr lang="en-US"/>
+          </a:p>
+        </p:txBody>
+      </p:sp>
+    </p:spTree>
+    <p:extLst>
+      <p:ext uri="{BB962C8B-B14F-4D97-AF65-F5344CB8AC3E}">
+        <p14:creationId xmlns:p14="http://schemas.microsoft.com/office/powerpoint/2010/main" val="596814829"/>
+      </p:ext>
+    </p:extLst>
+  </p:cSld>
+  <p:clrMapOvr>
+    <a:masterClrMapping/>
+  </p:clrMapOvr>
+</p:notes>
+</file>
+
+<file path=ppt/notesSlides/notesSlide15.xml><?xml version="1.0" encoding="utf-8"?>
+<p:notes xmlns:a="http://schemas.openxmlformats.org/drawingml/2006/main" xmlns:r="http://schemas.openxmlformats.org/officeDocument/2006/relationships" xmlns:p="http://schemas.openxmlformats.org/presentationml/2006/main">
+  <p:cSld>
+    <p:spTree>
+      <p:nvGrpSpPr>
+        <p:cNvPr id="1" name="">
+          <a:extLst>
+            <a:ext uri="{FF2B5EF4-FFF2-40B4-BE49-F238E27FC236}">
+              <a16:creationId xmlns:a16="http://schemas.microsoft.com/office/drawing/2014/main" id="{9B793DC9-736B-3192-728E-AEE51CB21B54}"/>
+            </a:ext>
+          </a:extLst>
+        </p:cNvPr>
+        <p:cNvGrpSpPr/>
+        <p:nvPr/>
+      </p:nvGrpSpPr>
+      <p:grpSpPr>
+        <a:xfrm>
+          <a:off x="0" y="0"/>
+          <a:ext cx="0" cy="0"/>
+          <a:chOff x="0" y="0"/>
+          <a:chExt cx="0" cy="0"/>
+        </a:xfrm>
+      </p:grpSpPr>
+      <p:sp>
+        <p:nvSpPr>
+          <p:cNvPr id="2" name="Slide Image Placeholder 1">
+            <a:extLst>
+              <a:ext uri="{FF2B5EF4-FFF2-40B4-BE49-F238E27FC236}">
+                <a16:creationId xmlns:a16="http://schemas.microsoft.com/office/drawing/2014/main" id="{09ED9118-E808-E8D3-E6A5-E3B9C101E02F}"/>
+              </a:ext>
+            </a:extLst>
+          </p:cNvPr>
+          <p:cNvSpPr>
+            <a:spLocks noGrp="1" noRot="1" noChangeAspect="1"/>
+          </p:cNvSpPr>
+          <p:nvPr>
+            <p:ph type="sldImg"/>
+          </p:nvPr>
+        </p:nvSpPr>
+        <p:spPr/>
+      </p:sp>
+      <p:sp>
+        <p:nvSpPr>
+          <p:cNvPr id="3" name="Notes Placeholder 2">
+            <a:extLst>
+              <a:ext uri="{FF2B5EF4-FFF2-40B4-BE49-F238E27FC236}">
+                <a16:creationId xmlns:a16="http://schemas.microsoft.com/office/drawing/2014/main" id="{7484A592-F4B7-C1E3-3A25-00207A84CF24}"/>
+              </a:ext>
+            </a:extLst>
+          </p:cNvPr>
+          <p:cNvSpPr>
+            <a:spLocks noGrp="1"/>
+          </p:cNvSpPr>
+          <p:nvPr>
+            <p:ph type="body" idx="1"/>
+          </p:nvPr>
+        </p:nvSpPr>
+        <p:spPr/>
+        <p:txBody>
+          <a:bodyPr/>
+          <a:lstStyle/>
+          <a:p>
+            <a:endParaRPr lang="en-US" dirty="0"/>
+          </a:p>
+        </p:txBody>
+      </p:sp>
+      <p:sp>
+        <p:nvSpPr>
+          <p:cNvPr id="4" name="Slide Number Placeholder 3">
+            <a:extLst>
+              <a:ext uri="{FF2B5EF4-FFF2-40B4-BE49-F238E27FC236}">
+                <a16:creationId xmlns:a16="http://schemas.microsoft.com/office/drawing/2014/main" id="{AA1F36CB-E864-E219-C63C-490E9398A5D1}"/>
+              </a:ext>
+            </a:extLst>
+          </p:cNvPr>
+          <p:cNvSpPr>
+            <a:spLocks noGrp="1"/>
+          </p:cNvSpPr>
+          <p:nvPr>
+            <p:ph type="sldNum" sz="quarter" idx="5"/>
+          </p:nvPr>
+        </p:nvSpPr>
+        <p:spPr/>
+        <p:txBody>
+          <a:bodyPr/>
+          <a:lstStyle/>
+          <a:p>
+            <a:fld id="{BE8156D7-CAAF-45E2-9066-0052B4CA1777}" type="slidenum">
+              <a:rPr lang="en-US" smtClean="0"/>
+              <a:t>15</a:t>
+            </a:fld>
+            <a:endParaRPr lang="en-US"/>
+          </a:p>
+        </p:txBody>
+      </p:sp>
+    </p:spTree>
+    <p:extLst>
+      <p:ext uri="{BB962C8B-B14F-4D97-AF65-F5344CB8AC3E}">
+        <p14:creationId xmlns:p14="http://schemas.microsoft.com/office/powerpoint/2010/main" val="3509693877"/>
+      </p:ext>
+    </p:extLst>
+  </p:cSld>
+  <p:clrMapOvr>
+    <a:masterClrMapping/>
+  </p:clrMapOvr>
+</p:notes>
+</file>
+
+<file path=ppt/notesSlides/notesSlide16.xml><?xml version="1.0" encoding="utf-8"?>
+<p:notes xmlns:a="http://schemas.openxmlformats.org/drawingml/2006/main" xmlns:r="http://schemas.openxmlformats.org/officeDocument/2006/relationships" xmlns:p="http://schemas.openxmlformats.org/presentationml/2006/main">
+  <p:cSld>
+    <p:spTree>
+      <p:nvGrpSpPr>
+        <p:cNvPr id="1" name="">
+          <a:extLst>
+            <a:ext uri="{FF2B5EF4-FFF2-40B4-BE49-F238E27FC236}">
+              <a16:creationId xmlns:a16="http://schemas.microsoft.com/office/drawing/2014/main" id="{8FFE99B1-2269-FE8B-5297-006D586FE41C}"/>
+            </a:ext>
+          </a:extLst>
+        </p:cNvPr>
+        <p:cNvGrpSpPr/>
+        <p:nvPr/>
+      </p:nvGrpSpPr>
+      <p:grpSpPr>
+        <a:xfrm>
+          <a:off x="0" y="0"/>
+          <a:ext cx="0" cy="0"/>
+          <a:chOff x="0" y="0"/>
+          <a:chExt cx="0" cy="0"/>
+        </a:xfrm>
+      </p:grpSpPr>
+      <p:sp>
+        <p:nvSpPr>
+          <p:cNvPr id="2" name="Slide Image Placeholder 1">
+            <a:extLst>
+              <a:ext uri="{FF2B5EF4-FFF2-40B4-BE49-F238E27FC236}">
+                <a16:creationId xmlns:a16="http://schemas.microsoft.com/office/drawing/2014/main" id="{4DF874CA-AEB5-9CF4-AB5F-E139A39E1DBB}"/>
+              </a:ext>
+            </a:extLst>
+          </p:cNvPr>
+          <p:cNvSpPr>
+            <a:spLocks noGrp="1" noRot="1" noChangeAspect="1"/>
+          </p:cNvSpPr>
+          <p:nvPr>
+            <p:ph type="sldImg"/>
+          </p:nvPr>
+        </p:nvSpPr>
+        <p:spPr/>
+      </p:sp>
+      <p:sp>
+        <p:nvSpPr>
+          <p:cNvPr id="3" name="Notes Placeholder 2">
+            <a:extLst>
+              <a:ext uri="{FF2B5EF4-FFF2-40B4-BE49-F238E27FC236}">
+                <a16:creationId xmlns:a16="http://schemas.microsoft.com/office/drawing/2014/main" id="{7C70FE2D-E336-9932-A9F2-95BCA33B3A09}"/>
+              </a:ext>
+            </a:extLst>
+          </p:cNvPr>
+          <p:cNvSpPr>
+            <a:spLocks noGrp="1"/>
+          </p:cNvSpPr>
+          <p:nvPr>
+            <p:ph type="body" idx="1"/>
+          </p:nvPr>
+        </p:nvSpPr>
+        <p:spPr/>
+        <p:txBody>
+          <a:bodyPr/>
+          <a:lstStyle/>
+          <a:p>
+            <a:endParaRPr lang="en-US" dirty="0"/>
+          </a:p>
+        </p:txBody>
+      </p:sp>
+      <p:sp>
+        <p:nvSpPr>
+          <p:cNvPr id="4" name="Slide Number Placeholder 3">
+            <a:extLst>
+              <a:ext uri="{FF2B5EF4-FFF2-40B4-BE49-F238E27FC236}">
+                <a16:creationId xmlns:a16="http://schemas.microsoft.com/office/drawing/2014/main" id="{1303A20A-B31E-3F4F-702E-DBD2770484D1}"/>
+              </a:ext>
+            </a:extLst>
+          </p:cNvPr>
+          <p:cNvSpPr>
+            <a:spLocks noGrp="1"/>
+          </p:cNvSpPr>
+          <p:nvPr>
+            <p:ph type="sldNum" sz="quarter" idx="5"/>
+          </p:nvPr>
+        </p:nvSpPr>
+        <p:spPr/>
+        <p:txBody>
+          <a:bodyPr/>
+          <a:lstStyle/>
+          <a:p>
+            <a:fld id="{BE8156D7-CAAF-45E2-9066-0052B4CA1777}" type="slidenum">
+              <a:rPr lang="en-US" smtClean="0"/>
+              <a:t>16</a:t>
+            </a:fld>
+            <a:endParaRPr lang="en-US"/>
+          </a:p>
+        </p:txBody>
+      </p:sp>
+    </p:spTree>
+    <p:extLst>
+      <p:ext uri="{BB962C8B-B14F-4D97-AF65-F5344CB8AC3E}">
+        <p14:creationId xmlns:p14="http://schemas.microsoft.com/office/powerpoint/2010/main" val="2960664301"/>
+      </p:ext>
+    </p:extLst>
+  </p:cSld>
+  <p:clrMapOvr>
+    <a:masterClrMapping/>
+  </p:clrMapOvr>
+</p:notes>
+</file>
+
+<file path=ppt/notesSlides/notesSlide17.xml><?xml version="1.0" encoding="utf-8"?>
+<p:notes xmlns:a="http://schemas.openxmlformats.org/drawingml/2006/main" xmlns:r="http://schemas.openxmlformats.org/officeDocument/2006/relationships" xmlns:p="http://schemas.openxmlformats.org/presentationml/2006/main">
+  <p:cSld>
+    <p:spTree>
+      <p:nvGrpSpPr>
+        <p:cNvPr id="1" name="">
+          <a:extLst>
+            <a:ext uri="{FF2B5EF4-FFF2-40B4-BE49-F238E27FC236}">
+              <a16:creationId xmlns:a16="http://schemas.microsoft.com/office/drawing/2014/main" id="{335F3DBF-6457-1058-2356-B026790835F8}"/>
+            </a:ext>
+          </a:extLst>
+        </p:cNvPr>
+        <p:cNvGrpSpPr/>
+        <p:nvPr/>
+      </p:nvGrpSpPr>
+      <p:grpSpPr>
+        <a:xfrm>
+          <a:off x="0" y="0"/>
+          <a:ext cx="0" cy="0"/>
+          <a:chOff x="0" y="0"/>
+          <a:chExt cx="0" cy="0"/>
+        </a:xfrm>
+      </p:grpSpPr>
+      <p:sp>
+        <p:nvSpPr>
+          <p:cNvPr id="2" name="Slide Image Placeholder 1">
+            <a:extLst>
+              <a:ext uri="{FF2B5EF4-FFF2-40B4-BE49-F238E27FC236}">
+                <a16:creationId xmlns:a16="http://schemas.microsoft.com/office/drawing/2014/main" id="{7ACC2807-09C2-C148-50DF-4C4342CC423A}"/>
+              </a:ext>
+            </a:extLst>
+          </p:cNvPr>
+          <p:cNvSpPr>
+            <a:spLocks noGrp="1" noRot="1" noChangeAspect="1"/>
+          </p:cNvSpPr>
+          <p:nvPr>
+            <p:ph type="sldImg"/>
+          </p:nvPr>
+        </p:nvSpPr>
+        <p:spPr/>
+      </p:sp>
+      <p:sp>
+        <p:nvSpPr>
+          <p:cNvPr id="3" name="Notes Placeholder 2">
+            <a:extLst>
+              <a:ext uri="{FF2B5EF4-FFF2-40B4-BE49-F238E27FC236}">
+                <a16:creationId xmlns:a16="http://schemas.microsoft.com/office/drawing/2014/main" id="{41D5FE59-3E90-1867-2D49-4D96BCA933D7}"/>
+              </a:ext>
+            </a:extLst>
+          </p:cNvPr>
+          <p:cNvSpPr>
+            <a:spLocks noGrp="1"/>
+          </p:cNvSpPr>
+          <p:nvPr>
+            <p:ph type="body" idx="1"/>
+          </p:nvPr>
+        </p:nvSpPr>
+        <p:spPr/>
+        <p:txBody>
+          <a:bodyPr/>
+          <a:lstStyle/>
+          <a:p>
+            <a:endParaRPr lang="en-US" dirty="0"/>
+          </a:p>
+        </p:txBody>
+      </p:sp>
+      <p:sp>
+        <p:nvSpPr>
+          <p:cNvPr id="4" name="Slide Number Placeholder 3">
+            <a:extLst>
+              <a:ext uri="{FF2B5EF4-FFF2-40B4-BE49-F238E27FC236}">
+                <a16:creationId xmlns:a16="http://schemas.microsoft.com/office/drawing/2014/main" id="{5C44B617-BE7C-E76B-555D-802777BC6CF7}"/>
+              </a:ext>
+            </a:extLst>
+          </p:cNvPr>
+          <p:cNvSpPr>
+            <a:spLocks noGrp="1"/>
+          </p:cNvSpPr>
+          <p:nvPr>
+            <p:ph type="sldNum" sz="quarter" idx="5"/>
+          </p:nvPr>
+        </p:nvSpPr>
+        <p:spPr/>
+        <p:txBody>
+          <a:bodyPr/>
+          <a:lstStyle/>
+          <a:p>
+            <a:fld id="{BE8156D7-CAAF-45E2-9066-0052B4CA1777}" type="slidenum">
+              <a:rPr lang="en-US" smtClean="0"/>
+              <a:t>17</a:t>
+            </a:fld>
+            <a:endParaRPr lang="en-US"/>
+          </a:p>
+        </p:txBody>
+      </p:sp>
+    </p:spTree>
+    <p:extLst>
+      <p:ext uri="{BB962C8B-B14F-4D97-AF65-F5344CB8AC3E}">
+        <p14:creationId xmlns:p14="http://schemas.microsoft.com/office/powerpoint/2010/main" val="87164406"/>
+      </p:ext>
+    </p:extLst>
+  </p:cSld>
+  <p:clrMapOvr>
+    <a:masterClrMapping/>
+  </p:clrMapOvr>
+</p:notes>
+</file>
+
+<file path=ppt/notesSlides/notesSlide18.xml><?xml version="1.0" encoding="utf-8"?>
+<p:notes xmlns:a="http://schemas.openxmlformats.org/drawingml/2006/main" xmlns:r="http://schemas.openxmlformats.org/officeDocument/2006/relationships" xmlns:p="http://schemas.openxmlformats.org/presentationml/2006/main">
+  <p:cSld>
+    <p:spTree>
+      <p:nvGrpSpPr>
+        <p:cNvPr id="1" name="">
+          <a:extLst>
+            <a:ext uri="{FF2B5EF4-FFF2-40B4-BE49-F238E27FC236}">
+              <a16:creationId xmlns:a16="http://schemas.microsoft.com/office/drawing/2014/main" id="{AC0E9444-D371-5334-AC18-5B1A014841D4}"/>
+            </a:ext>
+          </a:extLst>
+        </p:cNvPr>
+        <p:cNvGrpSpPr/>
+        <p:nvPr/>
+      </p:nvGrpSpPr>
+      <p:grpSpPr>
+        <a:xfrm>
+          <a:off x="0" y="0"/>
+          <a:ext cx="0" cy="0"/>
+          <a:chOff x="0" y="0"/>
+          <a:chExt cx="0" cy="0"/>
+        </a:xfrm>
+      </p:grpSpPr>
+      <p:sp>
+        <p:nvSpPr>
+          <p:cNvPr id="2" name="Slide Image Placeholder 1">
+            <a:extLst>
+              <a:ext uri="{FF2B5EF4-FFF2-40B4-BE49-F238E27FC236}">
+                <a16:creationId xmlns:a16="http://schemas.microsoft.com/office/drawing/2014/main" id="{04B064AE-CCC2-9E65-3686-6184CC8BA00C}"/>
+              </a:ext>
+            </a:extLst>
+          </p:cNvPr>
+          <p:cNvSpPr>
+            <a:spLocks noGrp="1" noRot="1" noChangeAspect="1"/>
+          </p:cNvSpPr>
+          <p:nvPr>
+            <p:ph type="sldImg"/>
+          </p:nvPr>
+        </p:nvSpPr>
+        <p:spPr/>
+      </p:sp>
+      <p:sp>
+        <p:nvSpPr>
+          <p:cNvPr id="3" name="Notes Placeholder 2">
+            <a:extLst>
+              <a:ext uri="{FF2B5EF4-FFF2-40B4-BE49-F238E27FC236}">
+                <a16:creationId xmlns:a16="http://schemas.microsoft.com/office/drawing/2014/main" id="{6FFBF0D0-4107-08D0-103A-0AF1E5902658}"/>
+              </a:ext>
+            </a:extLst>
+          </p:cNvPr>
+          <p:cNvSpPr>
+            <a:spLocks noGrp="1"/>
+          </p:cNvSpPr>
+          <p:nvPr>
+            <p:ph type="body" idx="1"/>
+          </p:nvPr>
+        </p:nvSpPr>
+        <p:spPr/>
+        <p:txBody>
+          <a:bodyPr/>
+          <a:lstStyle/>
+          <a:p>
+            <a:endParaRPr lang="en-US" dirty="0"/>
+          </a:p>
+        </p:txBody>
+      </p:sp>
+      <p:sp>
+        <p:nvSpPr>
+          <p:cNvPr id="4" name="Slide Number Placeholder 3">
+            <a:extLst>
+              <a:ext uri="{FF2B5EF4-FFF2-40B4-BE49-F238E27FC236}">
+                <a16:creationId xmlns:a16="http://schemas.microsoft.com/office/drawing/2014/main" id="{282C6A88-A7E5-E92C-E3F9-9A385316B65B}"/>
+              </a:ext>
+            </a:extLst>
+          </p:cNvPr>
+          <p:cNvSpPr>
+            <a:spLocks noGrp="1"/>
+          </p:cNvSpPr>
+          <p:nvPr>
+            <p:ph type="sldNum" sz="quarter" idx="5"/>
+          </p:nvPr>
+        </p:nvSpPr>
+        <p:spPr/>
+        <p:txBody>
+          <a:bodyPr/>
+          <a:lstStyle/>
+          <a:p>
+            <a:fld id="{BE8156D7-CAAF-45E2-9066-0052B4CA1777}" type="slidenum">
+              <a:rPr lang="en-US" smtClean="0"/>
+              <a:t>18</a:t>
+            </a:fld>
+            <a:endParaRPr lang="en-US"/>
+          </a:p>
+        </p:txBody>
+      </p:sp>
+    </p:spTree>
+    <p:extLst>
+      <p:ext uri="{BB962C8B-B14F-4D97-AF65-F5344CB8AC3E}">
+        <p14:creationId xmlns:p14="http://schemas.microsoft.com/office/powerpoint/2010/main" val="1125955861"/>
+      </p:ext>
+    </p:extLst>
+  </p:cSld>
+  <p:clrMapOvr>
+    <a:masterClrMapping/>
+  </p:clrMapOvr>
+</p:notes>
+</file>
+
+<file path=ppt/notesSlides/notesSlide2.xml><?xml version="1.0" encoding="utf-8"?>
+<p:notes xmlns:a="http://schemas.openxmlformats.org/drawingml/2006/main" xmlns:r="http://schemas.openxmlformats.org/officeDocument/2006/relationships" xmlns:p="http://schemas.openxmlformats.org/presentationml/2006/main">
+  <p:cSld>
+    <p:spTree>
+      <p:nvGrpSpPr>
+        <p:cNvPr id="1" name="">
+          <a:extLst>
+            <a:ext uri="{FF2B5EF4-FFF2-40B4-BE49-F238E27FC236}">
+              <a16:creationId xmlns:a16="http://schemas.microsoft.com/office/drawing/2014/main" id="{596A772D-79CC-C7F6-5ECA-F1D9A6E933D3}"/>
+            </a:ext>
+          </a:extLst>
+        </p:cNvPr>
+        <p:cNvGrpSpPr/>
+        <p:nvPr/>
+      </p:nvGrpSpPr>
+      <p:grpSpPr>
+        <a:xfrm>
+          <a:off x="0" y="0"/>
+          <a:ext cx="0" cy="0"/>
+          <a:chOff x="0" y="0"/>
+          <a:chExt cx="0" cy="0"/>
+        </a:xfrm>
+      </p:grpSpPr>
+      <p:sp>
+        <p:nvSpPr>
+          <p:cNvPr id="2" name="Slide Image Placeholder 1">
+            <a:extLst>
+              <a:ext uri="{FF2B5EF4-FFF2-40B4-BE49-F238E27FC236}">
+                <a16:creationId xmlns:a16="http://schemas.microsoft.com/office/drawing/2014/main" id="{69DBFB23-CFA8-4188-4925-9A0521466D75}"/>
+              </a:ext>
+            </a:extLst>
+          </p:cNvPr>
+          <p:cNvSpPr>
+            <a:spLocks noGrp="1" noRot="1" noChangeAspect="1"/>
+          </p:cNvSpPr>
+          <p:nvPr>
+            <p:ph type="sldImg"/>
+          </p:nvPr>
+        </p:nvSpPr>
+        <p:spPr/>
+      </p:sp>
+      <p:sp>
+        <p:nvSpPr>
+          <p:cNvPr id="3" name="Notes Placeholder 2">
+            <a:extLst>
+              <a:ext uri="{FF2B5EF4-FFF2-40B4-BE49-F238E27FC236}">
+                <a16:creationId xmlns:a16="http://schemas.microsoft.com/office/drawing/2014/main" id="{72E3B277-EEFB-1183-178A-ADC90E2AC4A6}"/>
+              </a:ext>
+            </a:extLst>
+          </p:cNvPr>
+          <p:cNvSpPr>
+            <a:spLocks noGrp="1"/>
+          </p:cNvSpPr>
+          <p:nvPr>
+            <p:ph type="body" idx="1"/>
+          </p:nvPr>
+        </p:nvSpPr>
+        <p:spPr/>
+        <p:txBody>
+          <a:bodyPr/>
+          <a:lstStyle/>
+          <a:p>
+            <a:endParaRPr lang="en-US" dirty="0"/>
+          </a:p>
+        </p:txBody>
+      </p:sp>
+      <p:sp>
+        <p:nvSpPr>
+          <p:cNvPr id="4" name="Slide Number Placeholder 3">
+            <a:extLst>
+              <a:ext uri="{FF2B5EF4-FFF2-40B4-BE49-F238E27FC236}">
+                <a16:creationId xmlns:a16="http://schemas.microsoft.com/office/drawing/2014/main" id="{6E1BC33E-0382-4EE5-F8BE-9B5104BEDB1D}"/>
+              </a:ext>
+            </a:extLst>
+          </p:cNvPr>
+          <p:cNvSpPr>
+            <a:spLocks noGrp="1"/>
+          </p:cNvSpPr>
+          <p:nvPr>
+            <p:ph type="sldNum" sz="quarter" idx="5"/>
+          </p:nvPr>
+        </p:nvSpPr>
+        <p:spPr/>
+        <p:txBody>
+          <a:bodyPr/>
+          <a:lstStyle/>
+          <a:p>
+            <a:fld id="{BE8156D7-CAAF-45E2-9066-0052B4CA1777}" type="slidenum">
+              <a:rPr lang="en-US" smtClean="0"/>
+              <a:t>2</a:t>
+            </a:fld>
+            <a:endParaRPr lang="en-US"/>
+          </a:p>
+        </p:txBody>
+      </p:sp>
+    </p:spTree>
+    <p:extLst>
+      <p:ext uri="{BB962C8B-B14F-4D97-AF65-F5344CB8AC3E}">
+        <p14:creationId xmlns:p14="http://schemas.microsoft.com/office/powerpoint/2010/main" val="691297542"/>
+      </p:ext>
+    </p:extLst>
+  </p:cSld>
+  <p:clrMapOvr>
+    <a:masterClrMapping/>
+  </p:clrMapOvr>
+</p:notes>
+</file>
+
+<file path=ppt/notesSlides/notesSlide3.xml><?xml version="1.0" encoding="utf-8"?>
+<p:notes xmlns:a="http://schemas.openxmlformats.org/drawingml/2006/main" xmlns:r="http://schemas.openxmlformats.org/officeDocument/2006/relationships" xmlns:p="http://schemas.openxmlformats.org/presentationml/2006/main">
+  <p:cSld>
+    <p:spTree>
+      <p:nvGrpSpPr>
+        <p:cNvPr id="1" name="">
+          <a:extLst>
+            <a:ext uri="{FF2B5EF4-FFF2-40B4-BE49-F238E27FC236}">
+              <a16:creationId xmlns:a16="http://schemas.microsoft.com/office/drawing/2014/main" id="{4A76BAB7-1E8B-B3EE-AC05-8E1BBE250450}"/>
+            </a:ext>
+          </a:extLst>
+        </p:cNvPr>
+        <p:cNvGrpSpPr/>
+        <p:nvPr/>
+      </p:nvGrpSpPr>
+      <p:grpSpPr>
+        <a:xfrm>
+          <a:off x="0" y="0"/>
+          <a:ext cx="0" cy="0"/>
+          <a:chOff x="0" y="0"/>
+          <a:chExt cx="0" cy="0"/>
+        </a:xfrm>
+      </p:grpSpPr>
+      <p:sp>
+        <p:nvSpPr>
+          <p:cNvPr id="2" name="Slide Image Placeholder 1">
+            <a:extLst>
+              <a:ext uri="{FF2B5EF4-FFF2-40B4-BE49-F238E27FC236}">
+                <a16:creationId xmlns:a16="http://schemas.microsoft.com/office/drawing/2014/main" id="{79478A88-2E6E-4CD9-91B1-73D7AA9BD481}"/>
+              </a:ext>
+            </a:extLst>
+          </p:cNvPr>
+          <p:cNvSpPr>
+            <a:spLocks noGrp="1" noRot="1" noChangeAspect="1"/>
+          </p:cNvSpPr>
+          <p:nvPr>
+            <p:ph type="sldImg"/>
+          </p:nvPr>
+        </p:nvSpPr>
+        <p:spPr/>
+      </p:sp>
+      <p:sp>
+        <p:nvSpPr>
+          <p:cNvPr id="3" name="Notes Placeholder 2">
+            <a:extLst>
+              <a:ext uri="{FF2B5EF4-FFF2-40B4-BE49-F238E27FC236}">
+                <a16:creationId xmlns:a16="http://schemas.microsoft.com/office/drawing/2014/main" id="{1094DB70-6FA0-2E9C-714E-5249BF3B9BA3}"/>
+              </a:ext>
+            </a:extLst>
+          </p:cNvPr>
+          <p:cNvSpPr>
+            <a:spLocks noGrp="1"/>
+          </p:cNvSpPr>
+          <p:nvPr>
+            <p:ph type="body" idx="1"/>
+          </p:nvPr>
+        </p:nvSpPr>
+        <p:spPr/>
+        <p:txBody>
+          <a:bodyPr/>
+          <a:lstStyle/>
+          <a:p>
+            <a:endParaRPr lang="en-US" dirty="0"/>
+          </a:p>
+        </p:txBody>
+      </p:sp>
+      <p:sp>
+        <p:nvSpPr>
+          <p:cNvPr id="4" name="Slide Number Placeholder 3">
+            <a:extLst>
+              <a:ext uri="{FF2B5EF4-FFF2-40B4-BE49-F238E27FC236}">
+                <a16:creationId xmlns:a16="http://schemas.microsoft.com/office/drawing/2014/main" id="{75812CF2-3ED5-92C0-BEAB-45893B50E65E}"/>
+              </a:ext>
+            </a:extLst>
+          </p:cNvPr>
+          <p:cNvSpPr>
+            <a:spLocks noGrp="1"/>
+          </p:cNvSpPr>
+          <p:nvPr>
+            <p:ph type="sldNum" sz="quarter" idx="5"/>
+          </p:nvPr>
+        </p:nvSpPr>
+        <p:spPr/>
+        <p:txBody>
+          <a:bodyPr/>
+          <a:lstStyle/>
+          <a:p>
+            <a:fld id="{BE8156D7-CAAF-45E2-9066-0052B4CA1777}" type="slidenum">
+              <a:rPr lang="en-US" smtClean="0"/>
+              <a:t>3</a:t>
+            </a:fld>
+            <a:endParaRPr lang="en-US"/>
+          </a:p>
+        </p:txBody>
+      </p:sp>
+    </p:spTree>
+    <p:extLst>
+      <p:ext uri="{BB962C8B-B14F-4D97-AF65-F5344CB8AC3E}">
+        <p14:creationId xmlns:p14="http://schemas.microsoft.com/office/powerpoint/2010/main" val="2544406938"/>
+      </p:ext>
+    </p:extLst>
+  </p:cSld>
+  <p:clrMapOvr>
+    <a:masterClrMapping/>
+  </p:clrMapOvr>
+</p:notes>
+</file>
+
+<file path=ppt/notesSlides/notesSlide4.xml><?xml version="1.0" encoding="utf-8"?>
+<p:notes xmlns:a="http://schemas.openxmlformats.org/drawingml/2006/main" xmlns:r="http://schemas.openxmlformats.org/officeDocument/2006/relationships" xmlns:p="http://schemas.openxmlformats.org/presentationml/2006/main">
+  <p:cSld>
+    <p:spTree>
+      <p:nvGrpSpPr>
+        <p:cNvPr id="1" name="">
+          <a:extLst>
+            <a:ext uri="{FF2B5EF4-FFF2-40B4-BE49-F238E27FC236}">
+              <a16:creationId xmlns:a16="http://schemas.microsoft.com/office/drawing/2014/main" id="{5DD990AD-81C5-A852-2A02-10DDD295E47B}"/>
+            </a:ext>
+          </a:extLst>
+        </p:cNvPr>
+        <p:cNvGrpSpPr/>
+        <p:nvPr/>
+      </p:nvGrpSpPr>
+      <p:grpSpPr>
+        <a:xfrm>
+          <a:off x="0" y="0"/>
+          <a:ext cx="0" cy="0"/>
+          <a:chOff x="0" y="0"/>
+          <a:chExt cx="0" cy="0"/>
+        </a:xfrm>
+      </p:grpSpPr>
+      <p:sp>
+        <p:nvSpPr>
+          <p:cNvPr id="2" name="Slide Image Placeholder 1">
+            <a:extLst>
+              <a:ext uri="{FF2B5EF4-FFF2-40B4-BE49-F238E27FC236}">
+                <a16:creationId xmlns:a16="http://schemas.microsoft.com/office/drawing/2014/main" id="{44705A2E-446A-A59C-BDFF-54B2C294C976}"/>
+              </a:ext>
+            </a:extLst>
+          </p:cNvPr>
+          <p:cNvSpPr>
+            <a:spLocks noGrp="1" noRot="1" noChangeAspect="1"/>
+          </p:cNvSpPr>
+          <p:nvPr>
+            <p:ph type="sldImg"/>
+          </p:nvPr>
+        </p:nvSpPr>
+        <p:spPr/>
+      </p:sp>
+      <p:sp>
+        <p:nvSpPr>
+          <p:cNvPr id="3" name="Notes Placeholder 2">
+            <a:extLst>
+              <a:ext uri="{FF2B5EF4-FFF2-40B4-BE49-F238E27FC236}">
+                <a16:creationId xmlns:a16="http://schemas.microsoft.com/office/drawing/2014/main" id="{3CFDF1F0-BD32-41ED-FE03-65A29AD8B018}"/>
+              </a:ext>
+            </a:extLst>
+          </p:cNvPr>
+          <p:cNvSpPr>
+            <a:spLocks noGrp="1"/>
+          </p:cNvSpPr>
+          <p:nvPr>
+            <p:ph type="body" idx="1"/>
+          </p:nvPr>
+        </p:nvSpPr>
+        <p:spPr/>
+        <p:txBody>
+          <a:bodyPr/>
+          <a:lstStyle/>
+          <a:p>
+            <a:endParaRPr lang="en-US" dirty="0"/>
+          </a:p>
+        </p:txBody>
+      </p:sp>
+      <p:sp>
+        <p:nvSpPr>
+          <p:cNvPr id="4" name="Slide Number Placeholder 3">
+            <a:extLst>
+              <a:ext uri="{FF2B5EF4-FFF2-40B4-BE49-F238E27FC236}">
+                <a16:creationId xmlns:a16="http://schemas.microsoft.com/office/drawing/2014/main" id="{095DFB36-80B2-2DEF-8096-00FECC74540D}"/>
+              </a:ext>
+            </a:extLst>
+          </p:cNvPr>
+          <p:cNvSpPr>
+            <a:spLocks noGrp="1"/>
+          </p:cNvSpPr>
+          <p:nvPr>
+            <p:ph type="sldNum" sz="quarter" idx="5"/>
+          </p:nvPr>
+        </p:nvSpPr>
+        <p:spPr/>
+        <p:txBody>
+          <a:bodyPr/>
+          <a:lstStyle/>
+          <a:p>
+            <a:fld id="{BE8156D7-CAAF-45E2-9066-0052B4CA1777}" type="slidenum">
+              <a:rPr lang="en-US" smtClean="0"/>
+              <a:t>4</a:t>
+            </a:fld>
+            <a:endParaRPr lang="en-US"/>
+          </a:p>
+        </p:txBody>
+      </p:sp>
+    </p:spTree>
+    <p:extLst>
+      <p:ext uri="{BB962C8B-B14F-4D97-AF65-F5344CB8AC3E}">
+        <p14:creationId xmlns:p14="http://schemas.microsoft.com/office/powerpoint/2010/main" val="4112030185"/>
+      </p:ext>
+    </p:extLst>
+  </p:cSld>
+  <p:clrMapOvr>
+    <a:masterClrMapping/>
+  </p:clrMapOvr>
+</p:notes>
+</file>
+
+<file path=ppt/notesSlides/notesSlide5.xml><?xml version="1.0" encoding="utf-8"?>
+<p:notes xmlns:a="http://schemas.openxmlformats.org/drawingml/2006/main" xmlns:r="http://schemas.openxmlformats.org/officeDocument/2006/relationships" xmlns:p="http://schemas.openxmlformats.org/presentationml/2006/main">
+  <p:cSld>
+    <p:spTree>
+      <p:nvGrpSpPr>
+        <p:cNvPr id="1" name="">
+          <a:extLst>
+            <a:ext uri="{FF2B5EF4-FFF2-40B4-BE49-F238E27FC236}">
+              <a16:creationId xmlns:a16="http://schemas.microsoft.com/office/drawing/2014/main" id="{3F0DF521-AA21-12F5-04E0-10DF605F7EB1}"/>
+            </a:ext>
+          </a:extLst>
+        </p:cNvPr>
+        <p:cNvGrpSpPr/>
+        <p:nvPr/>
+      </p:nvGrpSpPr>
+      <p:grpSpPr>
+        <a:xfrm>
+          <a:off x="0" y="0"/>
+          <a:ext cx="0" cy="0"/>
+          <a:chOff x="0" y="0"/>
+          <a:chExt cx="0" cy="0"/>
+        </a:xfrm>
+      </p:grpSpPr>
+      <p:sp>
+        <p:nvSpPr>
+          <p:cNvPr id="2" name="Slide Image Placeholder 1">
+            <a:extLst>
+              <a:ext uri="{FF2B5EF4-FFF2-40B4-BE49-F238E27FC236}">
+                <a16:creationId xmlns:a16="http://schemas.microsoft.com/office/drawing/2014/main" id="{63D92102-FACF-6A59-FF2B-85CE84067A35}"/>
+              </a:ext>
+            </a:extLst>
+          </p:cNvPr>
+          <p:cNvSpPr>
+            <a:spLocks noGrp="1" noRot="1" noChangeAspect="1"/>
+          </p:cNvSpPr>
+          <p:nvPr>
+            <p:ph type="sldImg"/>
+          </p:nvPr>
+        </p:nvSpPr>
+        <p:spPr/>
+      </p:sp>
+      <p:sp>
+        <p:nvSpPr>
+          <p:cNvPr id="3" name="Notes Placeholder 2">
+            <a:extLst>
+              <a:ext uri="{FF2B5EF4-FFF2-40B4-BE49-F238E27FC236}">
+                <a16:creationId xmlns:a16="http://schemas.microsoft.com/office/drawing/2014/main" id="{B85E5D40-DABC-1A52-82BC-2A4C0194D71A}"/>
+              </a:ext>
+            </a:extLst>
+          </p:cNvPr>
+          <p:cNvSpPr>
+            <a:spLocks noGrp="1"/>
+          </p:cNvSpPr>
+          <p:nvPr>
+            <p:ph type="body" idx="1"/>
+          </p:nvPr>
+        </p:nvSpPr>
+        <p:spPr/>
+        <p:txBody>
+          <a:bodyPr/>
+          <a:lstStyle/>
+          <a:p>
+            <a:endParaRPr lang="en-US" dirty="0"/>
+          </a:p>
+        </p:txBody>
+      </p:sp>
+      <p:sp>
+        <p:nvSpPr>
+          <p:cNvPr id="4" name="Slide Number Placeholder 3">
+            <a:extLst>
+              <a:ext uri="{FF2B5EF4-FFF2-40B4-BE49-F238E27FC236}">
+                <a16:creationId xmlns:a16="http://schemas.microsoft.com/office/drawing/2014/main" id="{4027850C-8D28-380D-D779-7FDE53F05360}"/>
+              </a:ext>
+            </a:extLst>
+          </p:cNvPr>
+          <p:cNvSpPr>
+            <a:spLocks noGrp="1"/>
+          </p:cNvSpPr>
+          <p:nvPr>
+            <p:ph type="sldNum" sz="quarter" idx="5"/>
+          </p:nvPr>
+        </p:nvSpPr>
+        <p:spPr/>
+        <p:txBody>
+          <a:bodyPr/>
+          <a:lstStyle/>
+          <a:p>
+            <a:fld id="{BE8156D7-CAAF-45E2-9066-0052B4CA1777}" type="slidenum">
+              <a:rPr lang="en-US" smtClean="0"/>
+              <a:t>5</a:t>
+            </a:fld>
+            <a:endParaRPr lang="en-US"/>
+          </a:p>
+        </p:txBody>
+      </p:sp>
+    </p:spTree>
+    <p:extLst>
+      <p:ext uri="{BB962C8B-B14F-4D97-AF65-F5344CB8AC3E}">
+        <p14:creationId xmlns:p14="http://schemas.microsoft.com/office/powerpoint/2010/main" val="180592450"/>
+      </p:ext>
+    </p:extLst>
+  </p:cSld>
+  <p:clrMapOvr>
+    <a:masterClrMapping/>
+  </p:clrMapOvr>
+</p:notes>
+</file>
+
+<file path=ppt/notesSlides/notesSlide6.xml><?xml version="1.0" encoding="utf-8"?>
+<p:notes xmlns:a="http://schemas.openxmlformats.org/drawingml/2006/main" xmlns:r="http://schemas.openxmlformats.org/officeDocument/2006/relationships" xmlns:p="http://schemas.openxmlformats.org/presentationml/2006/main">
+  <p:cSld>
+    <p:spTree>
+      <p:nvGrpSpPr>
+        <p:cNvPr id="1" name="">
+          <a:extLst>
+            <a:ext uri="{FF2B5EF4-FFF2-40B4-BE49-F238E27FC236}">
+              <a16:creationId xmlns:a16="http://schemas.microsoft.com/office/drawing/2014/main" id="{CA920769-D230-9941-9D49-0EFCD67AFA47}"/>
+            </a:ext>
+          </a:extLst>
+        </p:cNvPr>
+        <p:cNvGrpSpPr/>
+        <p:nvPr/>
+      </p:nvGrpSpPr>
+      <p:grpSpPr>
+        <a:xfrm>
+          <a:off x="0" y="0"/>
+          <a:ext cx="0" cy="0"/>
+          <a:chOff x="0" y="0"/>
+          <a:chExt cx="0" cy="0"/>
+        </a:xfrm>
+      </p:grpSpPr>
+      <p:sp>
+        <p:nvSpPr>
+          <p:cNvPr id="2" name="Slide Image Placeholder 1">
+            <a:extLst>
+              <a:ext uri="{FF2B5EF4-FFF2-40B4-BE49-F238E27FC236}">
+                <a16:creationId xmlns:a16="http://schemas.microsoft.com/office/drawing/2014/main" id="{59CF1F1B-D7B3-4504-2660-635EC65C3EF8}"/>
+              </a:ext>
+            </a:extLst>
+          </p:cNvPr>
+          <p:cNvSpPr>
+            <a:spLocks noGrp="1" noRot="1" noChangeAspect="1"/>
+          </p:cNvSpPr>
+          <p:nvPr>
+            <p:ph type="sldImg"/>
+          </p:nvPr>
+        </p:nvSpPr>
+        <p:spPr/>
+      </p:sp>
+      <p:sp>
+        <p:nvSpPr>
+          <p:cNvPr id="3" name="Notes Placeholder 2">
+            <a:extLst>
+              <a:ext uri="{FF2B5EF4-FFF2-40B4-BE49-F238E27FC236}">
+                <a16:creationId xmlns:a16="http://schemas.microsoft.com/office/drawing/2014/main" id="{C4EC69DA-FA19-6DBC-931F-B9D544A4D34D}"/>
+              </a:ext>
+            </a:extLst>
+          </p:cNvPr>
+          <p:cNvSpPr>
+            <a:spLocks noGrp="1"/>
+          </p:cNvSpPr>
+          <p:nvPr>
+            <p:ph type="body" idx="1"/>
+          </p:nvPr>
+        </p:nvSpPr>
+        <p:spPr/>
+        <p:txBody>
+          <a:bodyPr/>
+          <a:lstStyle/>
+          <a:p>
+            <a:endParaRPr lang="en-US" dirty="0"/>
+          </a:p>
+        </p:txBody>
+      </p:sp>
+      <p:sp>
+        <p:nvSpPr>
+          <p:cNvPr id="4" name="Slide Number Placeholder 3">
+            <a:extLst>
+              <a:ext uri="{FF2B5EF4-FFF2-40B4-BE49-F238E27FC236}">
+                <a16:creationId xmlns:a16="http://schemas.microsoft.com/office/drawing/2014/main" id="{EC5A3E96-751F-AD4B-6578-39F8459F5560}"/>
+              </a:ext>
+            </a:extLst>
+          </p:cNvPr>
+          <p:cNvSpPr>
+            <a:spLocks noGrp="1"/>
+          </p:cNvSpPr>
+          <p:nvPr>
+            <p:ph type="sldNum" sz="quarter" idx="5"/>
+          </p:nvPr>
+        </p:nvSpPr>
+        <p:spPr/>
+        <p:txBody>
+          <a:bodyPr/>
+          <a:lstStyle/>
+          <a:p>
+            <a:fld id="{BE8156D7-CAAF-45E2-9066-0052B4CA1777}" type="slidenum">
+              <a:rPr lang="en-US" smtClean="0"/>
+              <a:t>6</a:t>
+            </a:fld>
+            <a:endParaRPr lang="en-US"/>
+          </a:p>
+        </p:txBody>
+      </p:sp>
+    </p:spTree>
+    <p:extLst>
+      <p:ext uri="{BB962C8B-B14F-4D97-AF65-F5344CB8AC3E}">
+        <p14:creationId xmlns:p14="http://schemas.microsoft.com/office/powerpoint/2010/main" val="2235120705"/>
+      </p:ext>
+    </p:extLst>
+  </p:cSld>
+  <p:clrMapOvr>
+    <a:masterClrMapping/>
+  </p:clrMapOvr>
+</p:notes>
+</file>
+
+<file path=ppt/notesSlides/notesSlide7.xml><?xml version="1.0" encoding="utf-8"?>
+<p:notes xmlns:a="http://schemas.openxmlformats.org/drawingml/2006/main" xmlns:r="http://schemas.openxmlformats.org/officeDocument/2006/relationships" xmlns:p="http://schemas.openxmlformats.org/presentationml/2006/main">
+  <p:cSld>
+    <p:spTree>
+      <p:nvGrpSpPr>
+        <p:cNvPr id="1" name="">
+          <a:extLst>
+            <a:ext uri="{FF2B5EF4-FFF2-40B4-BE49-F238E27FC236}">
+              <a16:creationId xmlns:a16="http://schemas.microsoft.com/office/drawing/2014/main" id="{45900F4B-929C-462D-B228-1F79DEDB73C7}"/>
+            </a:ext>
+          </a:extLst>
+        </p:cNvPr>
+        <p:cNvGrpSpPr/>
+        <p:nvPr/>
+      </p:nvGrpSpPr>
+      <p:grpSpPr>
+        <a:xfrm>
+          <a:off x="0" y="0"/>
+          <a:ext cx="0" cy="0"/>
+          <a:chOff x="0" y="0"/>
+          <a:chExt cx="0" cy="0"/>
+        </a:xfrm>
+      </p:grpSpPr>
+      <p:sp>
+        <p:nvSpPr>
+          <p:cNvPr id="2" name="Slide Image Placeholder 1">
+            <a:extLst>
+              <a:ext uri="{FF2B5EF4-FFF2-40B4-BE49-F238E27FC236}">
+                <a16:creationId xmlns:a16="http://schemas.microsoft.com/office/drawing/2014/main" id="{73A6A164-7774-26A9-4FB3-4090055E3591}"/>
+              </a:ext>
+            </a:extLst>
+          </p:cNvPr>
+          <p:cNvSpPr>
+            <a:spLocks noGrp="1" noRot="1" noChangeAspect="1"/>
+          </p:cNvSpPr>
+          <p:nvPr>
+            <p:ph type="sldImg"/>
+          </p:nvPr>
+        </p:nvSpPr>
+        <p:spPr/>
+      </p:sp>
+      <p:sp>
+        <p:nvSpPr>
+          <p:cNvPr id="3" name="Notes Placeholder 2">
+            <a:extLst>
+              <a:ext uri="{FF2B5EF4-FFF2-40B4-BE49-F238E27FC236}">
+                <a16:creationId xmlns:a16="http://schemas.microsoft.com/office/drawing/2014/main" id="{4231105A-3953-AD6F-E096-9EC0B76B93FA}"/>
+              </a:ext>
+            </a:extLst>
+          </p:cNvPr>
+          <p:cNvSpPr>
+            <a:spLocks noGrp="1"/>
+          </p:cNvSpPr>
+          <p:nvPr>
+            <p:ph type="body" idx="1"/>
+          </p:nvPr>
+        </p:nvSpPr>
+        <p:spPr/>
+        <p:txBody>
+          <a:bodyPr/>
+          <a:lstStyle/>
+          <a:p>
+            <a:endParaRPr lang="en-US" dirty="0"/>
+          </a:p>
+        </p:txBody>
+      </p:sp>
+      <p:sp>
+        <p:nvSpPr>
+          <p:cNvPr id="4" name="Slide Number Placeholder 3">
+            <a:extLst>
+              <a:ext uri="{FF2B5EF4-FFF2-40B4-BE49-F238E27FC236}">
+                <a16:creationId xmlns:a16="http://schemas.microsoft.com/office/drawing/2014/main" id="{4A8A2A18-F26C-91CC-3D1F-8A3A803D8750}"/>
+              </a:ext>
+            </a:extLst>
+          </p:cNvPr>
+          <p:cNvSpPr>
+            <a:spLocks noGrp="1"/>
+          </p:cNvSpPr>
+          <p:nvPr>
+            <p:ph type="sldNum" sz="quarter" idx="5"/>
+          </p:nvPr>
+        </p:nvSpPr>
+        <p:spPr/>
+        <p:txBody>
+          <a:bodyPr/>
+          <a:lstStyle/>
+          <a:p>
+            <a:fld id="{BE8156D7-CAAF-45E2-9066-0052B4CA1777}" type="slidenum">
+              <a:rPr lang="en-US" smtClean="0"/>
+              <a:t>7</a:t>
+            </a:fld>
+            <a:endParaRPr lang="en-US"/>
+          </a:p>
+        </p:txBody>
+      </p:sp>
+    </p:spTree>
+    <p:extLst>
+      <p:ext uri="{BB962C8B-B14F-4D97-AF65-F5344CB8AC3E}">
+        <p14:creationId xmlns:p14="http://schemas.microsoft.com/office/powerpoint/2010/main" val="1200450540"/>
+      </p:ext>
+    </p:extLst>
+  </p:cSld>
+  <p:clrMapOvr>
+    <a:masterClrMapping/>
+  </p:clrMapOvr>
+</p:notes>
+</file>
+
+<file path=ppt/notesSlides/notesSlide8.xml><?xml version="1.0" encoding="utf-8"?>
+<p:notes xmlns:a="http://schemas.openxmlformats.org/drawingml/2006/main" xmlns:r="http://schemas.openxmlformats.org/officeDocument/2006/relationships" xmlns:p="http://schemas.openxmlformats.org/presentationml/2006/main">
+  <p:cSld>
+    <p:spTree>
+      <p:nvGrpSpPr>
+        <p:cNvPr id="1" name="">
+          <a:extLst>
+            <a:ext uri="{FF2B5EF4-FFF2-40B4-BE49-F238E27FC236}">
+              <a16:creationId xmlns:a16="http://schemas.microsoft.com/office/drawing/2014/main" id="{E796672C-2DED-36FF-62F6-0E30B64121D5}"/>
+            </a:ext>
+          </a:extLst>
+        </p:cNvPr>
+        <p:cNvGrpSpPr/>
+        <p:nvPr/>
+      </p:nvGrpSpPr>
+      <p:grpSpPr>
+        <a:xfrm>
+          <a:off x="0" y="0"/>
+          <a:ext cx="0" cy="0"/>
+          <a:chOff x="0" y="0"/>
+          <a:chExt cx="0" cy="0"/>
+        </a:xfrm>
+      </p:grpSpPr>
+      <p:sp>
+        <p:nvSpPr>
+          <p:cNvPr id="2" name="Slide Image Placeholder 1">
+            <a:extLst>
+              <a:ext uri="{FF2B5EF4-FFF2-40B4-BE49-F238E27FC236}">
+                <a16:creationId xmlns:a16="http://schemas.microsoft.com/office/drawing/2014/main" id="{A76E655B-D7DC-2737-C032-F969E0FAC662}"/>
+              </a:ext>
+            </a:extLst>
+          </p:cNvPr>
+          <p:cNvSpPr>
+            <a:spLocks noGrp="1" noRot="1" noChangeAspect="1"/>
+          </p:cNvSpPr>
+          <p:nvPr>
+            <p:ph type="sldImg"/>
+          </p:nvPr>
+        </p:nvSpPr>
+        <p:spPr/>
+      </p:sp>
+      <p:sp>
+        <p:nvSpPr>
+          <p:cNvPr id="3" name="Notes Placeholder 2">
+            <a:extLst>
+              <a:ext uri="{FF2B5EF4-FFF2-40B4-BE49-F238E27FC236}">
+                <a16:creationId xmlns:a16="http://schemas.microsoft.com/office/drawing/2014/main" id="{83AF14A6-E316-EFC9-2BEB-D7C444010E93}"/>
+              </a:ext>
+            </a:extLst>
+          </p:cNvPr>
+          <p:cNvSpPr>
+            <a:spLocks noGrp="1"/>
+          </p:cNvSpPr>
+          <p:nvPr>
+            <p:ph type="body" idx="1"/>
+          </p:nvPr>
+        </p:nvSpPr>
+        <p:spPr/>
+        <p:txBody>
+          <a:bodyPr/>
+          <a:lstStyle/>
+          <a:p>
+            <a:endParaRPr lang="en-US" dirty="0"/>
+          </a:p>
+        </p:txBody>
+      </p:sp>
+      <p:sp>
+        <p:nvSpPr>
+          <p:cNvPr id="4" name="Slide Number Placeholder 3">
+            <a:extLst>
+              <a:ext uri="{FF2B5EF4-FFF2-40B4-BE49-F238E27FC236}">
+                <a16:creationId xmlns:a16="http://schemas.microsoft.com/office/drawing/2014/main" id="{2D8283FE-1899-0393-05E7-58693212E728}"/>
+              </a:ext>
+            </a:extLst>
+          </p:cNvPr>
+          <p:cNvSpPr>
+            <a:spLocks noGrp="1"/>
+          </p:cNvSpPr>
+          <p:nvPr>
+            <p:ph type="sldNum" sz="quarter" idx="5"/>
+          </p:nvPr>
+        </p:nvSpPr>
+        <p:spPr/>
+        <p:txBody>
+          <a:bodyPr/>
+          <a:lstStyle/>
+          <a:p>
+            <a:fld id="{BE8156D7-CAAF-45E2-9066-0052B4CA1777}" type="slidenum">
+              <a:rPr lang="en-US" smtClean="0"/>
+              <a:t>8</a:t>
+            </a:fld>
+            <a:endParaRPr lang="en-US"/>
+          </a:p>
+        </p:txBody>
+      </p:sp>
+    </p:spTree>
+    <p:extLst>
+      <p:ext uri="{BB962C8B-B14F-4D97-AF65-F5344CB8AC3E}">
+        <p14:creationId xmlns:p14="http://schemas.microsoft.com/office/powerpoint/2010/main" val="3238830444"/>
+      </p:ext>
+    </p:extLst>
+  </p:cSld>
+  <p:clrMapOvr>
+    <a:masterClrMapping/>
+  </p:clrMapOvr>
+</p:notes>
+</file>
+
+<file path=ppt/notesSlides/notesSlide9.xml><?xml version="1.0" encoding="utf-8"?>
+<p:notes xmlns:a="http://schemas.openxmlformats.org/drawingml/2006/main" xmlns:r="http://schemas.openxmlformats.org/officeDocument/2006/relationships" xmlns:p="http://schemas.openxmlformats.org/presentationml/2006/main">
+  <p:cSld>
+    <p:spTree>
+      <p:nvGrpSpPr>
+        <p:cNvPr id="1" name="">
+          <a:extLst>
+            <a:ext uri="{FF2B5EF4-FFF2-40B4-BE49-F238E27FC236}">
+              <a16:creationId xmlns:a16="http://schemas.microsoft.com/office/drawing/2014/main" id="{8DBF7881-1434-9978-7AAD-FF278ABD4E22}"/>
+            </a:ext>
+          </a:extLst>
+        </p:cNvPr>
+        <p:cNvGrpSpPr/>
+        <p:nvPr/>
+      </p:nvGrpSpPr>
+      <p:grpSpPr>
+        <a:xfrm>
+          <a:off x="0" y="0"/>
+          <a:ext cx="0" cy="0"/>
+          <a:chOff x="0" y="0"/>
+          <a:chExt cx="0" cy="0"/>
+        </a:xfrm>
+      </p:grpSpPr>
+      <p:sp>
+        <p:nvSpPr>
+          <p:cNvPr id="2" name="Slide Image Placeholder 1">
+            <a:extLst>
+              <a:ext uri="{FF2B5EF4-FFF2-40B4-BE49-F238E27FC236}">
+                <a16:creationId xmlns:a16="http://schemas.microsoft.com/office/drawing/2014/main" id="{CA1EB17A-885A-B3FE-B23A-560D057223B7}"/>
+              </a:ext>
+            </a:extLst>
+          </p:cNvPr>
+          <p:cNvSpPr>
+            <a:spLocks noGrp="1" noRot="1" noChangeAspect="1"/>
+          </p:cNvSpPr>
+          <p:nvPr>
+            <p:ph type="sldImg"/>
+          </p:nvPr>
+        </p:nvSpPr>
+        <p:spPr/>
+      </p:sp>
+      <p:sp>
+        <p:nvSpPr>
+          <p:cNvPr id="3" name="Notes Placeholder 2">
+            <a:extLst>
+              <a:ext uri="{FF2B5EF4-FFF2-40B4-BE49-F238E27FC236}">
+                <a16:creationId xmlns:a16="http://schemas.microsoft.com/office/drawing/2014/main" id="{75414826-7539-A88F-B89C-CC245CBF2567}"/>
+              </a:ext>
+            </a:extLst>
+          </p:cNvPr>
+          <p:cNvSpPr>
+            <a:spLocks noGrp="1"/>
+          </p:cNvSpPr>
+          <p:nvPr>
+            <p:ph type="body" idx="1"/>
+          </p:nvPr>
+        </p:nvSpPr>
+        <p:spPr/>
+        <p:txBody>
+          <a:bodyPr/>
+          <a:lstStyle/>
+          <a:p>
+            <a:endParaRPr lang="en-US" dirty="0"/>
+          </a:p>
+        </p:txBody>
+      </p:sp>
+      <p:sp>
+        <p:nvSpPr>
+          <p:cNvPr id="4" name="Slide Number Placeholder 3">
+            <a:extLst>
+              <a:ext uri="{FF2B5EF4-FFF2-40B4-BE49-F238E27FC236}">
+                <a16:creationId xmlns:a16="http://schemas.microsoft.com/office/drawing/2014/main" id="{A7A07C8F-040D-4C59-58CB-CC7AF2B816B3}"/>
+              </a:ext>
+            </a:extLst>
+          </p:cNvPr>
+          <p:cNvSpPr>
+            <a:spLocks noGrp="1"/>
+          </p:cNvSpPr>
+          <p:nvPr>
+            <p:ph type="sldNum" sz="quarter" idx="5"/>
+          </p:nvPr>
+        </p:nvSpPr>
+        <p:spPr/>
+        <p:txBody>
+          <a:bodyPr/>
+          <a:lstStyle/>
+          <a:p>
+            <a:fld id="{BE8156D7-CAAF-45E2-9066-0052B4CA1777}" type="slidenum">
+              <a:rPr lang="en-US" smtClean="0"/>
+              <a:t>9</a:t>
+            </a:fld>
+            <a:endParaRPr lang="en-US"/>
+          </a:p>
+        </p:txBody>
+      </p:sp>
+    </p:spTree>
+    <p:extLst>
+      <p:ext uri="{BB962C8B-B14F-4D97-AF65-F5344CB8AC3E}">
+        <p14:creationId xmlns:p14="http://schemas.microsoft.com/office/powerpoint/2010/main" val="2366535352"/>
+      </p:ext>
+    </p:extLst>
+  </p:cSld>
+  <p:clrMapOvr>
+    <a:masterClrMapping/>
+  </p:clrMapOvr>
+</p:notes>
+</file>
+
 <file path=ppt/slideLayouts/slideLayout1.xml><?xml version="1.0" encoding="utf-8"?>
 <p:sldLayout xmlns:a="http://schemas.openxmlformats.org/drawingml/2006/main" xmlns:r="http://schemas.openxmlformats.org/officeDocument/2006/relationships" xmlns:p="http://schemas.openxmlformats.org/presentationml/2006/main" type="title" preserve="1">
   <p:cSld name="Title Slide">
@@ -695,7 +2548,7 @@
           <a:p>
             <a:fld id="{5EB74D79-A680-4428-AC2F-23CF56EA802D}" type="datetimeFigureOut">
               <a:rPr lang="en-US" smtClean="0"/>
-              <a:t>3/24/2025</a:t>
+              <a:t>3/25/2025</a:t>
             </a:fld>
             <a:endParaRPr lang="en-US"/>
           </a:p>
@@ -893,7 +2746,7 @@
           <a:p>
             <a:fld id="{5EB74D79-A680-4428-AC2F-23CF56EA802D}" type="datetimeFigureOut">
               <a:rPr lang="en-US" smtClean="0"/>
-              <a:t>3/24/2025</a:t>
+              <a:t>3/25/2025</a:t>
             </a:fld>
             <a:endParaRPr lang="en-US"/>
           </a:p>
@@ -1101,7 +2954,7 @@
           <a:p>
             <a:fld id="{5EB74D79-A680-4428-AC2F-23CF56EA802D}" type="datetimeFigureOut">
               <a:rPr lang="en-US" smtClean="0"/>
-              <a:t>3/24/2025</a:t>
+              <a:t>3/25/2025</a:t>
             </a:fld>
             <a:endParaRPr lang="en-US"/>
           </a:p>
@@ -1299,7 +3152,7 @@
           <a:p>
             <a:fld id="{5EB74D79-A680-4428-AC2F-23CF56EA802D}" type="datetimeFigureOut">
               <a:rPr lang="en-US" smtClean="0"/>
-              <a:t>3/24/2025</a:t>
+              <a:t>3/25/2025</a:t>
             </a:fld>
             <a:endParaRPr lang="en-US"/>
           </a:p>
@@ -1574,7 +3427,7 @@
           <a:p>
             <a:fld id="{5EB74D79-A680-4428-AC2F-23CF56EA802D}" type="datetimeFigureOut">
               <a:rPr lang="en-US" smtClean="0"/>
-              <a:t>3/24/2025</a:t>
+              <a:t>3/25/2025</a:t>
             </a:fld>
             <a:endParaRPr lang="en-US"/>
           </a:p>
@@ -1839,7 +3692,7 @@
           <a:p>
             <a:fld id="{5EB74D79-A680-4428-AC2F-23CF56EA802D}" type="datetimeFigureOut">
               <a:rPr lang="en-US" smtClean="0"/>
-              <a:t>3/24/2025</a:t>
+              <a:t>3/25/2025</a:t>
             </a:fld>
             <a:endParaRPr lang="en-US"/>
           </a:p>
@@ -2251,7 +4104,7 @@
           <a:p>
             <a:fld id="{5EB74D79-A680-4428-AC2F-23CF56EA802D}" type="datetimeFigureOut">
               <a:rPr lang="en-US" smtClean="0"/>
-              <a:t>3/24/2025</a:t>
+              <a:t>3/25/2025</a:t>
             </a:fld>
             <a:endParaRPr lang="en-US"/>
           </a:p>
@@ -2392,7 +4245,7 @@
           <a:p>
             <a:fld id="{5EB74D79-A680-4428-AC2F-23CF56EA802D}" type="datetimeFigureOut">
               <a:rPr lang="en-US" smtClean="0"/>
-              <a:t>3/24/2025</a:t>
+              <a:t>3/25/2025</a:t>
             </a:fld>
             <a:endParaRPr lang="en-US"/>
           </a:p>
@@ -2505,7 +4358,7 @@
           <a:p>
             <a:fld id="{5EB74D79-A680-4428-AC2F-23CF56EA802D}" type="datetimeFigureOut">
               <a:rPr lang="en-US" smtClean="0"/>
-              <a:t>3/24/2025</a:t>
+              <a:t>3/25/2025</a:t>
             </a:fld>
             <a:endParaRPr lang="en-US"/>
           </a:p>
@@ -2816,7 +4669,7 @@
           <a:p>
             <a:fld id="{5EB74D79-A680-4428-AC2F-23CF56EA802D}" type="datetimeFigureOut">
               <a:rPr lang="en-US" smtClean="0"/>
-              <a:t>3/24/2025</a:t>
+              <a:t>3/25/2025</a:t>
             </a:fld>
             <a:endParaRPr lang="en-US"/>
           </a:p>
@@ -3104,7 +4957,7 @@
           <a:p>
             <a:fld id="{5EB74D79-A680-4428-AC2F-23CF56EA802D}" type="datetimeFigureOut">
               <a:rPr lang="en-US" smtClean="0"/>
-              <a:t>3/24/2025</a:t>
+              <a:t>3/25/2025</a:t>
             </a:fld>
             <a:endParaRPr lang="en-US"/>
           </a:p>
@@ -3345,7 +5198,7 @@
           <a:p>
             <a:fld id="{5EB74D79-A680-4428-AC2F-23CF56EA802D}" type="datetimeFigureOut">
               <a:rPr lang="en-US" smtClean="0"/>
-              <a:t>3/24/2025</a:t>
+              <a:t>3/25/2025</a:t>
             </a:fld>
             <a:endParaRPr lang="en-US"/>
           </a:p>
@@ -3955,6 +5808,3070 @@
     <p:extLst>
       <p:ext uri="{BB962C8B-B14F-4D97-AF65-F5344CB8AC3E}">
         <p14:creationId xmlns:p14="http://schemas.microsoft.com/office/powerpoint/2010/main" val="4278286140"/>
+      </p:ext>
+    </p:extLst>
+  </p:cSld>
+  <p:clrMapOvr>
+    <a:masterClrMapping/>
+  </p:clrMapOvr>
+</p:sld>
+</file>
+
+<file path=ppt/slides/slide10.xml><?xml version="1.0" encoding="utf-8"?>
+<p:sld xmlns:a="http://schemas.openxmlformats.org/drawingml/2006/main" xmlns:r="http://schemas.openxmlformats.org/officeDocument/2006/relationships" xmlns:p="http://schemas.openxmlformats.org/presentationml/2006/main">
+  <p:cSld>
+    <p:spTree>
+      <p:nvGrpSpPr>
+        <p:cNvPr id="1" name="">
+          <a:extLst>
+            <a:ext uri="{FF2B5EF4-FFF2-40B4-BE49-F238E27FC236}">
+              <a16:creationId xmlns:a16="http://schemas.microsoft.com/office/drawing/2014/main" id="{A377AD8F-0D48-2B66-B552-47C6B04D3F00}"/>
+            </a:ext>
+          </a:extLst>
+        </p:cNvPr>
+        <p:cNvGrpSpPr/>
+        <p:nvPr/>
+      </p:nvGrpSpPr>
+      <p:grpSpPr>
+        <a:xfrm>
+          <a:off x="0" y="0"/>
+          <a:ext cx="0" cy="0"/>
+          <a:chOff x="0" y="0"/>
+          <a:chExt cx="0" cy="0"/>
+        </a:xfrm>
+      </p:grpSpPr>
+      <p:sp>
+        <p:nvSpPr>
+          <p:cNvPr id="6" name="TextBox 5">
+            <a:extLst>
+              <a:ext uri="{FF2B5EF4-FFF2-40B4-BE49-F238E27FC236}">
+                <a16:creationId xmlns:a16="http://schemas.microsoft.com/office/drawing/2014/main" id="{E7D51B7C-F7CD-0E49-A5A2-BD72B4F79544}"/>
+              </a:ext>
+            </a:extLst>
+          </p:cNvPr>
+          <p:cNvSpPr txBox="1"/>
+          <p:nvPr/>
+        </p:nvSpPr>
+        <p:spPr>
+          <a:xfrm>
+            <a:off x="102742" y="113016"/>
+            <a:ext cx="6096000" cy="646331"/>
+          </a:xfrm>
+          <a:prstGeom prst="rect">
+            <a:avLst/>
+          </a:prstGeom>
+          <a:noFill/>
+        </p:spPr>
+        <p:txBody>
+          <a:bodyPr wrap="square" rtlCol="0">
+            <a:spAutoFit/>
+          </a:bodyPr>
+          <a:lstStyle/>
+          <a:p>
+            <a:r>
+              <a:rPr lang="en-US" sz="2000" b="1" dirty="0">
+                <a:solidFill>
+                  <a:schemeClr val="tx2"/>
+                </a:solidFill>
+                <a:latin typeface="Arial" panose="020B0604020202020204" pitchFamily="34" charset="0"/>
+                <a:cs typeface="Arial" panose="020B0604020202020204" pitchFamily="34" charset="0"/>
+              </a:rPr>
+              <a:t>Web Design 101: “Introduction to course”</a:t>
+            </a:r>
+          </a:p>
+          <a:p>
+            <a:r>
+              <a:rPr lang="en-US" sz="1600" b="1" dirty="0">
+                <a:solidFill>
+                  <a:schemeClr val="tx2"/>
+                </a:solidFill>
+                <a:latin typeface="Arial" panose="020B0604020202020204" pitchFamily="34" charset="0"/>
+                <a:cs typeface="Arial" panose="020B0604020202020204" pitchFamily="34" charset="0"/>
+              </a:rPr>
+              <a:t>Lecturer: PENG LYKHEANG </a:t>
+            </a:r>
+          </a:p>
+        </p:txBody>
+      </p:sp>
+      <p:sp>
+        <p:nvSpPr>
+          <p:cNvPr id="7" name="TextBox 6">
+            <a:extLst>
+              <a:ext uri="{FF2B5EF4-FFF2-40B4-BE49-F238E27FC236}">
+                <a16:creationId xmlns:a16="http://schemas.microsoft.com/office/drawing/2014/main" id="{70CEB10A-6121-CD8A-E982-6B39C9CBCE1A}"/>
+              </a:ext>
+            </a:extLst>
+          </p:cNvPr>
+          <p:cNvSpPr txBox="1"/>
+          <p:nvPr/>
+        </p:nvSpPr>
+        <p:spPr>
+          <a:xfrm>
+            <a:off x="552699" y="1325582"/>
+            <a:ext cx="11086601" cy="1323439"/>
+          </a:xfrm>
+          <a:prstGeom prst="rect">
+            <a:avLst/>
+          </a:prstGeom>
+          <a:noFill/>
+        </p:spPr>
+        <p:txBody>
+          <a:bodyPr wrap="square">
+            <a:spAutoFit/>
+          </a:bodyPr>
+          <a:lstStyle/>
+          <a:p>
+            <a:pPr algn="ctr"/>
+            <a:r>
+              <a:rPr lang="en-US" sz="8000" b="1" dirty="0">
+                <a:solidFill>
+                  <a:srgbClr val="002060"/>
+                </a:solidFill>
+                <a:latin typeface="Arial" panose="020B0604020202020204" pitchFamily="34" charset="0"/>
+                <a:cs typeface="Arial" panose="020B0604020202020204" pitchFamily="34" charset="0"/>
+              </a:rPr>
+              <a:t>Level 1</a:t>
+            </a:r>
+            <a:endParaRPr lang="en-US" sz="8000" dirty="0">
+              <a:solidFill>
+                <a:srgbClr val="002060"/>
+              </a:solidFill>
+            </a:endParaRPr>
+          </a:p>
+        </p:txBody>
+      </p:sp>
+      <p:sp>
+        <p:nvSpPr>
+          <p:cNvPr id="4" name="TextBox 3">
+            <a:extLst>
+              <a:ext uri="{FF2B5EF4-FFF2-40B4-BE49-F238E27FC236}">
+                <a16:creationId xmlns:a16="http://schemas.microsoft.com/office/drawing/2014/main" id="{38AFDFC7-9BFB-5109-6189-16BB27DF54A5}"/>
+              </a:ext>
+            </a:extLst>
+          </p:cNvPr>
+          <p:cNvSpPr txBox="1"/>
+          <p:nvPr/>
+        </p:nvSpPr>
+        <p:spPr>
+          <a:xfrm>
+            <a:off x="2536327" y="2661258"/>
+            <a:ext cx="7324829" cy="2127890"/>
+          </a:xfrm>
+          <a:prstGeom prst="rect">
+            <a:avLst/>
+          </a:prstGeom>
+          <a:noFill/>
+        </p:spPr>
+        <p:txBody>
+          <a:bodyPr wrap="square">
+            <a:spAutoFit/>
+          </a:bodyPr>
+          <a:lstStyle/>
+          <a:p>
+            <a:pPr>
+              <a:buNone/>
+            </a:pPr>
+            <a:r>
+              <a:rPr lang="en-US" sz="3600" b="1" dirty="0">
+                <a:solidFill>
+                  <a:srgbClr val="002060"/>
+                </a:solidFill>
+                <a:effectLst/>
+                <a:latin typeface="Arial" panose="020B0604020202020204" pitchFamily="34" charset="0"/>
+                <a:cs typeface="Arial" panose="020B0604020202020204" pitchFamily="34" charset="0"/>
+              </a:rPr>
+              <a:t>1. HTML Basics</a:t>
+            </a:r>
+          </a:p>
+          <a:p>
+            <a:pPr>
+              <a:buNone/>
+            </a:pPr>
+            <a:r>
+              <a:rPr lang="en-US" sz="3600" b="1" dirty="0">
+                <a:solidFill>
+                  <a:srgbClr val="002060"/>
+                </a:solidFill>
+                <a:effectLst/>
+                <a:latin typeface="Arial" panose="020B0604020202020204" pitchFamily="34" charset="0"/>
+                <a:cs typeface="Arial" panose="020B0604020202020204" pitchFamily="34" charset="0"/>
+              </a:rPr>
+              <a:t>2. Advance HTML &amp; Forms</a:t>
+            </a:r>
+          </a:p>
+          <a:p>
+            <a:r>
+              <a:rPr lang="en-US" sz="3600" b="1" dirty="0">
+                <a:solidFill>
+                  <a:srgbClr val="002060"/>
+                </a:solidFill>
+                <a:effectLst/>
+                <a:latin typeface="Arial" panose="020B0604020202020204" pitchFamily="34" charset="0"/>
+                <a:cs typeface="Arial" panose="020B0604020202020204" pitchFamily="34" charset="0"/>
+              </a:rPr>
+              <a:t>3. Introduction to CSS</a:t>
+            </a:r>
+          </a:p>
+          <a:p>
+            <a:pPr>
+              <a:lnSpc>
+                <a:spcPts val="1425"/>
+              </a:lnSpc>
+            </a:pPr>
+            <a:br>
+              <a:rPr lang="en-US" b="0" dirty="0">
+                <a:solidFill>
+                  <a:srgbClr val="CCCCCC"/>
+                </a:solidFill>
+                <a:effectLst/>
+                <a:latin typeface="Consolas" panose="020B0609020204030204" pitchFamily="49" charset="0"/>
+              </a:rPr>
+            </a:br>
+            <a:endParaRPr lang="en-US" b="0" dirty="0">
+              <a:solidFill>
+                <a:srgbClr val="CCCCCC"/>
+              </a:solidFill>
+              <a:effectLst/>
+              <a:latin typeface="Consolas" panose="020B0609020204030204" pitchFamily="49" charset="0"/>
+            </a:endParaRPr>
+          </a:p>
+        </p:txBody>
+      </p:sp>
+    </p:spTree>
+    <p:extLst>
+      <p:ext uri="{BB962C8B-B14F-4D97-AF65-F5344CB8AC3E}">
+        <p14:creationId xmlns:p14="http://schemas.microsoft.com/office/powerpoint/2010/main" val="3158634858"/>
+      </p:ext>
+    </p:extLst>
+  </p:cSld>
+  <p:clrMapOvr>
+    <a:masterClrMapping/>
+  </p:clrMapOvr>
+</p:sld>
+</file>
+
+<file path=ppt/slides/slide11.xml><?xml version="1.0" encoding="utf-8"?>
+<p:sld xmlns:a="http://schemas.openxmlformats.org/drawingml/2006/main" xmlns:r="http://schemas.openxmlformats.org/officeDocument/2006/relationships" xmlns:p="http://schemas.openxmlformats.org/presentationml/2006/main">
+  <p:cSld>
+    <p:spTree>
+      <p:nvGrpSpPr>
+        <p:cNvPr id="1" name="">
+          <a:extLst>
+            <a:ext uri="{FF2B5EF4-FFF2-40B4-BE49-F238E27FC236}">
+              <a16:creationId xmlns:a16="http://schemas.microsoft.com/office/drawing/2014/main" id="{9A138A19-E362-5629-80CB-6D9D129BC6E2}"/>
+            </a:ext>
+          </a:extLst>
+        </p:cNvPr>
+        <p:cNvGrpSpPr/>
+        <p:nvPr/>
+      </p:nvGrpSpPr>
+      <p:grpSpPr>
+        <a:xfrm>
+          <a:off x="0" y="0"/>
+          <a:ext cx="0" cy="0"/>
+          <a:chOff x="0" y="0"/>
+          <a:chExt cx="0" cy="0"/>
+        </a:xfrm>
+      </p:grpSpPr>
+      <p:sp>
+        <p:nvSpPr>
+          <p:cNvPr id="6" name="TextBox 5">
+            <a:extLst>
+              <a:ext uri="{FF2B5EF4-FFF2-40B4-BE49-F238E27FC236}">
+                <a16:creationId xmlns:a16="http://schemas.microsoft.com/office/drawing/2014/main" id="{87EE1821-3ECF-348D-B25A-D7ABA5C03BDB}"/>
+              </a:ext>
+            </a:extLst>
+          </p:cNvPr>
+          <p:cNvSpPr txBox="1"/>
+          <p:nvPr/>
+        </p:nvSpPr>
+        <p:spPr>
+          <a:xfrm>
+            <a:off x="102742" y="113016"/>
+            <a:ext cx="6096000" cy="646331"/>
+          </a:xfrm>
+          <a:prstGeom prst="rect">
+            <a:avLst/>
+          </a:prstGeom>
+          <a:noFill/>
+        </p:spPr>
+        <p:txBody>
+          <a:bodyPr wrap="square" rtlCol="0">
+            <a:spAutoFit/>
+          </a:bodyPr>
+          <a:lstStyle/>
+          <a:p>
+            <a:r>
+              <a:rPr lang="en-US" sz="2000" b="1" dirty="0">
+                <a:solidFill>
+                  <a:schemeClr val="tx2"/>
+                </a:solidFill>
+                <a:latin typeface="Arial" panose="020B0604020202020204" pitchFamily="34" charset="0"/>
+                <a:cs typeface="Arial" panose="020B0604020202020204" pitchFamily="34" charset="0"/>
+              </a:rPr>
+              <a:t>Web Design 101: “Introduction to course”</a:t>
+            </a:r>
+          </a:p>
+          <a:p>
+            <a:r>
+              <a:rPr lang="en-US" sz="1600" b="1" dirty="0">
+                <a:solidFill>
+                  <a:schemeClr val="tx2"/>
+                </a:solidFill>
+                <a:latin typeface="Arial" panose="020B0604020202020204" pitchFamily="34" charset="0"/>
+                <a:cs typeface="Arial" panose="020B0604020202020204" pitchFamily="34" charset="0"/>
+              </a:rPr>
+              <a:t>Lecturer: PENG LYKHEANG </a:t>
+            </a:r>
+          </a:p>
+        </p:txBody>
+      </p:sp>
+      <p:sp>
+        <p:nvSpPr>
+          <p:cNvPr id="7" name="TextBox 6">
+            <a:extLst>
+              <a:ext uri="{FF2B5EF4-FFF2-40B4-BE49-F238E27FC236}">
+                <a16:creationId xmlns:a16="http://schemas.microsoft.com/office/drawing/2014/main" id="{5A98AD2D-783C-FBA0-63F9-1B2D4DD7A256}"/>
+              </a:ext>
+            </a:extLst>
+          </p:cNvPr>
+          <p:cNvSpPr txBox="1"/>
+          <p:nvPr/>
+        </p:nvSpPr>
+        <p:spPr>
+          <a:xfrm>
+            <a:off x="552699" y="1325582"/>
+            <a:ext cx="11086601" cy="1323439"/>
+          </a:xfrm>
+          <a:prstGeom prst="rect">
+            <a:avLst/>
+          </a:prstGeom>
+          <a:noFill/>
+        </p:spPr>
+        <p:txBody>
+          <a:bodyPr wrap="square">
+            <a:spAutoFit/>
+          </a:bodyPr>
+          <a:lstStyle/>
+          <a:p>
+            <a:pPr algn="ctr"/>
+            <a:r>
+              <a:rPr lang="en-US" sz="8000" b="1" dirty="0">
+                <a:solidFill>
+                  <a:srgbClr val="002060"/>
+                </a:solidFill>
+                <a:latin typeface="Arial" panose="020B0604020202020204" pitchFamily="34" charset="0"/>
+                <a:cs typeface="Arial" panose="020B0604020202020204" pitchFamily="34" charset="0"/>
+              </a:rPr>
+              <a:t>Level 2</a:t>
+            </a:r>
+            <a:endParaRPr lang="en-US" sz="8000" dirty="0">
+              <a:solidFill>
+                <a:srgbClr val="002060"/>
+              </a:solidFill>
+            </a:endParaRPr>
+          </a:p>
+        </p:txBody>
+      </p:sp>
+      <p:sp>
+        <p:nvSpPr>
+          <p:cNvPr id="4" name="TextBox 3">
+            <a:extLst>
+              <a:ext uri="{FF2B5EF4-FFF2-40B4-BE49-F238E27FC236}">
+                <a16:creationId xmlns:a16="http://schemas.microsoft.com/office/drawing/2014/main" id="{DC5BA8E0-62C5-FABF-D06F-83AA05F8DBFF}"/>
+              </a:ext>
+            </a:extLst>
+          </p:cNvPr>
+          <p:cNvSpPr txBox="1"/>
+          <p:nvPr/>
+        </p:nvSpPr>
+        <p:spPr>
+          <a:xfrm>
+            <a:off x="1928419" y="2682164"/>
+            <a:ext cx="8540645" cy="2031325"/>
+          </a:xfrm>
+          <a:prstGeom prst="rect">
+            <a:avLst/>
+          </a:prstGeom>
+          <a:noFill/>
+        </p:spPr>
+        <p:txBody>
+          <a:bodyPr wrap="square">
+            <a:spAutoFit/>
+          </a:bodyPr>
+          <a:lstStyle/>
+          <a:p>
+            <a:pPr>
+              <a:buNone/>
+            </a:pPr>
+            <a:r>
+              <a:rPr lang="en-US" sz="3600" b="1" dirty="0">
+                <a:solidFill>
+                  <a:srgbClr val="002060"/>
+                </a:solidFill>
+                <a:effectLst/>
+                <a:latin typeface="Arial" panose="020B0604020202020204" pitchFamily="34" charset="0"/>
+                <a:cs typeface="Arial" panose="020B0604020202020204" pitchFamily="34" charset="0"/>
+              </a:rPr>
+              <a:t>4. Advance CSS &amp; Layouts</a:t>
+            </a:r>
+          </a:p>
+          <a:p>
+            <a:pPr>
+              <a:buNone/>
+            </a:pPr>
+            <a:r>
+              <a:rPr lang="en-US" sz="3600" b="1" dirty="0">
+                <a:solidFill>
+                  <a:srgbClr val="002060"/>
+                </a:solidFill>
+                <a:effectLst/>
+                <a:latin typeface="Arial" panose="020B0604020202020204" pitchFamily="34" charset="0"/>
+                <a:cs typeface="Arial" panose="020B0604020202020204" pitchFamily="34" charset="0"/>
+              </a:rPr>
+              <a:t>5. Introduction to Responsive Design</a:t>
+            </a:r>
+          </a:p>
+          <a:p>
+            <a:pPr>
+              <a:buNone/>
+            </a:pPr>
+            <a:r>
+              <a:rPr lang="en-US" sz="3600" b="1" dirty="0">
+                <a:solidFill>
+                  <a:srgbClr val="002060"/>
+                </a:solidFill>
+                <a:effectLst/>
+                <a:latin typeface="Arial" panose="020B0604020202020204" pitchFamily="34" charset="0"/>
+                <a:cs typeface="Arial" panose="020B0604020202020204" pitchFamily="34" charset="0"/>
+              </a:rPr>
+              <a:t>6. Introduction to JavaScript</a:t>
+            </a:r>
+            <a:br>
+              <a:rPr lang="en-US" b="0" dirty="0">
+                <a:solidFill>
+                  <a:srgbClr val="CCCCCC"/>
+                </a:solidFill>
+                <a:effectLst/>
+                <a:latin typeface="Consolas" panose="020B0609020204030204" pitchFamily="49" charset="0"/>
+              </a:rPr>
+            </a:br>
+            <a:endParaRPr lang="en-US" b="0" dirty="0">
+              <a:solidFill>
+                <a:srgbClr val="CCCCCC"/>
+              </a:solidFill>
+              <a:effectLst/>
+              <a:latin typeface="Consolas" panose="020B0609020204030204" pitchFamily="49" charset="0"/>
+            </a:endParaRPr>
+          </a:p>
+        </p:txBody>
+      </p:sp>
+    </p:spTree>
+    <p:extLst>
+      <p:ext uri="{BB962C8B-B14F-4D97-AF65-F5344CB8AC3E}">
+        <p14:creationId xmlns:p14="http://schemas.microsoft.com/office/powerpoint/2010/main" val="3501624547"/>
+      </p:ext>
+    </p:extLst>
+  </p:cSld>
+  <p:clrMapOvr>
+    <a:masterClrMapping/>
+  </p:clrMapOvr>
+</p:sld>
+</file>
+
+<file path=ppt/slides/slide12.xml><?xml version="1.0" encoding="utf-8"?>
+<p:sld xmlns:a="http://schemas.openxmlformats.org/drawingml/2006/main" xmlns:r="http://schemas.openxmlformats.org/officeDocument/2006/relationships" xmlns:p="http://schemas.openxmlformats.org/presentationml/2006/main">
+  <p:cSld>
+    <p:spTree>
+      <p:nvGrpSpPr>
+        <p:cNvPr id="1" name="">
+          <a:extLst>
+            <a:ext uri="{FF2B5EF4-FFF2-40B4-BE49-F238E27FC236}">
+              <a16:creationId xmlns:a16="http://schemas.microsoft.com/office/drawing/2014/main" id="{505745DF-9390-F119-84FC-876A001A0797}"/>
+            </a:ext>
+          </a:extLst>
+        </p:cNvPr>
+        <p:cNvGrpSpPr/>
+        <p:nvPr/>
+      </p:nvGrpSpPr>
+      <p:grpSpPr>
+        <a:xfrm>
+          <a:off x="0" y="0"/>
+          <a:ext cx="0" cy="0"/>
+          <a:chOff x="0" y="0"/>
+          <a:chExt cx="0" cy="0"/>
+        </a:xfrm>
+      </p:grpSpPr>
+      <p:sp>
+        <p:nvSpPr>
+          <p:cNvPr id="6" name="TextBox 5">
+            <a:extLst>
+              <a:ext uri="{FF2B5EF4-FFF2-40B4-BE49-F238E27FC236}">
+                <a16:creationId xmlns:a16="http://schemas.microsoft.com/office/drawing/2014/main" id="{2A840E43-FA66-F7CA-563E-89BD1987BA22}"/>
+              </a:ext>
+            </a:extLst>
+          </p:cNvPr>
+          <p:cNvSpPr txBox="1"/>
+          <p:nvPr/>
+        </p:nvSpPr>
+        <p:spPr>
+          <a:xfrm>
+            <a:off x="102742" y="113016"/>
+            <a:ext cx="6096000" cy="646331"/>
+          </a:xfrm>
+          <a:prstGeom prst="rect">
+            <a:avLst/>
+          </a:prstGeom>
+          <a:noFill/>
+        </p:spPr>
+        <p:txBody>
+          <a:bodyPr wrap="square" rtlCol="0">
+            <a:spAutoFit/>
+          </a:bodyPr>
+          <a:lstStyle/>
+          <a:p>
+            <a:r>
+              <a:rPr lang="en-US" sz="2000" b="1" dirty="0">
+                <a:solidFill>
+                  <a:schemeClr val="tx2"/>
+                </a:solidFill>
+                <a:latin typeface="Arial" panose="020B0604020202020204" pitchFamily="34" charset="0"/>
+                <a:cs typeface="Arial" panose="020B0604020202020204" pitchFamily="34" charset="0"/>
+              </a:rPr>
+              <a:t>Web Design 101: “Introduction to course”</a:t>
+            </a:r>
+          </a:p>
+          <a:p>
+            <a:r>
+              <a:rPr lang="en-US" sz="1600" b="1" dirty="0">
+                <a:solidFill>
+                  <a:schemeClr val="tx2"/>
+                </a:solidFill>
+                <a:latin typeface="Arial" panose="020B0604020202020204" pitchFamily="34" charset="0"/>
+                <a:cs typeface="Arial" panose="020B0604020202020204" pitchFamily="34" charset="0"/>
+              </a:rPr>
+              <a:t>Lecturer: PENG LYKHEANG </a:t>
+            </a:r>
+          </a:p>
+        </p:txBody>
+      </p:sp>
+      <p:sp>
+        <p:nvSpPr>
+          <p:cNvPr id="7" name="TextBox 6">
+            <a:extLst>
+              <a:ext uri="{FF2B5EF4-FFF2-40B4-BE49-F238E27FC236}">
+                <a16:creationId xmlns:a16="http://schemas.microsoft.com/office/drawing/2014/main" id="{D930B90F-9282-5421-0C2F-AECC87188AF6}"/>
+              </a:ext>
+            </a:extLst>
+          </p:cNvPr>
+          <p:cNvSpPr txBox="1"/>
+          <p:nvPr/>
+        </p:nvSpPr>
+        <p:spPr>
+          <a:xfrm>
+            <a:off x="552699" y="1325582"/>
+            <a:ext cx="11086601" cy="1323439"/>
+          </a:xfrm>
+          <a:prstGeom prst="rect">
+            <a:avLst/>
+          </a:prstGeom>
+          <a:noFill/>
+        </p:spPr>
+        <p:txBody>
+          <a:bodyPr wrap="square">
+            <a:spAutoFit/>
+          </a:bodyPr>
+          <a:lstStyle/>
+          <a:p>
+            <a:pPr algn="ctr"/>
+            <a:r>
+              <a:rPr lang="en-US" sz="8000" b="1" dirty="0">
+                <a:solidFill>
+                  <a:srgbClr val="002060"/>
+                </a:solidFill>
+                <a:latin typeface="Arial" panose="020B0604020202020204" pitchFamily="34" charset="0"/>
+                <a:cs typeface="Arial" panose="020B0604020202020204" pitchFamily="34" charset="0"/>
+              </a:rPr>
+              <a:t>Level 3</a:t>
+            </a:r>
+            <a:endParaRPr lang="en-US" sz="8000" dirty="0">
+              <a:solidFill>
+                <a:srgbClr val="002060"/>
+              </a:solidFill>
+            </a:endParaRPr>
+          </a:p>
+        </p:txBody>
+      </p:sp>
+      <p:sp>
+        <p:nvSpPr>
+          <p:cNvPr id="4" name="TextBox 3">
+            <a:extLst>
+              <a:ext uri="{FF2B5EF4-FFF2-40B4-BE49-F238E27FC236}">
+                <a16:creationId xmlns:a16="http://schemas.microsoft.com/office/drawing/2014/main" id="{F5422BBF-37E8-6D3A-41EF-837886200E50}"/>
+              </a:ext>
+            </a:extLst>
+          </p:cNvPr>
+          <p:cNvSpPr txBox="1"/>
+          <p:nvPr/>
+        </p:nvSpPr>
+        <p:spPr>
+          <a:xfrm>
+            <a:off x="1343301" y="2797911"/>
+            <a:ext cx="9710881" cy="2862322"/>
+          </a:xfrm>
+          <a:prstGeom prst="rect">
+            <a:avLst/>
+          </a:prstGeom>
+          <a:noFill/>
+        </p:spPr>
+        <p:txBody>
+          <a:bodyPr wrap="square">
+            <a:spAutoFit/>
+          </a:bodyPr>
+          <a:lstStyle/>
+          <a:p>
+            <a:pPr>
+              <a:buNone/>
+            </a:pPr>
+            <a:r>
+              <a:rPr lang="en-US" sz="3600" b="1" dirty="0">
+                <a:solidFill>
+                  <a:srgbClr val="002060"/>
+                </a:solidFill>
+                <a:effectLst/>
+                <a:latin typeface="Arial" panose="020B0604020202020204" pitchFamily="34" charset="0"/>
+                <a:cs typeface="Arial" panose="020B0604020202020204" pitchFamily="34" charset="0"/>
+              </a:rPr>
+              <a:t>7. Advanced JavaScript &amp; Form Validation</a:t>
+            </a:r>
+          </a:p>
+          <a:p>
+            <a:pPr>
+              <a:buNone/>
+            </a:pPr>
+            <a:r>
+              <a:rPr lang="en-US" sz="3600" b="1" dirty="0">
+                <a:solidFill>
+                  <a:srgbClr val="002060"/>
+                </a:solidFill>
+                <a:effectLst/>
+                <a:latin typeface="Arial" panose="020B0604020202020204" pitchFamily="34" charset="0"/>
+                <a:cs typeface="Arial" panose="020B0604020202020204" pitchFamily="34" charset="0"/>
+              </a:rPr>
+              <a:t>8. Introduction to CSS Frameworks</a:t>
+            </a:r>
+          </a:p>
+          <a:p>
+            <a:pPr>
+              <a:buNone/>
+            </a:pPr>
+            <a:r>
+              <a:rPr lang="en-US" sz="3600" b="1" dirty="0">
+                <a:solidFill>
+                  <a:srgbClr val="002060"/>
+                </a:solidFill>
+                <a:effectLst/>
+                <a:latin typeface="Arial" panose="020B0604020202020204" pitchFamily="34" charset="0"/>
+                <a:cs typeface="Arial" panose="020B0604020202020204" pitchFamily="34" charset="0"/>
+              </a:rPr>
+              <a:t>9. Introduction to Web Design Tools &amp; UI/UX Principles</a:t>
+            </a:r>
+          </a:p>
+          <a:p>
+            <a:pPr>
+              <a:buNone/>
+            </a:pPr>
+            <a:br>
+              <a:rPr lang="en-US" b="0" dirty="0">
+                <a:solidFill>
+                  <a:srgbClr val="CCCCCC"/>
+                </a:solidFill>
+                <a:effectLst/>
+                <a:latin typeface="Consolas" panose="020B0609020204030204" pitchFamily="49" charset="0"/>
+              </a:rPr>
+            </a:br>
+            <a:endParaRPr lang="en-US" b="0" dirty="0">
+              <a:solidFill>
+                <a:srgbClr val="CCCCCC"/>
+              </a:solidFill>
+              <a:effectLst/>
+              <a:latin typeface="Consolas" panose="020B0609020204030204" pitchFamily="49" charset="0"/>
+            </a:endParaRPr>
+          </a:p>
+        </p:txBody>
+      </p:sp>
+    </p:spTree>
+    <p:extLst>
+      <p:ext uri="{BB962C8B-B14F-4D97-AF65-F5344CB8AC3E}">
+        <p14:creationId xmlns:p14="http://schemas.microsoft.com/office/powerpoint/2010/main" val="2526290151"/>
+      </p:ext>
+    </p:extLst>
+  </p:cSld>
+  <p:clrMapOvr>
+    <a:masterClrMapping/>
+  </p:clrMapOvr>
+</p:sld>
+</file>
+
+<file path=ppt/slides/slide13.xml><?xml version="1.0" encoding="utf-8"?>
+<p:sld xmlns:a="http://schemas.openxmlformats.org/drawingml/2006/main" xmlns:r="http://schemas.openxmlformats.org/officeDocument/2006/relationships" xmlns:p="http://schemas.openxmlformats.org/presentationml/2006/main">
+  <p:cSld>
+    <p:spTree>
+      <p:nvGrpSpPr>
+        <p:cNvPr id="1" name="">
+          <a:extLst>
+            <a:ext uri="{FF2B5EF4-FFF2-40B4-BE49-F238E27FC236}">
+              <a16:creationId xmlns:a16="http://schemas.microsoft.com/office/drawing/2014/main" id="{1CEED7D7-DF29-6F61-9665-CD3B131871D7}"/>
+            </a:ext>
+          </a:extLst>
+        </p:cNvPr>
+        <p:cNvGrpSpPr/>
+        <p:nvPr/>
+      </p:nvGrpSpPr>
+      <p:grpSpPr>
+        <a:xfrm>
+          <a:off x="0" y="0"/>
+          <a:ext cx="0" cy="0"/>
+          <a:chOff x="0" y="0"/>
+          <a:chExt cx="0" cy="0"/>
+        </a:xfrm>
+      </p:grpSpPr>
+      <p:sp>
+        <p:nvSpPr>
+          <p:cNvPr id="6" name="TextBox 5">
+            <a:extLst>
+              <a:ext uri="{FF2B5EF4-FFF2-40B4-BE49-F238E27FC236}">
+                <a16:creationId xmlns:a16="http://schemas.microsoft.com/office/drawing/2014/main" id="{0A04491A-2E9E-7449-0690-C5DECCEF742B}"/>
+              </a:ext>
+            </a:extLst>
+          </p:cNvPr>
+          <p:cNvSpPr txBox="1"/>
+          <p:nvPr/>
+        </p:nvSpPr>
+        <p:spPr>
+          <a:xfrm>
+            <a:off x="102742" y="113016"/>
+            <a:ext cx="6096000" cy="646331"/>
+          </a:xfrm>
+          <a:prstGeom prst="rect">
+            <a:avLst/>
+          </a:prstGeom>
+          <a:noFill/>
+        </p:spPr>
+        <p:txBody>
+          <a:bodyPr wrap="square" rtlCol="0">
+            <a:spAutoFit/>
+          </a:bodyPr>
+          <a:lstStyle/>
+          <a:p>
+            <a:r>
+              <a:rPr lang="en-US" sz="2000" b="1" dirty="0">
+                <a:solidFill>
+                  <a:schemeClr val="tx2"/>
+                </a:solidFill>
+                <a:latin typeface="Arial" panose="020B0604020202020204" pitchFamily="34" charset="0"/>
+                <a:cs typeface="Arial" panose="020B0604020202020204" pitchFamily="34" charset="0"/>
+              </a:rPr>
+              <a:t>Web Design 101: “Introduction to course”</a:t>
+            </a:r>
+          </a:p>
+          <a:p>
+            <a:r>
+              <a:rPr lang="en-US" sz="1600" b="1" dirty="0">
+                <a:solidFill>
+                  <a:schemeClr val="tx2"/>
+                </a:solidFill>
+                <a:latin typeface="Arial" panose="020B0604020202020204" pitchFamily="34" charset="0"/>
+                <a:cs typeface="Arial" panose="020B0604020202020204" pitchFamily="34" charset="0"/>
+              </a:rPr>
+              <a:t>Lecturer: PENG LYKHEANG </a:t>
+            </a:r>
+          </a:p>
+        </p:txBody>
+      </p:sp>
+      <p:sp>
+        <p:nvSpPr>
+          <p:cNvPr id="7" name="TextBox 6">
+            <a:extLst>
+              <a:ext uri="{FF2B5EF4-FFF2-40B4-BE49-F238E27FC236}">
+                <a16:creationId xmlns:a16="http://schemas.microsoft.com/office/drawing/2014/main" id="{A07E3B9B-1FBC-2A07-115B-BECA4BCC3B85}"/>
+              </a:ext>
+            </a:extLst>
+          </p:cNvPr>
+          <p:cNvSpPr txBox="1"/>
+          <p:nvPr/>
+        </p:nvSpPr>
+        <p:spPr>
+          <a:xfrm>
+            <a:off x="552699" y="1325582"/>
+            <a:ext cx="11086601" cy="1323439"/>
+          </a:xfrm>
+          <a:prstGeom prst="rect">
+            <a:avLst/>
+          </a:prstGeom>
+          <a:noFill/>
+        </p:spPr>
+        <p:txBody>
+          <a:bodyPr wrap="square">
+            <a:spAutoFit/>
+          </a:bodyPr>
+          <a:lstStyle/>
+          <a:p>
+            <a:pPr algn="ctr"/>
+            <a:r>
+              <a:rPr lang="en-US" sz="8000" b="1" dirty="0">
+                <a:solidFill>
+                  <a:srgbClr val="002060"/>
+                </a:solidFill>
+                <a:latin typeface="Arial" panose="020B0604020202020204" pitchFamily="34" charset="0"/>
+                <a:cs typeface="Arial" panose="020B0604020202020204" pitchFamily="34" charset="0"/>
+              </a:rPr>
+              <a:t>Level 4</a:t>
+            </a:r>
+            <a:endParaRPr lang="en-US" sz="8000" dirty="0">
+              <a:solidFill>
+                <a:srgbClr val="002060"/>
+              </a:solidFill>
+            </a:endParaRPr>
+          </a:p>
+        </p:txBody>
+      </p:sp>
+      <p:sp>
+        <p:nvSpPr>
+          <p:cNvPr id="4" name="TextBox 3">
+            <a:extLst>
+              <a:ext uri="{FF2B5EF4-FFF2-40B4-BE49-F238E27FC236}">
+                <a16:creationId xmlns:a16="http://schemas.microsoft.com/office/drawing/2014/main" id="{66C5AC33-A2BF-1E4E-31D6-CECF92A17FFC}"/>
+              </a:ext>
+            </a:extLst>
+          </p:cNvPr>
+          <p:cNvSpPr txBox="1"/>
+          <p:nvPr/>
+        </p:nvSpPr>
+        <p:spPr>
+          <a:xfrm>
+            <a:off x="1343301" y="2797911"/>
+            <a:ext cx="9837843" cy="2031325"/>
+          </a:xfrm>
+          <a:prstGeom prst="rect">
+            <a:avLst/>
+          </a:prstGeom>
+          <a:noFill/>
+        </p:spPr>
+        <p:txBody>
+          <a:bodyPr wrap="square">
+            <a:spAutoFit/>
+          </a:bodyPr>
+          <a:lstStyle/>
+          <a:p>
+            <a:pPr>
+              <a:buNone/>
+            </a:pPr>
+            <a:r>
+              <a:rPr lang="en-US" sz="3600" b="1" dirty="0">
+                <a:solidFill>
+                  <a:srgbClr val="002060"/>
+                </a:solidFill>
+                <a:effectLst/>
+                <a:latin typeface="Arial" panose="020B0604020202020204" pitchFamily="34" charset="0"/>
+                <a:cs typeface="Arial" panose="020B0604020202020204" pitchFamily="34" charset="0"/>
+              </a:rPr>
+              <a:t>10. JavaScript Libraries</a:t>
+            </a:r>
+          </a:p>
+          <a:p>
+            <a:pPr>
+              <a:buNone/>
+            </a:pPr>
+            <a:r>
+              <a:rPr lang="en-US" sz="3600" b="1" dirty="0">
+                <a:solidFill>
+                  <a:srgbClr val="002060"/>
+                </a:solidFill>
+                <a:effectLst/>
+                <a:latin typeface="Arial" panose="020B0604020202020204" pitchFamily="34" charset="0"/>
+                <a:cs typeface="Arial" panose="020B0604020202020204" pitchFamily="34" charset="0"/>
+              </a:rPr>
+              <a:t>11. Introduction to Hosting &amp; Deployment</a:t>
+            </a:r>
+          </a:p>
+          <a:p>
+            <a:pPr>
+              <a:buNone/>
+            </a:pPr>
+            <a:r>
+              <a:rPr lang="en-US" sz="3600" b="1" dirty="0">
+                <a:solidFill>
+                  <a:srgbClr val="002060"/>
+                </a:solidFill>
+                <a:effectLst/>
+                <a:latin typeface="Arial" panose="020B0604020202020204" pitchFamily="34" charset="0"/>
+                <a:cs typeface="Arial" panose="020B0604020202020204" pitchFamily="34" charset="0"/>
+              </a:rPr>
+              <a:t>12. Final Project &amp; Presentation</a:t>
+            </a:r>
+            <a:br>
+              <a:rPr lang="en-US" b="0" dirty="0">
+                <a:solidFill>
+                  <a:srgbClr val="CCCCCC"/>
+                </a:solidFill>
+                <a:effectLst/>
+                <a:latin typeface="Consolas" panose="020B0609020204030204" pitchFamily="49" charset="0"/>
+              </a:rPr>
+            </a:br>
+            <a:endParaRPr lang="en-US" b="0" dirty="0">
+              <a:solidFill>
+                <a:srgbClr val="CCCCCC"/>
+              </a:solidFill>
+              <a:effectLst/>
+              <a:latin typeface="Consolas" panose="020B0609020204030204" pitchFamily="49" charset="0"/>
+            </a:endParaRPr>
+          </a:p>
+        </p:txBody>
+      </p:sp>
+    </p:spTree>
+    <p:extLst>
+      <p:ext uri="{BB962C8B-B14F-4D97-AF65-F5344CB8AC3E}">
+        <p14:creationId xmlns:p14="http://schemas.microsoft.com/office/powerpoint/2010/main" val="3963859713"/>
+      </p:ext>
+    </p:extLst>
+  </p:cSld>
+  <p:clrMapOvr>
+    <a:masterClrMapping/>
+  </p:clrMapOvr>
+</p:sld>
+</file>
+
+<file path=ppt/slides/slide14.xml><?xml version="1.0" encoding="utf-8"?>
+<p:sld xmlns:a="http://schemas.openxmlformats.org/drawingml/2006/main" xmlns:r="http://schemas.openxmlformats.org/officeDocument/2006/relationships" xmlns:p="http://schemas.openxmlformats.org/presentationml/2006/main">
+  <p:cSld>
+    <p:spTree>
+      <p:nvGrpSpPr>
+        <p:cNvPr id="1" name="">
+          <a:extLst>
+            <a:ext uri="{FF2B5EF4-FFF2-40B4-BE49-F238E27FC236}">
+              <a16:creationId xmlns:a16="http://schemas.microsoft.com/office/drawing/2014/main" id="{E6CDA909-2F82-B675-A463-6E0595DBBFD6}"/>
+            </a:ext>
+          </a:extLst>
+        </p:cNvPr>
+        <p:cNvGrpSpPr/>
+        <p:nvPr/>
+      </p:nvGrpSpPr>
+      <p:grpSpPr>
+        <a:xfrm>
+          <a:off x="0" y="0"/>
+          <a:ext cx="0" cy="0"/>
+          <a:chOff x="0" y="0"/>
+          <a:chExt cx="0" cy="0"/>
+        </a:xfrm>
+      </p:grpSpPr>
+      <p:sp>
+        <p:nvSpPr>
+          <p:cNvPr id="6" name="TextBox 5">
+            <a:extLst>
+              <a:ext uri="{FF2B5EF4-FFF2-40B4-BE49-F238E27FC236}">
+                <a16:creationId xmlns:a16="http://schemas.microsoft.com/office/drawing/2014/main" id="{0E52F3AC-360B-AB95-5D7D-465AE4D9C495}"/>
+              </a:ext>
+            </a:extLst>
+          </p:cNvPr>
+          <p:cNvSpPr txBox="1"/>
+          <p:nvPr/>
+        </p:nvSpPr>
+        <p:spPr>
+          <a:xfrm>
+            <a:off x="102742" y="113016"/>
+            <a:ext cx="6096000" cy="646331"/>
+          </a:xfrm>
+          <a:prstGeom prst="rect">
+            <a:avLst/>
+          </a:prstGeom>
+          <a:noFill/>
+        </p:spPr>
+        <p:txBody>
+          <a:bodyPr wrap="square" rtlCol="0">
+            <a:spAutoFit/>
+          </a:bodyPr>
+          <a:lstStyle/>
+          <a:p>
+            <a:r>
+              <a:rPr lang="en-US" sz="2000" b="1" dirty="0">
+                <a:solidFill>
+                  <a:schemeClr val="tx2"/>
+                </a:solidFill>
+                <a:latin typeface="Arial" panose="020B0604020202020204" pitchFamily="34" charset="0"/>
+                <a:cs typeface="Arial" panose="020B0604020202020204" pitchFamily="34" charset="0"/>
+              </a:rPr>
+              <a:t>Web Design 101: “Introduction to course”</a:t>
+            </a:r>
+          </a:p>
+          <a:p>
+            <a:r>
+              <a:rPr lang="en-US" sz="1600" b="1" dirty="0">
+                <a:solidFill>
+                  <a:schemeClr val="tx2"/>
+                </a:solidFill>
+                <a:latin typeface="Arial" panose="020B0604020202020204" pitchFamily="34" charset="0"/>
+                <a:cs typeface="Arial" panose="020B0604020202020204" pitchFamily="34" charset="0"/>
+              </a:rPr>
+              <a:t>Lecturer: PENG LYKHEANG </a:t>
+            </a:r>
+          </a:p>
+        </p:txBody>
+      </p:sp>
+      <p:sp>
+        <p:nvSpPr>
+          <p:cNvPr id="7" name="TextBox 6">
+            <a:extLst>
+              <a:ext uri="{FF2B5EF4-FFF2-40B4-BE49-F238E27FC236}">
+                <a16:creationId xmlns:a16="http://schemas.microsoft.com/office/drawing/2014/main" id="{5E22D069-3BD4-A63D-8432-96F5BDE749FE}"/>
+              </a:ext>
+            </a:extLst>
+          </p:cNvPr>
+          <p:cNvSpPr txBox="1"/>
+          <p:nvPr/>
+        </p:nvSpPr>
+        <p:spPr>
+          <a:xfrm>
+            <a:off x="552699" y="2767280"/>
+            <a:ext cx="11086601" cy="1323439"/>
+          </a:xfrm>
+          <a:prstGeom prst="rect">
+            <a:avLst/>
+          </a:prstGeom>
+          <a:noFill/>
+        </p:spPr>
+        <p:txBody>
+          <a:bodyPr wrap="square">
+            <a:spAutoFit/>
+          </a:bodyPr>
+          <a:lstStyle/>
+          <a:p>
+            <a:pPr algn="ctr"/>
+            <a:r>
+              <a:rPr lang="en-US" sz="8000" b="1" dirty="0">
+                <a:solidFill>
+                  <a:srgbClr val="002060"/>
+                </a:solidFill>
+                <a:latin typeface="Arial" panose="020B0604020202020204" pitchFamily="34" charset="0"/>
+                <a:cs typeface="Arial" panose="020B0604020202020204" pitchFamily="34" charset="0"/>
+              </a:rPr>
+              <a:t>Tools for This Course</a:t>
+            </a:r>
+            <a:endParaRPr lang="en-US" sz="8000" dirty="0">
+              <a:solidFill>
+                <a:srgbClr val="002060"/>
+              </a:solidFill>
+            </a:endParaRPr>
+          </a:p>
+        </p:txBody>
+      </p:sp>
+    </p:spTree>
+    <p:extLst>
+      <p:ext uri="{BB962C8B-B14F-4D97-AF65-F5344CB8AC3E}">
+        <p14:creationId xmlns:p14="http://schemas.microsoft.com/office/powerpoint/2010/main" val="4003943231"/>
+      </p:ext>
+    </p:extLst>
+  </p:cSld>
+  <p:clrMapOvr>
+    <a:masterClrMapping/>
+  </p:clrMapOvr>
+</p:sld>
+</file>
+
+<file path=ppt/slides/slide15.xml><?xml version="1.0" encoding="utf-8"?>
+<p:sld xmlns:a="http://schemas.openxmlformats.org/drawingml/2006/main" xmlns:r="http://schemas.openxmlformats.org/officeDocument/2006/relationships" xmlns:p="http://schemas.openxmlformats.org/presentationml/2006/main">
+  <p:cSld>
+    <p:spTree>
+      <p:nvGrpSpPr>
+        <p:cNvPr id="1" name="">
+          <a:extLst>
+            <a:ext uri="{FF2B5EF4-FFF2-40B4-BE49-F238E27FC236}">
+              <a16:creationId xmlns:a16="http://schemas.microsoft.com/office/drawing/2014/main" id="{BDF8555B-8D66-2326-98EA-D31A4E618446}"/>
+            </a:ext>
+          </a:extLst>
+        </p:cNvPr>
+        <p:cNvGrpSpPr/>
+        <p:nvPr/>
+      </p:nvGrpSpPr>
+      <p:grpSpPr>
+        <a:xfrm>
+          <a:off x="0" y="0"/>
+          <a:ext cx="0" cy="0"/>
+          <a:chOff x="0" y="0"/>
+          <a:chExt cx="0" cy="0"/>
+        </a:xfrm>
+      </p:grpSpPr>
+      <p:sp>
+        <p:nvSpPr>
+          <p:cNvPr id="6" name="TextBox 5">
+            <a:extLst>
+              <a:ext uri="{FF2B5EF4-FFF2-40B4-BE49-F238E27FC236}">
+                <a16:creationId xmlns:a16="http://schemas.microsoft.com/office/drawing/2014/main" id="{B93C52C1-67B9-131D-8CDD-19622E28A220}"/>
+              </a:ext>
+            </a:extLst>
+          </p:cNvPr>
+          <p:cNvSpPr txBox="1"/>
+          <p:nvPr/>
+        </p:nvSpPr>
+        <p:spPr>
+          <a:xfrm>
+            <a:off x="102742" y="113016"/>
+            <a:ext cx="6096000" cy="646331"/>
+          </a:xfrm>
+          <a:prstGeom prst="rect">
+            <a:avLst/>
+          </a:prstGeom>
+          <a:noFill/>
+        </p:spPr>
+        <p:txBody>
+          <a:bodyPr wrap="square" rtlCol="0">
+            <a:spAutoFit/>
+          </a:bodyPr>
+          <a:lstStyle/>
+          <a:p>
+            <a:r>
+              <a:rPr lang="en-US" sz="2000" b="1" dirty="0">
+                <a:solidFill>
+                  <a:schemeClr val="tx2"/>
+                </a:solidFill>
+                <a:latin typeface="Arial" panose="020B0604020202020204" pitchFamily="34" charset="0"/>
+                <a:cs typeface="Arial" panose="020B0604020202020204" pitchFamily="34" charset="0"/>
+              </a:rPr>
+              <a:t>Web Design 101: “Introduction to course”</a:t>
+            </a:r>
+          </a:p>
+          <a:p>
+            <a:r>
+              <a:rPr lang="en-US" sz="1600" b="1" dirty="0">
+                <a:solidFill>
+                  <a:schemeClr val="tx2"/>
+                </a:solidFill>
+                <a:latin typeface="Arial" panose="020B0604020202020204" pitchFamily="34" charset="0"/>
+                <a:cs typeface="Arial" panose="020B0604020202020204" pitchFamily="34" charset="0"/>
+              </a:rPr>
+              <a:t>Lecturer: PENG LYKHEANG </a:t>
+            </a:r>
+          </a:p>
+        </p:txBody>
+      </p:sp>
+      <p:pic>
+        <p:nvPicPr>
+          <p:cNvPr id="1026" name="Picture 2" descr="Visual Studio Code full logo transparent PNG - StickPNG">
+            <a:extLst>
+              <a:ext uri="{FF2B5EF4-FFF2-40B4-BE49-F238E27FC236}">
+                <a16:creationId xmlns:a16="http://schemas.microsoft.com/office/drawing/2014/main" id="{40E0D28A-1299-F33C-E99E-12C220A237C1}"/>
+              </a:ext>
+            </a:extLst>
+          </p:cNvPr>
+          <p:cNvPicPr>
+            <a:picLocks noChangeAspect="1" noChangeArrowheads="1"/>
+          </p:cNvPicPr>
+          <p:nvPr/>
+        </p:nvPicPr>
+        <p:blipFill>
+          <a:blip r:embed="rId3">
+            <a:extLst>
+              <a:ext uri="{28A0092B-C50C-407E-A947-70E740481C1C}">
+                <a14:useLocalDpi xmlns:a14="http://schemas.microsoft.com/office/drawing/2010/main" val="0"/>
+              </a:ext>
+            </a:extLst>
+          </a:blip>
+          <a:srcRect/>
+          <a:stretch>
+            <a:fillRect/>
+          </a:stretch>
+        </p:blipFill>
+        <p:spPr bwMode="auto">
+          <a:xfrm>
+            <a:off x="2102372" y="1481558"/>
+            <a:ext cx="3403244" cy="1744701"/>
+          </a:xfrm>
+          <a:prstGeom prst="rect">
+            <a:avLst/>
+          </a:prstGeom>
+          <a:noFill/>
+          <a:extLst>
+            <a:ext uri="{909E8E84-426E-40DD-AFC4-6F175D3DCCD1}">
+              <a14:hiddenFill xmlns:a14="http://schemas.microsoft.com/office/drawing/2010/main">
+                <a:solidFill>
+                  <a:srgbClr val="FFFFFF"/>
+                </a:solidFill>
+              </a14:hiddenFill>
+            </a:ext>
+          </a:extLst>
+        </p:spPr>
+      </p:pic>
+      <p:pic>
+        <p:nvPicPr>
+          <p:cNvPr id="1028" name="Picture 4" descr="Canva Pricing 2025 How much is Canva Pro?">
+            <a:extLst>
+              <a:ext uri="{FF2B5EF4-FFF2-40B4-BE49-F238E27FC236}">
+                <a16:creationId xmlns:a16="http://schemas.microsoft.com/office/drawing/2014/main" id="{EC827C3B-C189-BF44-F0B9-0AB3FB08949F}"/>
+              </a:ext>
+            </a:extLst>
+          </p:cNvPr>
+          <p:cNvPicPr>
+            <a:picLocks noChangeAspect="1" noChangeArrowheads="1"/>
+          </p:cNvPicPr>
+          <p:nvPr/>
+        </p:nvPicPr>
+        <p:blipFill>
+          <a:blip r:embed="rId4">
+            <a:extLst>
+              <a:ext uri="{28A0092B-C50C-407E-A947-70E740481C1C}">
+                <a14:useLocalDpi xmlns:a14="http://schemas.microsoft.com/office/drawing/2010/main" val="0"/>
+              </a:ext>
+            </a:extLst>
+          </a:blip>
+          <a:srcRect/>
+          <a:stretch>
+            <a:fillRect/>
+          </a:stretch>
+        </p:blipFill>
+        <p:spPr bwMode="auto">
+          <a:xfrm>
+            <a:off x="7267726" y="1228269"/>
+            <a:ext cx="2251277" cy="2251277"/>
+          </a:xfrm>
+          <a:prstGeom prst="rect">
+            <a:avLst/>
+          </a:prstGeom>
+          <a:noFill/>
+          <a:extLst>
+            <a:ext uri="{909E8E84-426E-40DD-AFC4-6F175D3DCCD1}">
+              <a14:hiddenFill xmlns:a14="http://schemas.microsoft.com/office/drawing/2010/main">
+                <a:solidFill>
+                  <a:srgbClr val="FFFFFF"/>
+                </a:solidFill>
+              </a14:hiddenFill>
+            </a:ext>
+          </a:extLst>
+        </p:spPr>
+      </p:pic>
+      <p:pic>
+        <p:nvPicPr>
+          <p:cNvPr id="1030" name="Picture 6" descr="Figma and How to use Figma efficiently - Salto Blog">
+            <a:extLst>
+              <a:ext uri="{FF2B5EF4-FFF2-40B4-BE49-F238E27FC236}">
+                <a16:creationId xmlns:a16="http://schemas.microsoft.com/office/drawing/2014/main" id="{196FE2C4-A94A-DC83-71A6-AEB70FB27699}"/>
+              </a:ext>
+            </a:extLst>
+          </p:cNvPr>
+          <p:cNvPicPr>
+            <a:picLocks noChangeAspect="1" noChangeArrowheads="1"/>
+          </p:cNvPicPr>
+          <p:nvPr/>
+        </p:nvPicPr>
+        <p:blipFill>
+          <a:blip r:embed="rId5">
+            <a:extLst>
+              <a:ext uri="{28A0092B-C50C-407E-A947-70E740481C1C}">
+                <a14:useLocalDpi xmlns:a14="http://schemas.microsoft.com/office/drawing/2010/main" val="0"/>
+              </a:ext>
+            </a:extLst>
+          </a:blip>
+          <a:srcRect/>
+          <a:stretch>
+            <a:fillRect/>
+          </a:stretch>
+        </p:blipFill>
+        <p:spPr bwMode="auto">
+          <a:xfrm>
+            <a:off x="1769887" y="3631742"/>
+            <a:ext cx="3735729" cy="1867865"/>
+          </a:xfrm>
+          <a:prstGeom prst="rect">
+            <a:avLst/>
+          </a:prstGeom>
+          <a:noFill/>
+          <a:extLst>
+            <a:ext uri="{909E8E84-426E-40DD-AFC4-6F175D3DCCD1}">
+              <a14:hiddenFill xmlns:a14="http://schemas.microsoft.com/office/drawing/2010/main">
+                <a:solidFill>
+                  <a:srgbClr val="FFFFFF"/>
+                </a:solidFill>
+              </a14:hiddenFill>
+            </a:ext>
+          </a:extLst>
+        </p:spPr>
+      </p:pic>
+      <p:pic>
+        <p:nvPicPr>
+          <p:cNvPr id="1032" name="Picture 8" descr="GitHub - iONDegen/qb-phone: Renewed Phone, Reskinned to look like ...">
+            <a:extLst>
+              <a:ext uri="{FF2B5EF4-FFF2-40B4-BE49-F238E27FC236}">
+                <a16:creationId xmlns:a16="http://schemas.microsoft.com/office/drawing/2014/main" id="{FFBF2CBC-3F90-245C-789C-539FBEA9D203}"/>
+              </a:ext>
+            </a:extLst>
+          </p:cNvPr>
+          <p:cNvPicPr>
+            <a:picLocks noChangeAspect="1" noChangeArrowheads="1"/>
+          </p:cNvPicPr>
+          <p:nvPr/>
+        </p:nvPicPr>
+        <p:blipFill>
+          <a:blip r:embed="rId6">
+            <a:extLst>
+              <a:ext uri="{28A0092B-C50C-407E-A947-70E740481C1C}">
+                <a14:useLocalDpi xmlns:a14="http://schemas.microsoft.com/office/drawing/2010/main" val="0"/>
+              </a:ext>
+            </a:extLst>
+          </a:blip>
+          <a:srcRect/>
+          <a:stretch>
+            <a:fillRect/>
+          </a:stretch>
+        </p:blipFill>
+        <p:spPr bwMode="auto">
+          <a:xfrm>
+            <a:off x="6198742" y="3158179"/>
+            <a:ext cx="5004426" cy="2814990"/>
+          </a:xfrm>
+          <a:prstGeom prst="rect">
+            <a:avLst/>
+          </a:prstGeom>
+          <a:noFill/>
+          <a:extLst>
+            <a:ext uri="{909E8E84-426E-40DD-AFC4-6F175D3DCCD1}">
+              <a14:hiddenFill xmlns:a14="http://schemas.microsoft.com/office/drawing/2010/main">
+                <a:solidFill>
+                  <a:srgbClr val="FFFFFF"/>
+                </a:solidFill>
+              </a14:hiddenFill>
+            </a:ext>
+          </a:extLst>
+        </p:spPr>
+      </p:pic>
+    </p:spTree>
+    <p:extLst>
+      <p:ext uri="{BB962C8B-B14F-4D97-AF65-F5344CB8AC3E}">
+        <p14:creationId xmlns:p14="http://schemas.microsoft.com/office/powerpoint/2010/main" val="2701731566"/>
+      </p:ext>
+    </p:extLst>
+  </p:cSld>
+  <p:clrMapOvr>
+    <a:masterClrMapping/>
+  </p:clrMapOvr>
+</p:sld>
+</file>
+
+<file path=ppt/slides/slide16.xml><?xml version="1.0" encoding="utf-8"?>
+<p:sld xmlns:a="http://schemas.openxmlformats.org/drawingml/2006/main" xmlns:r="http://schemas.openxmlformats.org/officeDocument/2006/relationships" xmlns:p="http://schemas.openxmlformats.org/presentationml/2006/main">
+  <p:cSld>
+    <p:spTree>
+      <p:nvGrpSpPr>
+        <p:cNvPr id="1" name="">
+          <a:extLst>
+            <a:ext uri="{FF2B5EF4-FFF2-40B4-BE49-F238E27FC236}">
+              <a16:creationId xmlns:a16="http://schemas.microsoft.com/office/drawing/2014/main" id="{AF51F4E2-A966-1248-324B-E0D8B60AF9AA}"/>
+            </a:ext>
+          </a:extLst>
+        </p:cNvPr>
+        <p:cNvGrpSpPr/>
+        <p:nvPr/>
+      </p:nvGrpSpPr>
+      <p:grpSpPr>
+        <a:xfrm>
+          <a:off x="0" y="0"/>
+          <a:ext cx="0" cy="0"/>
+          <a:chOff x="0" y="0"/>
+          <a:chExt cx="0" cy="0"/>
+        </a:xfrm>
+      </p:grpSpPr>
+      <p:sp>
+        <p:nvSpPr>
+          <p:cNvPr id="6" name="TextBox 5">
+            <a:extLst>
+              <a:ext uri="{FF2B5EF4-FFF2-40B4-BE49-F238E27FC236}">
+                <a16:creationId xmlns:a16="http://schemas.microsoft.com/office/drawing/2014/main" id="{DBE9A6C2-ECB6-BA75-1509-EA9A2A9531C2}"/>
+              </a:ext>
+            </a:extLst>
+          </p:cNvPr>
+          <p:cNvSpPr txBox="1"/>
+          <p:nvPr/>
+        </p:nvSpPr>
+        <p:spPr>
+          <a:xfrm>
+            <a:off x="102742" y="113016"/>
+            <a:ext cx="6096000" cy="646331"/>
+          </a:xfrm>
+          <a:prstGeom prst="rect">
+            <a:avLst/>
+          </a:prstGeom>
+          <a:noFill/>
+        </p:spPr>
+        <p:txBody>
+          <a:bodyPr wrap="square" rtlCol="0">
+            <a:spAutoFit/>
+          </a:bodyPr>
+          <a:lstStyle/>
+          <a:p>
+            <a:r>
+              <a:rPr lang="en-US" sz="2000" b="1" dirty="0">
+                <a:solidFill>
+                  <a:schemeClr val="tx2"/>
+                </a:solidFill>
+                <a:latin typeface="Arial" panose="020B0604020202020204" pitchFamily="34" charset="0"/>
+                <a:cs typeface="Arial" panose="020B0604020202020204" pitchFamily="34" charset="0"/>
+              </a:rPr>
+              <a:t>Web Design 101: “Introduction to course”</a:t>
+            </a:r>
+          </a:p>
+          <a:p>
+            <a:r>
+              <a:rPr lang="en-US" sz="1600" b="1" dirty="0">
+                <a:solidFill>
+                  <a:schemeClr val="tx2"/>
+                </a:solidFill>
+                <a:latin typeface="Arial" panose="020B0604020202020204" pitchFamily="34" charset="0"/>
+                <a:cs typeface="Arial" panose="020B0604020202020204" pitchFamily="34" charset="0"/>
+              </a:rPr>
+              <a:t>Lecturer: PENG LYKHEANG </a:t>
+            </a:r>
+          </a:p>
+        </p:txBody>
+      </p:sp>
+      <p:sp>
+        <p:nvSpPr>
+          <p:cNvPr id="7" name="TextBox 6">
+            <a:extLst>
+              <a:ext uri="{FF2B5EF4-FFF2-40B4-BE49-F238E27FC236}">
+                <a16:creationId xmlns:a16="http://schemas.microsoft.com/office/drawing/2014/main" id="{CED2FD74-FF1A-9C27-8091-8EA298FBE364}"/>
+              </a:ext>
+            </a:extLst>
+          </p:cNvPr>
+          <p:cNvSpPr txBox="1"/>
+          <p:nvPr/>
+        </p:nvSpPr>
+        <p:spPr>
+          <a:xfrm>
+            <a:off x="1018572" y="1054226"/>
+            <a:ext cx="10620728" cy="1815882"/>
+          </a:xfrm>
+          <a:prstGeom prst="rect">
+            <a:avLst/>
+          </a:prstGeom>
+          <a:noFill/>
+        </p:spPr>
+        <p:txBody>
+          <a:bodyPr wrap="square">
+            <a:spAutoFit/>
+          </a:bodyPr>
+          <a:lstStyle/>
+          <a:p>
+            <a:pPr algn="ctr"/>
+            <a:r>
+              <a:rPr lang="en-US" sz="8000" b="1" dirty="0">
+                <a:solidFill>
+                  <a:srgbClr val="002060"/>
+                </a:solidFill>
+                <a:latin typeface="Arial" panose="020B0604020202020204" pitchFamily="34" charset="0"/>
+                <a:cs typeface="Arial" panose="020B0604020202020204" pitchFamily="34" charset="0"/>
+              </a:rPr>
+              <a:t>All Course Materials</a:t>
+            </a:r>
+          </a:p>
+          <a:p>
+            <a:pPr algn="ctr"/>
+            <a:r>
+              <a:rPr lang="en-US" sz="3200" dirty="0">
+                <a:solidFill>
+                  <a:srgbClr val="002060"/>
+                </a:solidFill>
+                <a:hlinkClick r:id="rId3"/>
+              </a:rPr>
+              <a:t>PSBU_Web_Design_101</a:t>
+            </a:r>
+            <a:endParaRPr lang="en-US" sz="3200" dirty="0">
+              <a:solidFill>
+                <a:srgbClr val="002060"/>
+              </a:solidFill>
+            </a:endParaRPr>
+          </a:p>
+        </p:txBody>
+      </p:sp>
+      <p:pic>
+        <p:nvPicPr>
+          <p:cNvPr id="3" name="Picture 2">
+            <a:extLst>
+              <a:ext uri="{FF2B5EF4-FFF2-40B4-BE49-F238E27FC236}">
+                <a16:creationId xmlns:a16="http://schemas.microsoft.com/office/drawing/2014/main" id="{3FFB709C-1974-E81E-936F-95C8C0D8817A}"/>
+              </a:ext>
+            </a:extLst>
+          </p:cNvPr>
+          <p:cNvPicPr>
+            <a:picLocks noChangeAspect="1"/>
+          </p:cNvPicPr>
+          <p:nvPr/>
+        </p:nvPicPr>
+        <p:blipFill>
+          <a:blip r:embed="rId4"/>
+          <a:stretch>
+            <a:fillRect/>
+          </a:stretch>
+        </p:blipFill>
+        <p:spPr>
+          <a:xfrm>
+            <a:off x="4579905" y="2870108"/>
+            <a:ext cx="3237674" cy="3237674"/>
+          </a:xfrm>
+          <a:prstGeom prst="rect">
+            <a:avLst/>
+          </a:prstGeom>
+        </p:spPr>
+      </p:pic>
+    </p:spTree>
+    <p:extLst>
+      <p:ext uri="{BB962C8B-B14F-4D97-AF65-F5344CB8AC3E}">
+        <p14:creationId xmlns:p14="http://schemas.microsoft.com/office/powerpoint/2010/main" val="1120529620"/>
+      </p:ext>
+    </p:extLst>
+  </p:cSld>
+  <p:clrMapOvr>
+    <a:masterClrMapping/>
+  </p:clrMapOvr>
+</p:sld>
+</file>
+
+<file path=ppt/slides/slide17.xml><?xml version="1.0" encoding="utf-8"?>
+<p:sld xmlns:a="http://schemas.openxmlformats.org/drawingml/2006/main" xmlns:r="http://schemas.openxmlformats.org/officeDocument/2006/relationships" xmlns:p="http://schemas.openxmlformats.org/presentationml/2006/main">
+  <p:cSld>
+    <p:spTree>
+      <p:nvGrpSpPr>
+        <p:cNvPr id="1" name="">
+          <a:extLst>
+            <a:ext uri="{FF2B5EF4-FFF2-40B4-BE49-F238E27FC236}">
+              <a16:creationId xmlns:a16="http://schemas.microsoft.com/office/drawing/2014/main" id="{BEB91A03-BA74-6F8D-C8A7-1942B761C033}"/>
+            </a:ext>
+          </a:extLst>
+        </p:cNvPr>
+        <p:cNvGrpSpPr/>
+        <p:nvPr/>
+      </p:nvGrpSpPr>
+      <p:grpSpPr>
+        <a:xfrm>
+          <a:off x="0" y="0"/>
+          <a:ext cx="0" cy="0"/>
+          <a:chOff x="0" y="0"/>
+          <a:chExt cx="0" cy="0"/>
+        </a:xfrm>
+      </p:grpSpPr>
+      <p:sp>
+        <p:nvSpPr>
+          <p:cNvPr id="6" name="TextBox 5">
+            <a:extLst>
+              <a:ext uri="{FF2B5EF4-FFF2-40B4-BE49-F238E27FC236}">
+                <a16:creationId xmlns:a16="http://schemas.microsoft.com/office/drawing/2014/main" id="{A7DB1DB6-827A-937B-075C-E7FD6B503276}"/>
+              </a:ext>
+            </a:extLst>
+          </p:cNvPr>
+          <p:cNvSpPr txBox="1"/>
+          <p:nvPr/>
+        </p:nvSpPr>
+        <p:spPr>
+          <a:xfrm>
+            <a:off x="102742" y="113016"/>
+            <a:ext cx="6096000" cy="646331"/>
+          </a:xfrm>
+          <a:prstGeom prst="rect">
+            <a:avLst/>
+          </a:prstGeom>
+          <a:noFill/>
+        </p:spPr>
+        <p:txBody>
+          <a:bodyPr wrap="square" rtlCol="0">
+            <a:spAutoFit/>
+          </a:bodyPr>
+          <a:lstStyle/>
+          <a:p>
+            <a:r>
+              <a:rPr lang="en-US" sz="2000" b="1" dirty="0">
+                <a:solidFill>
+                  <a:schemeClr val="tx2"/>
+                </a:solidFill>
+                <a:latin typeface="Arial" panose="020B0604020202020204" pitchFamily="34" charset="0"/>
+                <a:cs typeface="Arial" panose="020B0604020202020204" pitchFamily="34" charset="0"/>
+              </a:rPr>
+              <a:t>Web Design 101: “Introduction to course”</a:t>
+            </a:r>
+          </a:p>
+          <a:p>
+            <a:r>
+              <a:rPr lang="en-US" sz="1600" b="1" dirty="0">
+                <a:solidFill>
+                  <a:schemeClr val="tx2"/>
+                </a:solidFill>
+                <a:latin typeface="Arial" panose="020B0604020202020204" pitchFamily="34" charset="0"/>
+                <a:cs typeface="Arial" panose="020B0604020202020204" pitchFamily="34" charset="0"/>
+              </a:rPr>
+              <a:t>Lecturer: PENG LYKHEANG </a:t>
+            </a:r>
+          </a:p>
+        </p:txBody>
+      </p:sp>
+      <p:sp>
+        <p:nvSpPr>
+          <p:cNvPr id="7" name="TextBox 6">
+            <a:extLst>
+              <a:ext uri="{FF2B5EF4-FFF2-40B4-BE49-F238E27FC236}">
+                <a16:creationId xmlns:a16="http://schemas.microsoft.com/office/drawing/2014/main" id="{3D2A3D84-5C19-1307-4C7F-4B6D85867531}"/>
+              </a:ext>
+            </a:extLst>
+          </p:cNvPr>
+          <p:cNvSpPr txBox="1"/>
+          <p:nvPr/>
+        </p:nvSpPr>
+        <p:spPr>
+          <a:xfrm>
+            <a:off x="552699" y="2767280"/>
+            <a:ext cx="11086601" cy="1323439"/>
+          </a:xfrm>
+          <a:prstGeom prst="rect">
+            <a:avLst/>
+          </a:prstGeom>
+          <a:noFill/>
+        </p:spPr>
+        <p:txBody>
+          <a:bodyPr wrap="square">
+            <a:spAutoFit/>
+          </a:bodyPr>
+          <a:lstStyle/>
+          <a:p>
+            <a:pPr algn="ctr"/>
+            <a:r>
+              <a:rPr lang="en-US" sz="8000" b="1" dirty="0">
+                <a:solidFill>
+                  <a:srgbClr val="002060"/>
+                </a:solidFill>
+                <a:latin typeface="Arial" panose="020B0604020202020204" pitchFamily="34" charset="0"/>
+                <a:cs typeface="Arial" panose="020B0604020202020204" pitchFamily="34" charset="0"/>
+              </a:rPr>
+              <a:t>Q&amp;A?</a:t>
+            </a:r>
+            <a:endParaRPr lang="en-US" sz="8000" dirty="0">
+              <a:solidFill>
+                <a:srgbClr val="002060"/>
+              </a:solidFill>
+            </a:endParaRPr>
+          </a:p>
+        </p:txBody>
+      </p:sp>
+    </p:spTree>
+    <p:extLst>
+      <p:ext uri="{BB962C8B-B14F-4D97-AF65-F5344CB8AC3E}">
+        <p14:creationId xmlns:p14="http://schemas.microsoft.com/office/powerpoint/2010/main" val="3051618424"/>
+      </p:ext>
+    </p:extLst>
+  </p:cSld>
+  <p:clrMapOvr>
+    <a:masterClrMapping/>
+  </p:clrMapOvr>
+</p:sld>
+</file>
+
+<file path=ppt/slides/slide18.xml><?xml version="1.0" encoding="utf-8"?>
+<p:sld xmlns:a="http://schemas.openxmlformats.org/drawingml/2006/main" xmlns:r="http://schemas.openxmlformats.org/officeDocument/2006/relationships" xmlns:p="http://schemas.openxmlformats.org/presentationml/2006/main">
+  <p:cSld>
+    <p:spTree>
+      <p:nvGrpSpPr>
+        <p:cNvPr id="1" name="">
+          <a:extLst>
+            <a:ext uri="{FF2B5EF4-FFF2-40B4-BE49-F238E27FC236}">
+              <a16:creationId xmlns:a16="http://schemas.microsoft.com/office/drawing/2014/main" id="{270E651B-EC67-0DB9-70BE-ACB1A1F092F4}"/>
+            </a:ext>
+          </a:extLst>
+        </p:cNvPr>
+        <p:cNvGrpSpPr/>
+        <p:nvPr/>
+      </p:nvGrpSpPr>
+      <p:grpSpPr>
+        <a:xfrm>
+          <a:off x="0" y="0"/>
+          <a:ext cx="0" cy="0"/>
+          <a:chOff x="0" y="0"/>
+          <a:chExt cx="0" cy="0"/>
+        </a:xfrm>
+      </p:grpSpPr>
+      <p:sp>
+        <p:nvSpPr>
+          <p:cNvPr id="6" name="TextBox 5">
+            <a:extLst>
+              <a:ext uri="{FF2B5EF4-FFF2-40B4-BE49-F238E27FC236}">
+                <a16:creationId xmlns:a16="http://schemas.microsoft.com/office/drawing/2014/main" id="{EACDF847-BD30-1BAE-BDD4-B4BCB397C47F}"/>
+              </a:ext>
+            </a:extLst>
+          </p:cNvPr>
+          <p:cNvSpPr txBox="1"/>
+          <p:nvPr/>
+        </p:nvSpPr>
+        <p:spPr>
+          <a:xfrm>
+            <a:off x="102742" y="113016"/>
+            <a:ext cx="6096000" cy="646331"/>
+          </a:xfrm>
+          <a:prstGeom prst="rect">
+            <a:avLst/>
+          </a:prstGeom>
+          <a:noFill/>
+        </p:spPr>
+        <p:txBody>
+          <a:bodyPr wrap="square" rtlCol="0">
+            <a:spAutoFit/>
+          </a:bodyPr>
+          <a:lstStyle/>
+          <a:p>
+            <a:r>
+              <a:rPr lang="en-US" sz="2000" b="1" dirty="0">
+                <a:solidFill>
+                  <a:schemeClr val="tx2"/>
+                </a:solidFill>
+                <a:latin typeface="Arial" panose="020B0604020202020204" pitchFamily="34" charset="0"/>
+                <a:cs typeface="Arial" panose="020B0604020202020204" pitchFamily="34" charset="0"/>
+              </a:rPr>
+              <a:t>Web Design 101: “Introduction to course”</a:t>
+            </a:r>
+          </a:p>
+          <a:p>
+            <a:r>
+              <a:rPr lang="en-US" sz="1600" b="1" dirty="0">
+                <a:solidFill>
+                  <a:schemeClr val="tx2"/>
+                </a:solidFill>
+                <a:latin typeface="Arial" panose="020B0604020202020204" pitchFamily="34" charset="0"/>
+                <a:cs typeface="Arial" panose="020B0604020202020204" pitchFamily="34" charset="0"/>
+              </a:rPr>
+              <a:t>Lecturer: PENG LYKHEANG </a:t>
+            </a:r>
+          </a:p>
+        </p:txBody>
+      </p:sp>
+      <p:sp>
+        <p:nvSpPr>
+          <p:cNvPr id="7" name="TextBox 6">
+            <a:extLst>
+              <a:ext uri="{FF2B5EF4-FFF2-40B4-BE49-F238E27FC236}">
+                <a16:creationId xmlns:a16="http://schemas.microsoft.com/office/drawing/2014/main" id="{D96FB8EE-7ADF-A5A3-D07B-1EEBA8CDDA98}"/>
+              </a:ext>
+            </a:extLst>
+          </p:cNvPr>
+          <p:cNvSpPr txBox="1"/>
+          <p:nvPr/>
+        </p:nvSpPr>
+        <p:spPr>
+          <a:xfrm>
+            <a:off x="552699" y="2151727"/>
+            <a:ext cx="11086601" cy="2554545"/>
+          </a:xfrm>
+          <a:prstGeom prst="rect">
+            <a:avLst/>
+          </a:prstGeom>
+          <a:noFill/>
+        </p:spPr>
+        <p:txBody>
+          <a:bodyPr wrap="square">
+            <a:spAutoFit/>
+          </a:bodyPr>
+          <a:lstStyle/>
+          <a:p>
+            <a:pPr algn="ctr"/>
+            <a:r>
+              <a:rPr lang="en-US" sz="8000" b="1" dirty="0">
+                <a:solidFill>
+                  <a:srgbClr val="002060"/>
+                </a:solidFill>
+                <a:latin typeface="Arial" panose="020B0604020202020204" pitchFamily="34" charset="0"/>
+                <a:cs typeface="Arial" panose="020B0604020202020204" pitchFamily="34" charset="0"/>
+              </a:rPr>
+              <a:t>Thank you</a:t>
+            </a:r>
+          </a:p>
+          <a:p>
+            <a:pPr algn="ctr"/>
+            <a:r>
+              <a:rPr lang="en-US" sz="8000" b="1" dirty="0">
+                <a:solidFill>
+                  <a:srgbClr val="002060"/>
+                </a:solidFill>
+                <a:latin typeface="Arial" panose="020B0604020202020204" pitchFamily="34" charset="0"/>
+                <a:cs typeface="Arial" panose="020B0604020202020204" pitchFamily="34" charset="0"/>
+              </a:rPr>
+              <a:t>See you next week!</a:t>
+            </a:r>
+            <a:endParaRPr lang="en-US" sz="8000" dirty="0">
+              <a:solidFill>
+                <a:srgbClr val="002060"/>
+              </a:solidFill>
+            </a:endParaRPr>
+          </a:p>
+        </p:txBody>
+      </p:sp>
+    </p:spTree>
+    <p:extLst>
+      <p:ext uri="{BB962C8B-B14F-4D97-AF65-F5344CB8AC3E}">
+        <p14:creationId xmlns:p14="http://schemas.microsoft.com/office/powerpoint/2010/main" val="3396611424"/>
+      </p:ext>
+    </p:extLst>
+  </p:cSld>
+  <p:clrMapOvr>
+    <a:masterClrMapping/>
+  </p:clrMapOvr>
+</p:sld>
+</file>
+
+<file path=ppt/slides/slide2.xml><?xml version="1.0" encoding="utf-8"?>
+<p:sld xmlns:a="http://schemas.openxmlformats.org/drawingml/2006/main" xmlns:r="http://schemas.openxmlformats.org/officeDocument/2006/relationships" xmlns:p="http://schemas.openxmlformats.org/presentationml/2006/main">
+  <p:cSld>
+    <p:spTree>
+      <p:nvGrpSpPr>
+        <p:cNvPr id="1" name="">
+          <a:extLst>
+            <a:ext uri="{FF2B5EF4-FFF2-40B4-BE49-F238E27FC236}">
+              <a16:creationId xmlns:a16="http://schemas.microsoft.com/office/drawing/2014/main" id="{CE95CE69-DE0E-D962-47CE-D0167AC1C231}"/>
+            </a:ext>
+          </a:extLst>
+        </p:cNvPr>
+        <p:cNvGrpSpPr/>
+        <p:nvPr/>
+      </p:nvGrpSpPr>
+      <p:grpSpPr>
+        <a:xfrm>
+          <a:off x="0" y="0"/>
+          <a:ext cx="0" cy="0"/>
+          <a:chOff x="0" y="0"/>
+          <a:chExt cx="0" cy="0"/>
+        </a:xfrm>
+      </p:grpSpPr>
+      <p:sp>
+        <p:nvSpPr>
+          <p:cNvPr id="6" name="TextBox 5">
+            <a:extLst>
+              <a:ext uri="{FF2B5EF4-FFF2-40B4-BE49-F238E27FC236}">
+                <a16:creationId xmlns:a16="http://schemas.microsoft.com/office/drawing/2014/main" id="{A595A103-211A-98A0-D91D-4FF34CBC5C1A}"/>
+              </a:ext>
+            </a:extLst>
+          </p:cNvPr>
+          <p:cNvSpPr txBox="1"/>
+          <p:nvPr/>
+        </p:nvSpPr>
+        <p:spPr>
+          <a:xfrm>
+            <a:off x="102742" y="113016"/>
+            <a:ext cx="6096000" cy="646331"/>
+          </a:xfrm>
+          <a:prstGeom prst="rect">
+            <a:avLst/>
+          </a:prstGeom>
+          <a:noFill/>
+        </p:spPr>
+        <p:txBody>
+          <a:bodyPr wrap="square" rtlCol="0">
+            <a:spAutoFit/>
+          </a:bodyPr>
+          <a:lstStyle/>
+          <a:p>
+            <a:r>
+              <a:rPr lang="en-US" sz="2000" b="1" dirty="0">
+                <a:solidFill>
+                  <a:schemeClr val="tx2"/>
+                </a:solidFill>
+                <a:latin typeface="Arial" panose="020B0604020202020204" pitchFamily="34" charset="0"/>
+                <a:cs typeface="Arial" panose="020B0604020202020204" pitchFamily="34" charset="0"/>
+              </a:rPr>
+              <a:t>Web Design 101: “Introduction to course”</a:t>
+            </a:r>
+          </a:p>
+          <a:p>
+            <a:r>
+              <a:rPr lang="en-US" sz="1600" b="1" dirty="0">
+                <a:solidFill>
+                  <a:schemeClr val="tx2"/>
+                </a:solidFill>
+                <a:latin typeface="Arial" panose="020B0604020202020204" pitchFamily="34" charset="0"/>
+                <a:cs typeface="Arial" panose="020B0604020202020204" pitchFamily="34" charset="0"/>
+              </a:rPr>
+              <a:t>Lecturer: PENG LYKHEANG </a:t>
+            </a:r>
+          </a:p>
+        </p:txBody>
+      </p:sp>
+      <p:sp>
+        <p:nvSpPr>
+          <p:cNvPr id="5" name="TextBox 4">
+            <a:extLst>
+              <a:ext uri="{FF2B5EF4-FFF2-40B4-BE49-F238E27FC236}">
+                <a16:creationId xmlns:a16="http://schemas.microsoft.com/office/drawing/2014/main" id="{3A59318F-E146-1478-AB69-CF4A60D30CF4}"/>
+              </a:ext>
+            </a:extLst>
+          </p:cNvPr>
+          <p:cNvSpPr txBox="1"/>
+          <p:nvPr/>
+        </p:nvSpPr>
+        <p:spPr>
+          <a:xfrm>
+            <a:off x="1648630" y="3044279"/>
+            <a:ext cx="8894740" cy="769441"/>
+          </a:xfrm>
+          <a:prstGeom prst="rect">
+            <a:avLst/>
+          </a:prstGeom>
+          <a:noFill/>
+        </p:spPr>
+        <p:txBody>
+          <a:bodyPr wrap="square" rtlCol="0">
+            <a:spAutoFit/>
+          </a:bodyPr>
+          <a:lstStyle/>
+          <a:p>
+            <a:pPr algn="ctr"/>
+            <a:r>
+              <a:rPr lang="en-US" sz="4400" b="1" dirty="0">
+                <a:solidFill>
+                  <a:schemeClr val="tx2"/>
+                </a:solidFill>
+                <a:latin typeface="Arial" panose="020B0604020202020204" pitchFamily="34" charset="0"/>
+                <a:cs typeface="Arial" panose="020B0604020202020204" pitchFamily="34" charset="0"/>
+              </a:rPr>
+              <a:t>What is Computer Science?</a:t>
+            </a:r>
+          </a:p>
+        </p:txBody>
+      </p:sp>
+    </p:spTree>
+    <p:extLst>
+      <p:ext uri="{BB962C8B-B14F-4D97-AF65-F5344CB8AC3E}">
+        <p14:creationId xmlns:p14="http://schemas.microsoft.com/office/powerpoint/2010/main" val="1012092569"/>
+      </p:ext>
+    </p:extLst>
+  </p:cSld>
+  <p:clrMapOvr>
+    <a:masterClrMapping/>
+  </p:clrMapOvr>
+</p:sld>
+</file>
+
+<file path=ppt/slides/slide3.xml><?xml version="1.0" encoding="utf-8"?>
+<p:sld xmlns:a="http://schemas.openxmlformats.org/drawingml/2006/main" xmlns:r="http://schemas.openxmlformats.org/officeDocument/2006/relationships" xmlns:p="http://schemas.openxmlformats.org/presentationml/2006/main">
+  <p:cSld>
+    <p:spTree>
+      <p:nvGrpSpPr>
+        <p:cNvPr id="1" name="">
+          <a:extLst>
+            <a:ext uri="{FF2B5EF4-FFF2-40B4-BE49-F238E27FC236}">
+              <a16:creationId xmlns:a16="http://schemas.microsoft.com/office/drawing/2014/main" id="{999DE283-DE62-F0C8-7AB1-9241F47593B3}"/>
+            </a:ext>
+          </a:extLst>
+        </p:cNvPr>
+        <p:cNvGrpSpPr/>
+        <p:nvPr/>
+      </p:nvGrpSpPr>
+      <p:grpSpPr>
+        <a:xfrm>
+          <a:off x="0" y="0"/>
+          <a:ext cx="0" cy="0"/>
+          <a:chOff x="0" y="0"/>
+          <a:chExt cx="0" cy="0"/>
+        </a:xfrm>
+      </p:grpSpPr>
+      <p:sp>
+        <p:nvSpPr>
+          <p:cNvPr id="6" name="TextBox 5">
+            <a:extLst>
+              <a:ext uri="{FF2B5EF4-FFF2-40B4-BE49-F238E27FC236}">
+                <a16:creationId xmlns:a16="http://schemas.microsoft.com/office/drawing/2014/main" id="{9FA923AB-3A11-FDD5-4927-05E780E235BC}"/>
+              </a:ext>
+            </a:extLst>
+          </p:cNvPr>
+          <p:cNvSpPr txBox="1"/>
+          <p:nvPr/>
+        </p:nvSpPr>
+        <p:spPr>
+          <a:xfrm>
+            <a:off x="102742" y="113016"/>
+            <a:ext cx="6096000" cy="646331"/>
+          </a:xfrm>
+          <a:prstGeom prst="rect">
+            <a:avLst/>
+          </a:prstGeom>
+          <a:noFill/>
+        </p:spPr>
+        <p:txBody>
+          <a:bodyPr wrap="square" rtlCol="0">
+            <a:spAutoFit/>
+          </a:bodyPr>
+          <a:lstStyle/>
+          <a:p>
+            <a:r>
+              <a:rPr lang="en-US" sz="2000" b="1" dirty="0">
+                <a:solidFill>
+                  <a:schemeClr val="tx2"/>
+                </a:solidFill>
+                <a:latin typeface="Arial" panose="020B0604020202020204" pitchFamily="34" charset="0"/>
+                <a:cs typeface="Arial" panose="020B0604020202020204" pitchFamily="34" charset="0"/>
+              </a:rPr>
+              <a:t>Web Design 101: “Introduction to course”</a:t>
+            </a:r>
+          </a:p>
+          <a:p>
+            <a:r>
+              <a:rPr lang="en-US" sz="1600" b="1" dirty="0">
+                <a:solidFill>
+                  <a:schemeClr val="tx2"/>
+                </a:solidFill>
+                <a:latin typeface="Arial" panose="020B0604020202020204" pitchFamily="34" charset="0"/>
+                <a:cs typeface="Arial" panose="020B0604020202020204" pitchFamily="34" charset="0"/>
+              </a:rPr>
+              <a:t>Lecturer: PENG LYKHEANG </a:t>
+            </a:r>
+          </a:p>
+        </p:txBody>
+      </p:sp>
+      <p:sp>
+        <p:nvSpPr>
+          <p:cNvPr id="5" name="TextBox 4">
+            <a:extLst>
+              <a:ext uri="{FF2B5EF4-FFF2-40B4-BE49-F238E27FC236}">
+                <a16:creationId xmlns:a16="http://schemas.microsoft.com/office/drawing/2014/main" id="{9E54B203-9672-C7A0-4DA0-4EA3D0AC000D}"/>
+              </a:ext>
+            </a:extLst>
+          </p:cNvPr>
+          <p:cNvSpPr txBox="1"/>
+          <p:nvPr/>
+        </p:nvSpPr>
+        <p:spPr>
+          <a:xfrm>
+            <a:off x="1648630" y="3044279"/>
+            <a:ext cx="8894740" cy="1446550"/>
+          </a:xfrm>
+          <a:prstGeom prst="rect">
+            <a:avLst/>
+          </a:prstGeom>
+          <a:noFill/>
+        </p:spPr>
+        <p:txBody>
+          <a:bodyPr wrap="square" rtlCol="0">
+            <a:spAutoFit/>
+          </a:bodyPr>
+          <a:lstStyle/>
+          <a:p>
+            <a:pPr algn="ctr"/>
+            <a:r>
+              <a:rPr lang="en-US" sz="4400" b="1" dirty="0">
+                <a:solidFill>
+                  <a:schemeClr val="tx2"/>
+                </a:solidFill>
+                <a:latin typeface="Arial" panose="020B0604020202020204" pitchFamily="34" charset="0"/>
+                <a:cs typeface="Arial" panose="020B0604020202020204" pitchFamily="34" charset="0"/>
+              </a:rPr>
+              <a:t>Why do we need Computer Science?</a:t>
+            </a:r>
+          </a:p>
+        </p:txBody>
+      </p:sp>
+    </p:spTree>
+    <p:extLst>
+      <p:ext uri="{BB962C8B-B14F-4D97-AF65-F5344CB8AC3E}">
+        <p14:creationId xmlns:p14="http://schemas.microsoft.com/office/powerpoint/2010/main" val="1308453132"/>
+      </p:ext>
+    </p:extLst>
+  </p:cSld>
+  <p:clrMapOvr>
+    <a:masterClrMapping/>
+  </p:clrMapOvr>
+</p:sld>
+</file>
+
+<file path=ppt/slides/slide4.xml><?xml version="1.0" encoding="utf-8"?>
+<p:sld xmlns:a="http://schemas.openxmlformats.org/drawingml/2006/main" xmlns:r="http://schemas.openxmlformats.org/officeDocument/2006/relationships" xmlns:p="http://schemas.openxmlformats.org/presentationml/2006/main">
+  <p:cSld>
+    <p:spTree>
+      <p:nvGrpSpPr>
+        <p:cNvPr id="1" name="">
+          <a:extLst>
+            <a:ext uri="{FF2B5EF4-FFF2-40B4-BE49-F238E27FC236}">
+              <a16:creationId xmlns:a16="http://schemas.microsoft.com/office/drawing/2014/main" id="{5D23C83B-F974-7808-5F48-B7590C8E98FA}"/>
+            </a:ext>
+          </a:extLst>
+        </p:cNvPr>
+        <p:cNvGrpSpPr/>
+        <p:nvPr/>
+      </p:nvGrpSpPr>
+      <p:grpSpPr>
+        <a:xfrm>
+          <a:off x="0" y="0"/>
+          <a:ext cx="0" cy="0"/>
+          <a:chOff x="0" y="0"/>
+          <a:chExt cx="0" cy="0"/>
+        </a:xfrm>
+      </p:grpSpPr>
+      <p:sp>
+        <p:nvSpPr>
+          <p:cNvPr id="6" name="TextBox 5">
+            <a:extLst>
+              <a:ext uri="{FF2B5EF4-FFF2-40B4-BE49-F238E27FC236}">
+                <a16:creationId xmlns:a16="http://schemas.microsoft.com/office/drawing/2014/main" id="{DF42CE26-7323-23ED-1209-0B9A4330D228}"/>
+              </a:ext>
+            </a:extLst>
+          </p:cNvPr>
+          <p:cNvSpPr txBox="1"/>
+          <p:nvPr/>
+        </p:nvSpPr>
+        <p:spPr>
+          <a:xfrm>
+            <a:off x="102742" y="113016"/>
+            <a:ext cx="6096000" cy="646331"/>
+          </a:xfrm>
+          <a:prstGeom prst="rect">
+            <a:avLst/>
+          </a:prstGeom>
+          <a:noFill/>
+        </p:spPr>
+        <p:txBody>
+          <a:bodyPr wrap="square" rtlCol="0">
+            <a:spAutoFit/>
+          </a:bodyPr>
+          <a:lstStyle/>
+          <a:p>
+            <a:r>
+              <a:rPr lang="en-US" sz="2000" b="1" dirty="0">
+                <a:solidFill>
+                  <a:schemeClr val="tx2"/>
+                </a:solidFill>
+                <a:latin typeface="Arial" panose="020B0604020202020204" pitchFamily="34" charset="0"/>
+                <a:cs typeface="Arial" panose="020B0604020202020204" pitchFamily="34" charset="0"/>
+              </a:rPr>
+              <a:t>Web Design 101: “Introduction to course”</a:t>
+            </a:r>
+          </a:p>
+          <a:p>
+            <a:r>
+              <a:rPr lang="en-US" sz="1600" b="1" dirty="0">
+                <a:solidFill>
+                  <a:schemeClr val="tx2"/>
+                </a:solidFill>
+                <a:latin typeface="Arial" panose="020B0604020202020204" pitchFamily="34" charset="0"/>
+                <a:cs typeface="Arial" panose="020B0604020202020204" pitchFamily="34" charset="0"/>
+              </a:rPr>
+              <a:t>Lecturer: PENG LYKHEANG </a:t>
+            </a:r>
+          </a:p>
+        </p:txBody>
+      </p:sp>
+      <p:sp>
+        <p:nvSpPr>
+          <p:cNvPr id="5" name="TextBox 4">
+            <a:extLst>
+              <a:ext uri="{FF2B5EF4-FFF2-40B4-BE49-F238E27FC236}">
+                <a16:creationId xmlns:a16="http://schemas.microsoft.com/office/drawing/2014/main" id="{394D06E6-61A4-90E9-CF7A-A231526FEE87}"/>
+              </a:ext>
+            </a:extLst>
+          </p:cNvPr>
+          <p:cNvSpPr txBox="1"/>
+          <p:nvPr/>
+        </p:nvSpPr>
+        <p:spPr>
+          <a:xfrm>
+            <a:off x="1648630" y="2705725"/>
+            <a:ext cx="8894740" cy="1446550"/>
+          </a:xfrm>
+          <a:prstGeom prst="rect">
+            <a:avLst/>
+          </a:prstGeom>
+          <a:noFill/>
+        </p:spPr>
+        <p:txBody>
+          <a:bodyPr wrap="square" rtlCol="0">
+            <a:spAutoFit/>
+          </a:bodyPr>
+          <a:lstStyle/>
+          <a:p>
+            <a:pPr algn="ctr"/>
+            <a:r>
+              <a:rPr lang="en-US" sz="4400" b="1" dirty="0">
+                <a:solidFill>
+                  <a:schemeClr val="tx2"/>
+                </a:solidFill>
+                <a:latin typeface="Arial" panose="020B0604020202020204" pitchFamily="34" charset="0"/>
+                <a:cs typeface="Arial" panose="020B0604020202020204" pitchFamily="34" charset="0"/>
+              </a:rPr>
+              <a:t>What do you want to do with computer science?</a:t>
+            </a:r>
+          </a:p>
+        </p:txBody>
+      </p:sp>
+    </p:spTree>
+    <p:extLst>
+      <p:ext uri="{BB962C8B-B14F-4D97-AF65-F5344CB8AC3E}">
+        <p14:creationId xmlns:p14="http://schemas.microsoft.com/office/powerpoint/2010/main" val="370504718"/>
+      </p:ext>
+    </p:extLst>
+  </p:cSld>
+  <p:clrMapOvr>
+    <a:masterClrMapping/>
+  </p:clrMapOvr>
+</p:sld>
+</file>
+
+<file path=ppt/slides/slide5.xml><?xml version="1.0" encoding="utf-8"?>
+<p:sld xmlns:a="http://schemas.openxmlformats.org/drawingml/2006/main" xmlns:r="http://schemas.openxmlformats.org/officeDocument/2006/relationships" xmlns:p="http://schemas.openxmlformats.org/presentationml/2006/main">
+  <p:cSld>
+    <p:spTree>
+      <p:nvGrpSpPr>
+        <p:cNvPr id="1" name="">
+          <a:extLst>
+            <a:ext uri="{FF2B5EF4-FFF2-40B4-BE49-F238E27FC236}">
+              <a16:creationId xmlns:a16="http://schemas.microsoft.com/office/drawing/2014/main" id="{5B8B4F7E-8061-00A0-D52E-F83867FCDC9F}"/>
+            </a:ext>
+          </a:extLst>
+        </p:cNvPr>
+        <p:cNvGrpSpPr/>
+        <p:nvPr/>
+      </p:nvGrpSpPr>
+      <p:grpSpPr>
+        <a:xfrm>
+          <a:off x="0" y="0"/>
+          <a:ext cx="0" cy="0"/>
+          <a:chOff x="0" y="0"/>
+          <a:chExt cx="0" cy="0"/>
+        </a:xfrm>
+      </p:grpSpPr>
+      <p:sp>
+        <p:nvSpPr>
+          <p:cNvPr id="6" name="TextBox 5">
+            <a:extLst>
+              <a:ext uri="{FF2B5EF4-FFF2-40B4-BE49-F238E27FC236}">
+                <a16:creationId xmlns:a16="http://schemas.microsoft.com/office/drawing/2014/main" id="{9B11F0E4-7B42-ACA6-AAF0-20FDA76B775A}"/>
+              </a:ext>
+            </a:extLst>
+          </p:cNvPr>
+          <p:cNvSpPr txBox="1"/>
+          <p:nvPr/>
+        </p:nvSpPr>
+        <p:spPr>
+          <a:xfrm>
+            <a:off x="102742" y="113016"/>
+            <a:ext cx="6096000" cy="646331"/>
+          </a:xfrm>
+          <a:prstGeom prst="rect">
+            <a:avLst/>
+          </a:prstGeom>
+          <a:noFill/>
+        </p:spPr>
+        <p:txBody>
+          <a:bodyPr wrap="square" rtlCol="0">
+            <a:spAutoFit/>
+          </a:bodyPr>
+          <a:lstStyle/>
+          <a:p>
+            <a:r>
+              <a:rPr lang="en-US" sz="2000" b="1" dirty="0">
+                <a:solidFill>
+                  <a:schemeClr val="tx2"/>
+                </a:solidFill>
+                <a:latin typeface="Arial" panose="020B0604020202020204" pitchFamily="34" charset="0"/>
+                <a:cs typeface="Arial" panose="020B0604020202020204" pitchFamily="34" charset="0"/>
+              </a:rPr>
+              <a:t>Web Design 101: “Introduction to course”</a:t>
+            </a:r>
+          </a:p>
+          <a:p>
+            <a:r>
+              <a:rPr lang="en-US" sz="1600" b="1" dirty="0">
+                <a:solidFill>
+                  <a:schemeClr val="tx2"/>
+                </a:solidFill>
+                <a:latin typeface="Arial" panose="020B0604020202020204" pitchFamily="34" charset="0"/>
+                <a:cs typeface="Arial" panose="020B0604020202020204" pitchFamily="34" charset="0"/>
+              </a:rPr>
+              <a:t>Lecturer: PENG LYKHEANG </a:t>
+            </a:r>
+          </a:p>
+        </p:txBody>
+      </p:sp>
+      <p:sp>
+        <p:nvSpPr>
+          <p:cNvPr id="5" name="TextBox 4">
+            <a:extLst>
+              <a:ext uri="{FF2B5EF4-FFF2-40B4-BE49-F238E27FC236}">
+                <a16:creationId xmlns:a16="http://schemas.microsoft.com/office/drawing/2014/main" id="{E47022EA-9F74-3FE1-0446-127912AF4850}"/>
+              </a:ext>
+            </a:extLst>
+          </p:cNvPr>
+          <p:cNvSpPr txBox="1"/>
+          <p:nvPr/>
+        </p:nvSpPr>
+        <p:spPr>
+          <a:xfrm>
+            <a:off x="1648630" y="2367171"/>
+            <a:ext cx="8894740" cy="2123658"/>
+          </a:xfrm>
+          <a:prstGeom prst="rect">
+            <a:avLst/>
+          </a:prstGeom>
+          <a:noFill/>
+        </p:spPr>
+        <p:txBody>
+          <a:bodyPr wrap="square" rtlCol="0">
+            <a:spAutoFit/>
+          </a:bodyPr>
+          <a:lstStyle/>
+          <a:p>
+            <a:pPr algn="ctr"/>
+            <a:r>
+              <a:rPr lang="en-US" sz="4400" b="1" dirty="0">
+                <a:solidFill>
+                  <a:schemeClr val="tx2"/>
+                </a:solidFill>
+                <a:latin typeface="Arial" panose="020B0604020202020204" pitchFamily="34" charset="0"/>
+                <a:cs typeface="Arial" panose="020B0604020202020204" pitchFamily="34" charset="0"/>
+              </a:rPr>
+              <a:t>Fields | Focus </a:t>
+            </a:r>
+          </a:p>
+          <a:p>
+            <a:pPr algn="ctr"/>
+            <a:r>
+              <a:rPr lang="en-US" sz="4400" b="1" dirty="0">
+                <a:solidFill>
+                  <a:schemeClr val="tx2"/>
+                </a:solidFill>
+                <a:latin typeface="Arial" panose="020B0604020202020204" pitchFamily="34" charset="0"/>
+                <a:cs typeface="Arial" panose="020B0604020202020204" pitchFamily="34" charset="0"/>
+              </a:rPr>
+              <a:t>of </a:t>
+            </a:r>
+          </a:p>
+          <a:p>
+            <a:pPr algn="ctr"/>
+            <a:r>
+              <a:rPr lang="en-US" sz="4400" b="1" dirty="0">
+                <a:solidFill>
+                  <a:schemeClr val="tx2"/>
+                </a:solidFill>
+                <a:latin typeface="Arial" panose="020B0604020202020204" pitchFamily="34" charset="0"/>
+                <a:cs typeface="Arial" panose="020B0604020202020204" pitchFamily="34" charset="0"/>
+              </a:rPr>
+              <a:t>Computer Science</a:t>
+            </a:r>
+          </a:p>
+        </p:txBody>
+      </p:sp>
+    </p:spTree>
+    <p:extLst>
+      <p:ext uri="{BB962C8B-B14F-4D97-AF65-F5344CB8AC3E}">
+        <p14:creationId xmlns:p14="http://schemas.microsoft.com/office/powerpoint/2010/main" val="2594167506"/>
+      </p:ext>
+    </p:extLst>
+  </p:cSld>
+  <p:clrMapOvr>
+    <a:masterClrMapping/>
+  </p:clrMapOvr>
+</p:sld>
+</file>
+
+<file path=ppt/slides/slide6.xml><?xml version="1.0" encoding="utf-8"?>
+<p:sld xmlns:a="http://schemas.openxmlformats.org/drawingml/2006/main" xmlns:r="http://schemas.openxmlformats.org/officeDocument/2006/relationships" xmlns:p="http://schemas.openxmlformats.org/presentationml/2006/main">
+  <p:cSld>
+    <p:spTree>
+      <p:nvGrpSpPr>
+        <p:cNvPr id="1" name="">
+          <a:extLst>
+            <a:ext uri="{FF2B5EF4-FFF2-40B4-BE49-F238E27FC236}">
+              <a16:creationId xmlns:a16="http://schemas.microsoft.com/office/drawing/2014/main" id="{31C64C63-1A44-3B89-0690-5AC08C51AD25}"/>
+            </a:ext>
+          </a:extLst>
+        </p:cNvPr>
+        <p:cNvGrpSpPr/>
+        <p:nvPr/>
+      </p:nvGrpSpPr>
+      <p:grpSpPr>
+        <a:xfrm>
+          <a:off x="0" y="0"/>
+          <a:ext cx="0" cy="0"/>
+          <a:chOff x="0" y="0"/>
+          <a:chExt cx="0" cy="0"/>
+        </a:xfrm>
+      </p:grpSpPr>
+      <p:sp>
+        <p:nvSpPr>
+          <p:cNvPr id="6" name="TextBox 5">
+            <a:extLst>
+              <a:ext uri="{FF2B5EF4-FFF2-40B4-BE49-F238E27FC236}">
+                <a16:creationId xmlns:a16="http://schemas.microsoft.com/office/drawing/2014/main" id="{534E0E40-09A1-28EA-1847-FF9E757951A0}"/>
+              </a:ext>
+            </a:extLst>
+          </p:cNvPr>
+          <p:cNvSpPr txBox="1"/>
+          <p:nvPr/>
+        </p:nvSpPr>
+        <p:spPr>
+          <a:xfrm>
+            <a:off x="102742" y="113016"/>
+            <a:ext cx="6096000" cy="646331"/>
+          </a:xfrm>
+          <a:prstGeom prst="rect">
+            <a:avLst/>
+          </a:prstGeom>
+          <a:noFill/>
+        </p:spPr>
+        <p:txBody>
+          <a:bodyPr wrap="square" rtlCol="0">
+            <a:spAutoFit/>
+          </a:bodyPr>
+          <a:lstStyle/>
+          <a:p>
+            <a:r>
+              <a:rPr lang="en-US" sz="2000" b="1" dirty="0">
+                <a:solidFill>
+                  <a:schemeClr val="tx2"/>
+                </a:solidFill>
+                <a:latin typeface="Arial" panose="020B0604020202020204" pitchFamily="34" charset="0"/>
+                <a:cs typeface="Arial" panose="020B0604020202020204" pitchFamily="34" charset="0"/>
+              </a:rPr>
+              <a:t>Web Design 101: “Introduction to course”</a:t>
+            </a:r>
+          </a:p>
+          <a:p>
+            <a:r>
+              <a:rPr lang="en-US" sz="1600" b="1" dirty="0">
+                <a:solidFill>
+                  <a:schemeClr val="tx2"/>
+                </a:solidFill>
+                <a:latin typeface="Arial" panose="020B0604020202020204" pitchFamily="34" charset="0"/>
+                <a:cs typeface="Arial" panose="020B0604020202020204" pitchFamily="34" charset="0"/>
+              </a:rPr>
+              <a:t>Lecturer: PENG LYKHEANG </a:t>
+            </a:r>
+          </a:p>
+        </p:txBody>
+      </p:sp>
+      <p:sp>
+        <p:nvSpPr>
+          <p:cNvPr id="5" name="TextBox 4">
+            <a:extLst>
+              <a:ext uri="{FF2B5EF4-FFF2-40B4-BE49-F238E27FC236}">
+                <a16:creationId xmlns:a16="http://schemas.microsoft.com/office/drawing/2014/main" id="{EDEBBEFD-C44C-B475-5956-709B82F488F1}"/>
+              </a:ext>
+            </a:extLst>
+          </p:cNvPr>
+          <p:cNvSpPr txBox="1"/>
+          <p:nvPr/>
+        </p:nvSpPr>
+        <p:spPr>
+          <a:xfrm>
+            <a:off x="1751372" y="2737561"/>
+            <a:ext cx="8894740" cy="1200329"/>
+          </a:xfrm>
+          <a:prstGeom prst="rect">
+            <a:avLst/>
+          </a:prstGeom>
+          <a:noFill/>
+        </p:spPr>
+        <p:txBody>
+          <a:bodyPr wrap="square" rtlCol="0">
+            <a:spAutoFit/>
+          </a:bodyPr>
+          <a:lstStyle/>
+          <a:p>
+            <a:pPr algn="ctr"/>
+            <a:r>
+              <a:rPr lang="en-US" sz="7200" b="1" dirty="0">
+                <a:solidFill>
+                  <a:schemeClr val="tx2"/>
+                </a:solidFill>
+                <a:latin typeface="Arial" panose="020B0604020202020204" pitchFamily="34" charset="0"/>
+                <a:cs typeface="Arial" panose="020B0604020202020204" pitchFamily="34" charset="0"/>
+              </a:rPr>
+              <a:t>What is website?</a:t>
+            </a:r>
+          </a:p>
+        </p:txBody>
+      </p:sp>
+    </p:spTree>
+    <p:extLst>
+      <p:ext uri="{BB962C8B-B14F-4D97-AF65-F5344CB8AC3E}">
+        <p14:creationId xmlns:p14="http://schemas.microsoft.com/office/powerpoint/2010/main" val="1375903383"/>
+      </p:ext>
+    </p:extLst>
+  </p:cSld>
+  <p:clrMapOvr>
+    <a:masterClrMapping/>
+  </p:clrMapOvr>
+</p:sld>
+</file>
+
+<file path=ppt/slides/slide7.xml><?xml version="1.0" encoding="utf-8"?>
+<p:sld xmlns:a="http://schemas.openxmlformats.org/drawingml/2006/main" xmlns:r="http://schemas.openxmlformats.org/officeDocument/2006/relationships" xmlns:p="http://schemas.openxmlformats.org/presentationml/2006/main">
+  <p:cSld>
+    <p:spTree>
+      <p:nvGrpSpPr>
+        <p:cNvPr id="1" name="">
+          <a:extLst>
+            <a:ext uri="{FF2B5EF4-FFF2-40B4-BE49-F238E27FC236}">
+              <a16:creationId xmlns:a16="http://schemas.microsoft.com/office/drawing/2014/main" id="{6606D40B-22A7-59A0-A512-F8551D55EDEC}"/>
+            </a:ext>
+          </a:extLst>
+        </p:cNvPr>
+        <p:cNvGrpSpPr/>
+        <p:nvPr/>
+      </p:nvGrpSpPr>
+      <p:grpSpPr>
+        <a:xfrm>
+          <a:off x="0" y="0"/>
+          <a:ext cx="0" cy="0"/>
+          <a:chOff x="0" y="0"/>
+          <a:chExt cx="0" cy="0"/>
+        </a:xfrm>
+      </p:grpSpPr>
+      <p:sp>
+        <p:nvSpPr>
+          <p:cNvPr id="6" name="TextBox 5">
+            <a:extLst>
+              <a:ext uri="{FF2B5EF4-FFF2-40B4-BE49-F238E27FC236}">
+                <a16:creationId xmlns:a16="http://schemas.microsoft.com/office/drawing/2014/main" id="{BBB31DDC-B7B5-3E56-E59B-314CF07DCB4E}"/>
+              </a:ext>
+            </a:extLst>
+          </p:cNvPr>
+          <p:cNvSpPr txBox="1"/>
+          <p:nvPr/>
+        </p:nvSpPr>
+        <p:spPr>
+          <a:xfrm>
+            <a:off x="102742" y="113016"/>
+            <a:ext cx="6096000" cy="646331"/>
+          </a:xfrm>
+          <a:prstGeom prst="rect">
+            <a:avLst/>
+          </a:prstGeom>
+          <a:noFill/>
+        </p:spPr>
+        <p:txBody>
+          <a:bodyPr wrap="square" rtlCol="0">
+            <a:spAutoFit/>
+          </a:bodyPr>
+          <a:lstStyle/>
+          <a:p>
+            <a:r>
+              <a:rPr lang="en-US" sz="2000" b="1" dirty="0">
+                <a:solidFill>
+                  <a:schemeClr val="tx2"/>
+                </a:solidFill>
+                <a:latin typeface="Arial" panose="020B0604020202020204" pitchFamily="34" charset="0"/>
+                <a:cs typeface="Arial" panose="020B0604020202020204" pitchFamily="34" charset="0"/>
+              </a:rPr>
+              <a:t>Web Design 101: “Introduction to course”</a:t>
+            </a:r>
+          </a:p>
+          <a:p>
+            <a:r>
+              <a:rPr lang="en-US" sz="1600" b="1" dirty="0">
+                <a:solidFill>
+                  <a:schemeClr val="tx2"/>
+                </a:solidFill>
+                <a:latin typeface="Arial" panose="020B0604020202020204" pitchFamily="34" charset="0"/>
+                <a:cs typeface="Arial" panose="020B0604020202020204" pitchFamily="34" charset="0"/>
+              </a:rPr>
+              <a:t>Lecturer: PENG LYKHEANG </a:t>
+            </a:r>
+          </a:p>
+        </p:txBody>
+      </p:sp>
+      <p:sp>
+        <p:nvSpPr>
+          <p:cNvPr id="5" name="TextBox 4">
+            <a:extLst>
+              <a:ext uri="{FF2B5EF4-FFF2-40B4-BE49-F238E27FC236}">
+                <a16:creationId xmlns:a16="http://schemas.microsoft.com/office/drawing/2014/main" id="{C58EA03F-5265-BF27-417D-14F15149E22C}"/>
+              </a:ext>
+            </a:extLst>
+          </p:cNvPr>
+          <p:cNvSpPr txBox="1"/>
+          <p:nvPr/>
+        </p:nvSpPr>
+        <p:spPr>
+          <a:xfrm>
+            <a:off x="1751372" y="2737561"/>
+            <a:ext cx="8894740" cy="1200329"/>
+          </a:xfrm>
+          <a:prstGeom prst="rect">
+            <a:avLst/>
+          </a:prstGeom>
+          <a:noFill/>
+        </p:spPr>
+        <p:txBody>
+          <a:bodyPr wrap="square" rtlCol="0">
+            <a:spAutoFit/>
+          </a:bodyPr>
+          <a:lstStyle/>
+          <a:p>
+            <a:pPr algn="ctr"/>
+            <a:r>
+              <a:rPr lang="en-US" sz="7200" b="1" dirty="0">
+                <a:solidFill>
+                  <a:schemeClr val="tx2"/>
+                </a:solidFill>
+                <a:latin typeface="Arial" panose="020B0604020202020204" pitchFamily="34" charset="0"/>
+                <a:cs typeface="Arial" panose="020B0604020202020204" pitchFamily="34" charset="0"/>
+              </a:rPr>
+              <a:t>What is Design?</a:t>
+            </a:r>
+          </a:p>
+        </p:txBody>
+      </p:sp>
+    </p:spTree>
+    <p:extLst>
+      <p:ext uri="{BB962C8B-B14F-4D97-AF65-F5344CB8AC3E}">
+        <p14:creationId xmlns:p14="http://schemas.microsoft.com/office/powerpoint/2010/main" val="2531996308"/>
+      </p:ext>
+    </p:extLst>
+  </p:cSld>
+  <p:clrMapOvr>
+    <a:masterClrMapping/>
+  </p:clrMapOvr>
+</p:sld>
+</file>
+
+<file path=ppt/slides/slide8.xml><?xml version="1.0" encoding="utf-8"?>
+<p:sld xmlns:a="http://schemas.openxmlformats.org/drawingml/2006/main" xmlns:r="http://schemas.openxmlformats.org/officeDocument/2006/relationships" xmlns:p="http://schemas.openxmlformats.org/presentationml/2006/main">
+  <p:cSld>
+    <p:spTree>
+      <p:nvGrpSpPr>
+        <p:cNvPr id="1" name="">
+          <a:extLst>
+            <a:ext uri="{FF2B5EF4-FFF2-40B4-BE49-F238E27FC236}">
+              <a16:creationId xmlns:a16="http://schemas.microsoft.com/office/drawing/2014/main" id="{DF7D7726-F434-B382-431D-4A2EF541C27B}"/>
+            </a:ext>
+          </a:extLst>
+        </p:cNvPr>
+        <p:cNvGrpSpPr/>
+        <p:nvPr/>
+      </p:nvGrpSpPr>
+      <p:grpSpPr>
+        <a:xfrm>
+          <a:off x="0" y="0"/>
+          <a:ext cx="0" cy="0"/>
+          <a:chOff x="0" y="0"/>
+          <a:chExt cx="0" cy="0"/>
+        </a:xfrm>
+      </p:grpSpPr>
+      <p:sp>
+        <p:nvSpPr>
+          <p:cNvPr id="6" name="TextBox 5">
+            <a:extLst>
+              <a:ext uri="{FF2B5EF4-FFF2-40B4-BE49-F238E27FC236}">
+                <a16:creationId xmlns:a16="http://schemas.microsoft.com/office/drawing/2014/main" id="{1AE77A9A-AD9E-BB91-2549-A53CE858440D}"/>
+              </a:ext>
+            </a:extLst>
+          </p:cNvPr>
+          <p:cNvSpPr txBox="1"/>
+          <p:nvPr/>
+        </p:nvSpPr>
+        <p:spPr>
+          <a:xfrm>
+            <a:off x="102742" y="113016"/>
+            <a:ext cx="6096000" cy="646331"/>
+          </a:xfrm>
+          <a:prstGeom prst="rect">
+            <a:avLst/>
+          </a:prstGeom>
+          <a:noFill/>
+        </p:spPr>
+        <p:txBody>
+          <a:bodyPr wrap="square" rtlCol="0">
+            <a:spAutoFit/>
+          </a:bodyPr>
+          <a:lstStyle/>
+          <a:p>
+            <a:r>
+              <a:rPr lang="en-US" sz="2000" b="1" dirty="0">
+                <a:solidFill>
+                  <a:schemeClr val="tx2"/>
+                </a:solidFill>
+                <a:latin typeface="Arial" panose="020B0604020202020204" pitchFamily="34" charset="0"/>
+                <a:cs typeface="Arial" panose="020B0604020202020204" pitchFamily="34" charset="0"/>
+              </a:rPr>
+              <a:t>Web Design 101: “Introduction to course”</a:t>
+            </a:r>
+          </a:p>
+          <a:p>
+            <a:r>
+              <a:rPr lang="en-US" sz="1600" b="1" dirty="0">
+                <a:solidFill>
+                  <a:schemeClr val="tx2"/>
+                </a:solidFill>
+                <a:latin typeface="Arial" panose="020B0604020202020204" pitchFamily="34" charset="0"/>
+                <a:cs typeface="Arial" panose="020B0604020202020204" pitchFamily="34" charset="0"/>
+              </a:rPr>
+              <a:t>Lecturer: PENG LYKHEANG </a:t>
+            </a:r>
+          </a:p>
+        </p:txBody>
+      </p:sp>
+      <p:sp>
+        <p:nvSpPr>
+          <p:cNvPr id="3" name="TextBox 2">
+            <a:extLst>
+              <a:ext uri="{FF2B5EF4-FFF2-40B4-BE49-F238E27FC236}">
+                <a16:creationId xmlns:a16="http://schemas.microsoft.com/office/drawing/2014/main" id="{C181E9D5-90EF-10F4-476A-2899DBEAE39F}"/>
+              </a:ext>
+            </a:extLst>
+          </p:cNvPr>
+          <p:cNvSpPr txBox="1"/>
+          <p:nvPr/>
+        </p:nvSpPr>
+        <p:spPr>
+          <a:xfrm>
+            <a:off x="2923354" y="3429000"/>
+            <a:ext cx="6550774" cy="1200329"/>
+          </a:xfrm>
+          <a:prstGeom prst="rect">
+            <a:avLst/>
+          </a:prstGeom>
+          <a:noFill/>
+        </p:spPr>
+        <p:txBody>
+          <a:bodyPr wrap="square">
+            <a:spAutoFit/>
+          </a:bodyPr>
+          <a:lstStyle/>
+          <a:p>
+            <a:r>
+              <a:rPr lang="en-US" b="1" dirty="0">
+                <a:solidFill>
+                  <a:srgbClr val="002060"/>
+                </a:solidFill>
+                <a:effectLst/>
+                <a:latin typeface="Arial" panose="020B0604020202020204" pitchFamily="34" charset="0"/>
+                <a:cs typeface="Arial" panose="020B0604020202020204" pitchFamily="34" charset="0"/>
+              </a:rPr>
+              <a:t>There would be covered on fundamental topic on web design and development. This course mainly focus on topic such as HTML, CSS, Java script, and responsive design. </a:t>
+            </a:r>
+          </a:p>
+        </p:txBody>
+      </p:sp>
+      <p:sp>
+        <p:nvSpPr>
+          <p:cNvPr id="7" name="TextBox 6">
+            <a:extLst>
+              <a:ext uri="{FF2B5EF4-FFF2-40B4-BE49-F238E27FC236}">
+                <a16:creationId xmlns:a16="http://schemas.microsoft.com/office/drawing/2014/main" id="{AF83391A-E909-70CE-4275-2032419C37B7}"/>
+              </a:ext>
+            </a:extLst>
+          </p:cNvPr>
+          <p:cNvSpPr txBox="1"/>
+          <p:nvPr/>
+        </p:nvSpPr>
+        <p:spPr>
+          <a:xfrm>
+            <a:off x="2328457" y="2321004"/>
+            <a:ext cx="7740569" cy="1107996"/>
+          </a:xfrm>
+          <a:prstGeom prst="rect">
+            <a:avLst/>
+          </a:prstGeom>
+          <a:noFill/>
+        </p:spPr>
+        <p:txBody>
+          <a:bodyPr wrap="square">
+            <a:spAutoFit/>
+          </a:bodyPr>
+          <a:lstStyle/>
+          <a:p>
+            <a:pPr algn="ctr"/>
+            <a:r>
+              <a:rPr lang="en-US" sz="6600" b="1" dirty="0">
+                <a:solidFill>
+                  <a:srgbClr val="002060"/>
+                </a:solidFill>
+                <a:latin typeface="Arial" panose="020B0604020202020204" pitchFamily="34" charset="0"/>
+                <a:cs typeface="Arial" panose="020B0604020202020204" pitchFamily="34" charset="0"/>
+              </a:rPr>
+              <a:t>Web Design 101</a:t>
+            </a:r>
+            <a:endParaRPr lang="en-US" sz="6600" dirty="0">
+              <a:solidFill>
+                <a:srgbClr val="002060"/>
+              </a:solidFill>
+            </a:endParaRPr>
+          </a:p>
+        </p:txBody>
+      </p:sp>
+    </p:spTree>
+    <p:extLst>
+      <p:ext uri="{BB962C8B-B14F-4D97-AF65-F5344CB8AC3E}">
+        <p14:creationId xmlns:p14="http://schemas.microsoft.com/office/powerpoint/2010/main" val="2050049423"/>
+      </p:ext>
+    </p:extLst>
+  </p:cSld>
+  <p:clrMapOvr>
+    <a:masterClrMapping/>
+  </p:clrMapOvr>
+</p:sld>
+</file>
+
+<file path=ppt/slides/slide9.xml><?xml version="1.0" encoding="utf-8"?>
+<p:sld xmlns:a="http://schemas.openxmlformats.org/drawingml/2006/main" xmlns:r="http://schemas.openxmlformats.org/officeDocument/2006/relationships" xmlns:p="http://schemas.openxmlformats.org/presentationml/2006/main">
+  <p:cSld>
+    <p:spTree>
+      <p:nvGrpSpPr>
+        <p:cNvPr id="1" name="">
+          <a:extLst>
+            <a:ext uri="{FF2B5EF4-FFF2-40B4-BE49-F238E27FC236}">
+              <a16:creationId xmlns:a16="http://schemas.microsoft.com/office/drawing/2014/main" id="{810C0A07-6232-C67E-2895-F378CE79F546}"/>
+            </a:ext>
+          </a:extLst>
+        </p:cNvPr>
+        <p:cNvGrpSpPr/>
+        <p:nvPr/>
+      </p:nvGrpSpPr>
+      <p:grpSpPr>
+        <a:xfrm>
+          <a:off x="0" y="0"/>
+          <a:ext cx="0" cy="0"/>
+          <a:chOff x="0" y="0"/>
+          <a:chExt cx="0" cy="0"/>
+        </a:xfrm>
+      </p:grpSpPr>
+      <p:sp>
+        <p:nvSpPr>
+          <p:cNvPr id="6" name="TextBox 5">
+            <a:extLst>
+              <a:ext uri="{FF2B5EF4-FFF2-40B4-BE49-F238E27FC236}">
+                <a16:creationId xmlns:a16="http://schemas.microsoft.com/office/drawing/2014/main" id="{A02DB449-A525-E65C-EAA2-5584A2912AD3}"/>
+              </a:ext>
+            </a:extLst>
+          </p:cNvPr>
+          <p:cNvSpPr txBox="1"/>
+          <p:nvPr/>
+        </p:nvSpPr>
+        <p:spPr>
+          <a:xfrm>
+            <a:off x="102742" y="113016"/>
+            <a:ext cx="6096000" cy="646331"/>
+          </a:xfrm>
+          <a:prstGeom prst="rect">
+            <a:avLst/>
+          </a:prstGeom>
+          <a:noFill/>
+        </p:spPr>
+        <p:txBody>
+          <a:bodyPr wrap="square" rtlCol="0">
+            <a:spAutoFit/>
+          </a:bodyPr>
+          <a:lstStyle/>
+          <a:p>
+            <a:r>
+              <a:rPr lang="en-US" sz="2000" b="1" dirty="0">
+                <a:solidFill>
+                  <a:schemeClr val="tx2"/>
+                </a:solidFill>
+                <a:latin typeface="Arial" panose="020B0604020202020204" pitchFamily="34" charset="0"/>
+                <a:cs typeface="Arial" panose="020B0604020202020204" pitchFamily="34" charset="0"/>
+              </a:rPr>
+              <a:t>Web Design 101: “Introduction to course”</a:t>
+            </a:r>
+          </a:p>
+          <a:p>
+            <a:r>
+              <a:rPr lang="en-US" sz="1600" b="1" dirty="0">
+                <a:solidFill>
+                  <a:schemeClr val="tx2"/>
+                </a:solidFill>
+                <a:latin typeface="Arial" panose="020B0604020202020204" pitchFamily="34" charset="0"/>
+                <a:cs typeface="Arial" panose="020B0604020202020204" pitchFamily="34" charset="0"/>
+              </a:rPr>
+              <a:t>Lecturer: PENG LYKHEANG </a:t>
+            </a:r>
+          </a:p>
+        </p:txBody>
+      </p:sp>
+      <p:sp>
+        <p:nvSpPr>
+          <p:cNvPr id="7" name="TextBox 6">
+            <a:extLst>
+              <a:ext uri="{FF2B5EF4-FFF2-40B4-BE49-F238E27FC236}">
+                <a16:creationId xmlns:a16="http://schemas.microsoft.com/office/drawing/2014/main" id="{44AF38C4-EF69-47C8-3579-2917B9C28E01}"/>
+              </a:ext>
+            </a:extLst>
+          </p:cNvPr>
+          <p:cNvSpPr txBox="1"/>
+          <p:nvPr/>
+        </p:nvSpPr>
+        <p:spPr>
+          <a:xfrm>
+            <a:off x="552699" y="1325582"/>
+            <a:ext cx="11086601" cy="769441"/>
+          </a:xfrm>
+          <a:prstGeom prst="rect">
+            <a:avLst/>
+          </a:prstGeom>
+          <a:noFill/>
+        </p:spPr>
+        <p:txBody>
+          <a:bodyPr wrap="square">
+            <a:spAutoFit/>
+          </a:bodyPr>
+          <a:lstStyle/>
+          <a:p>
+            <a:pPr algn="ctr"/>
+            <a:r>
+              <a:rPr lang="en-US" sz="4400" b="1" dirty="0">
+                <a:solidFill>
+                  <a:srgbClr val="002060"/>
+                </a:solidFill>
+                <a:latin typeface="Arial" panose="020B0604020202020204" pitchFamily="34" charset="0"/>
+                <a:cs typeface="Arial" panose="020B0604020202020204" pitchFamily="34" charset="0"/>
+              </a:rPr>
+              <a:t>Expectation of the Course</a:t>
+            </a:r>
+            <a:endParaRPr lang="en-US" sz="4400" dirty="0">
+              <a:solidFill>
+                <a:srgbClr val="002060"/>
+              </a:solidFill>
+            </a:endParaRPr>
+          </a:p>
+        </p:txBody>
+      </p:sp>
+      <p:sp>
+        <p:nvSpPr>
+          <p:cNvPr id="4" name="TextBox 3">
+            <a:extLst>
+              <a:ext uri="{FF2B5EF4-FFF2-40B4-BE49-F238E27FC236}">
+                <a16:creationId xmlns:a16="http://schemas.microsoft.com/office/drawing/2014/main" id="{EAE7A24D-A9CB-7536-49F7-9E32787D903B}"/>
+              </a:ext>
+            </a:extLst>
+          </p:cNvPr>
+          <p:cNvSpPr txBox="1"/>
+          <p:nvPr/>
+        </p:nvSpPr>
+        <p:spPr>
+          <a:xfrm>
+            <a:off x="2536327" y="2228985"/>
+            <a:ext cx="7324829" cy="3789884"/>
+          </a:xfrm>
+          <a:prstGeom prst="rect">
+            <a:avLst/>
+          </a:prstGeom>
+          <a:noFill/>
+        </p:spPr>
+        <p:txBody>
+          <a:bodyPr wrap="square">
+            <a:spAutoFit/>
+          </a:bodyPr>
+          <a:lstStyle/>
+          <a:p>
+            <a:pPr marL="285750" indent="-285750">
+              <a:buFont typeface="Arial" panose="020B0604020202020204" pitchFamily="34" charset="0"/>
+              <a:buChar char="•"/>
+            </a:pPr>
+            <a:r>
+              <a:rPr lang="en-US" sz="2400" b="1" dirty="0">
+                <a:solidFill>
+                  <a:srgbClr val="002060"/>
+                </a:solidFill>
+                <a:effectLst/>
+                <a:latin typeface="Arial" panose="020B0604020202020204" pitchFamily="34" charset="0"/>
+                <a:cs typeface="Arial" panose="020B0604020202020204" pitchFamily="34" charset="0"/>
+              </a:rPr>
+              <a:t>Knowledge on fundamental of Web Development and Design</a:t>
+            </a:r>
+          </a:p>
+          <a:p>
+            <a:pPr marL="285750" indent="-285750">
+              <a:buFont typeface="Arial" panose="020B0604020202020204" pitchFamily="34" charset="0"/>
+              <a:buChar char="•"/>
+            </a:pPr>
+            <a:r>
+              <a:rPr lang="en-US" sz="2400" b="1" dirty="0">
+                <a:solidFill>
+                  <a:srgbClr val="002060"/>
+                </a:solidFill>
+                <a:effectLst/>
+                <a:latin typeface="Arial" panose="020B0604020202020204" pitchFamily="34" charset="0"/>
+                <a:cs typeface="Arial" panose="020B0604020202020204" pitchFamily="34" charset="0"/>
+              </a:rPr>
+              <a:t>Be able development basic website using HTML, CSS, and Java Script.</a:t>
+            </a:r>
+          </a:p>
+          <a:p>
+            <a:pPr marL="285750" indent="-285750">
+              <a:buFont typeface="Arial" panose="020B0604020202020204" pitchFamily="34" charset="0"/>
+              <a:buChar char="•"/>
+            </a:pPr>
+            <a:r>
+              <a:rPr lang="en-US" sz="2400" b="1" dirty="0">
+                <a:solidFill>
+                  <a:srgbClr val="002060"/>
+                </a:solidFill>
+                <a:effectLst/>
+                <a:latin typeface="Arial" panose="020B0604020202020204" pitchFamily="34" charset="0"/>
+                <a:cs typeface="Arial" panose="020B0604020202020204" pitchFamily="34" charset="0"/>
+              </a:rPr>
+              <a:t>Be able to design responsive website</a:t>
+            </a:r>
+          </a:p>
+          <a:p>
+            <a:pPr marL="285750" indent="-285750">
+              <a:buFont typeface="Arial" panose="020B0604020202020204" pitchFamily="34" charset="0"/>
+              <a:buChar char="•"/>
+            </a:pPr>
+            <a:r>
+              <a:rPr lang="en-US" sz="2400" b="1" dirty="0">
+                <a:solidFill>
+                  <a:srgbClr val="002060"/>
+                </a:solidFill>
+                <a:effectLst/>
+                <a:latin typeface="Arial" panose="020B0604020202020204" pitchFamily="34" charset="0"/>
+                <a:cs typeface="Arial" panose="020B0604020202020204" pitchFamily="34" charset="0"/>
+              </a:rPr>
+              <a:t>Know basic tool for UX/UI design and Version control (GitHub).</a:t>
+            </a:r>
+          </a:p>
+          <a:p>
+            <a:pPr marL="285750" indent="-285750">
+              <a:buFont typeface="Arial" panose="020B0604020202020204" pitchFamily="34" charset="0"/>
+              <a:buChar char="•"/>
+            </a:pPr>
+            <a:r>
+              <a:rPr lang="en-US" sz="2400" b="1" dirty="0">
+                <a:solidFill>
+                  <a:srgbClr val="002060"/>
+                </a:solidFill>
+                <a:effectLst/>
+                <a:latin typeface="Arial" panose="020B0604020202020204" pitchFamily="34" charset="0"/>
+                <a:cs typeface="Arial" panose="020B0604020202020204" pitchFamily="34" charset="0"/>
+              </a:rPr>
+              <a:t>Be Getting knowledge of how to deploy a website.</a:t>
+            </a:r>
+          </a:p>
+          <a:p>
+            <a:pPr>
+              <a:lnSpc>
+                <a:spcPts val="1425"/>
+              </a:lnSpc>
+            </a:pPr>
+            <a:br>
+              <a:rPr lang="en-US" b="0" dirty="0">
+                <a:solidFill>
+                  <a:srgbClr val="CCCCCC"/>
+                </a:solidFill>
+                <a:effectLst/>
+                <a:latin typeface="Consolas" panose="020B0609020204030204" pitchFamily="49" charset="0"/>
+              </a:rPr>
+            </a:br>
+            <a:endParaRPr lang="en-US" b="0" dirty="0">
+              <a:solidFill>
+                <a:srgbClr val="CCCCCC"/>
+              </a:solidFill>
+              <a:effectLst/>
+              <a:latin typeface="Consolas" panose="020B0609020204030204" pitchFamily="49" charset="0"/>
+            </a:endParaRPr>
+          </a:p>
+        </p:txBody>
+      </p:sp>
+    </p:spTree>
+    <p:extLst>
+      <p:ext uri="{BB962C8B-B14F-4D97-AF65-F5344CB8AC3E}">
+        <p14:creationId xmlns:p14="http://schemas.microsoft.com/office/powerpoint/2010/main" val="3287940524"/>
       </p:ext>
     </p:extLst>
   </p:cSld>
